--- a/Lectures/Lesson 04 - Exceptions, Assertions.pptx
+++ b/Lectures/Lesson 04 - Exceptions, Assertions.pptx
@@ -231,7 +231,7 @@
           <a:p>
             <a:fld id="{0A45F888-980F-4700-99C4-DB5C5C750F3B}" type="datetimeFigureOut">
               <a:rPr lang="en-US" smtClean="0"/>
-              <a:t>10/28/2018</a:t>
+              <a:t>30-Oct-18</a:t>
             </a:fld>
             <a:endParaRPr lang="en-US"/>
           </a:p>
@@ -295,35 +295,35 @@
           <a:p>
             <a:pPr lvl="0"/>
             <a:r>
-              <a:rPr lang="ru-RU" smtClean="0"/>
+              <a:rPr lang="ru-RU"/>
               <a:t>Образец текста</a:t>
             </a:r>
           </a:p>
           <a:p>
             <a:pPr lvl="1"/>
             <a:r>
-              <a:rPr lang="ru-RU" smtClean="0"/>
+              <a:rPr lang="ru-RU"/>
               <a:t>Второй уровень</a:t>
             </a:r>
           </a:p>
           <a:p>
             <a:pPr lvl="2"/>
             <a:r>
-              <a:rPr lang="ru-RU" smtClean="0"/>
+              <a:rPr lang="ru-RU"/>
               <a:t>Третий уровень</a:t>
             </a:r>
           </a:p>
           <a:p>
             <a:pPr lvl="3"/>
             <a:r>
-              <a:rPr lang="ru-RU" smtClean="0"/>
+              <a:rPr lang="ru-RU"/>
               <a:t>Четвертый уровень</a:t>
             </a:r>
           </a:p>
           <a:p>
             <a:pPr lvl="4"/>
             <a:r>
-              <a:rPr lang="ru-RU" smtClean="0"/>
+              <a:rPr lang="ru-RU"/>
               <a:t>Пятый уровень</a:t>
             </a:r>
             <a:endParaRPr lang="en-US"/>
@@ -390,7 +390,7 @@
           <a:p>
             <a:fld id="{9FA4A20B-705A-46D6-8597-D40170E124C7}" type="slidenum">
               <a:rPr lang="en-US" smtClean="0"/>
-              <a:t>‹#›</a:t>
+              <a:t>‹№›</a:t>
             </a:fld>
             <a:endParaRPr lang="en-US"/>
           </a:p>
@@ -551,7 +551,7 @@
               <a:buChar char="•"/>
             </a:pPr>
             <a:r>
-              <a:rPr lang="en-US" sz="1200" dirty="0" smtClean="0"/>
+              <a:rPr lang="en-US" sz="1200" dirty="0"/>
               <a:t>Program tries to read a file that doesn’t exist.</a:t>
             </a:r>
           </a:p>
@@ -564,7 +564,7 @@
               <a:buChar char="•"/>
             </a:pPr>
             <a:r>
-              <a:rPr lang="en-US" sz="1200" dirty="0" smtClean="0"/>
+              <a:rPr lang="en-US" sz="1200" dirty="0"/>
               <a:t>Program tries to access a database, but the network connection to the database is unavailable.</a:t>
             </a:r>
           </a:p>
@@ -577,7 +577,7 @@
               <a:buChar char="•"/>
             </a:pPr>
             <a:r>
-              <a:rPr lang="en-US" sz="1200" dirty="0" smtClean="0"/>
+              <a:rPr lang="en-US" sz="1200" dirty="0"/>
               <a:t>Dev wrote an invalid SQL statement in your JDBC code.</a:t>
             </a:r>
           </a:p>
@@ -590,15 +590,15 @@
               <a:buChar char="•"/>
             </a:pPr>
             <a:r>
-              <a:rPr lang="en-US" sz="1200" dirty="0" smtClean="0"/>
+              <a:rPr lang="en-US" sz="1200" dirty="0"/>
               <a:t>Dev used the wrong format specifiers when using </a:t>
             </a:r>
             <a:r>
-              <a:rPr lang="en-US" sz="1200" dirty="0" err="1" smtClean="0"/>
+              <a:rPr lang="en-US" sz="1200" dirty="0" err="1"/>
               <a:t>DateTimeFormatter</a:t>
             </a:r>
             <a:r>
-              <a:rPr lang="en-US" sz="1200" dirty="0" smtClean="0"/>
+              <a:rPr lang="en-US" sz="1200" dirty="0"/>
               <a:t>.</a:t>
             </a:r>
           </a:p>
@@ -611,15 +611,15 @@
               <a:buChar char="•"/>
             </a:pPr>
             <a:r>
-              <a:rPr lang="en-US" sz="1200" dirty="0" smtClean="0"/>
+              <a:rPr lang="en-US" sz="1200" dirty="0"/>
               <a:t>Wrong arguments,</a:t>
             </a:r>
             <a:r>
-              <a:rPr lang="en-US" sz="1200" baseline="0" dirty="0" smtClean="0"/>
+              <a:rPr lang="en-US" sz="1200" baseline="0" dirty="0"/>
               <a:t> validation fails</a:t>
             </a:r>
             <a:r>
-              <a:rPr lang="en-US" sz="1200" dirty="0" smtClean="0"/>
+              <a:rPr lang="en-US" sz="1200" dirty="0"/>
               <a:t>…</a:t>
             </a:r>
           </a:p>
@@ -725,41 +725,33 @@
               <a:buNone/>
             </a:pPr>
             <a:r>
-              <a:rPr lang="en-US" altLang="ru-RU" sz="1200" b="1" dirty="0" smtClean="0"/>
-              <a:t>Multi-catch </a:t>
-            </a:r>
-            <a:r>
-              <a:rPr lang="en-US" altLang="ru-RU" sz="1200" b="1" dirty="0" smtClean="0"/>
-              <a:t>allows you to write code without duplication</a:t>
-            </a:r>
-          </a:p>
-          <a:p>
-            <a:r>
-              <a:rPr lang="en-US" dirty="0" smtClean="0"/>
+              <a:rPr lang="en-US" altLang="ru-RU" sz="1200" b="1" dirty="0"/>
+              <a:t>Multi-catch allows you to write code without duplication</a:t>
+            </a:r>
+          </a:p>
+          <a:p>
+            <a:r>
+              <a:rPr lang="en-US" dirty="0"/>
               <a:t>Multi-catch is Effectively final</a:t>
             </a:r>
           </a:p>
           <a:p>
             <a:r>
-              <a:rPr lang="en-US" dirty="0" smtClean="0"/>
+              <a:rPr lang="en-US" dirty="0"/>
               <a:t>Syntax – pipeline separated and only</a:t>
             </a:r>
             <a:r>
-              <a:rPr lang="en-US" baseline="0" dirty="0" smtClean="0"/>
-              <a:t> one </a:t>
-            </a:r>
-            <a:r>
-              <a:rPr lang="en-US" baseline="0" dirty="0" smtClean="0"/>
-              <a:t>variable</a:t>
-            </a:r>
-          </a:p>
-          <a:p>
-            <a:r>
-              <a:rPr lang="en-US" baseline="0" dirty="0" smtClean="0"/>
+              <a:rPr lang="en-US" baseline="0" dirty="0"/>
+              <a:t> one variable</a:t>
+            </a:r>
+          </a:p>
+          <a:p>
+            <a:r>
+              <a:rPr lang="en-US" baseline="0" dirty="0"/>
               <a:t>Exceptions should be in different </a:t>
             </a:r>
             <a:r>
-              <a:rPr lang="en-US" baseline="0" dirty="0" err="1" smtClean="0"/>
+              <a:rPr lang="en-US" baseline="0" dirty="0" err="1"/>
               <a:t>hierarhi</a:t>
             </a:r>
             <a:endParaRPr lang="en-US" dirty="0"/>
@@ -931,11 +923,11 @@
           <a:lstStyle/>
           <a:p>
             <a:r>
-              <a:rPr lang="en-US" dirty="0" smtClean="0"/>
+              <a:rPr lang="en-US" dirty="0"/>
               <a:t>Can</a:t>
             </a:r>
             <a:r>
-              <a:rPr lang="en-US" baseline="0" dirty="0" smtClean="0"/>
+              <a:rPr lang="en-US" baseline="0" dirty="0"/>
               <a:t> be used for resources close</a:t>
             </a:r>
             <a:endParaRPr lang="en-US" dirty="0"/>
@@ -1023,20 +1015,19 @@
           <a:lstStyle/>
           <a:p>
             <a:r>
-              <a:rPr lang="en-US" dirty="0" err="1" smtClean="0"/>
+              <a:rPr lang="en-US" dirty="0" err="1"/>
               <a:t>AutoCloseable</a:t>
             </a:r>
             <a:r>
-              <a:rPr lang="en-US" dirty="0" smtClean="0"/>
+              <a:rPr lang="en-US" dirty="0"/>
               <a:t> interface</a:t>
             </a:r>
           </a:p>
           <a:p>
             <a:r>
-              <a:rPr lang="en-US" dirty="0" smtClean="0"/>
+              <a:rPr lang="en-US" dirty="0"/>
               <a:t>Try-With-Resources</a:t>
             </a:r>
-            <a:endParaRPr lang="en-US" dirty="0"/>
           </a:p>
         </p:txBody>
       </p:sp>
@@ -1121,10 +1112,9 @@
           <a:lstStyle/>
           <a:p>
             <a:r>
-              <a:rPr lang="en-US" dirty="0" smtClean="0"/>
+              <a:rPr lang="en-US" dirty="0"/>
               <a:t>No boilerplate code anymore!</a:t>
             </a:r>
-            <a:endParaRPr lang="en-US" dirty="0"/>
           </a:p>
         </p:txBody>
       </p:sp>
@@ -1209,20 +1199,20 @@
           <a:lstStyle/>
           <a:p>
             <a:r>
-              <a:rPr lang="en-US" dirty="0" smtClean="0"/>
+              <a:rPr lang="en-US" dirty="0"/>
               <a:t>Try-With-Resources: resources are closed</a:t>
             </a:r>
             <a:r>
-              <a:rPr lang="en-US" baseline="0" dirty="0" smtClean="0"/>
+              <a:rPr lang="en-US" baseline="0" dirty="0"/>
               <a:t> in reverse</a:t>
             </a:r>
             <a:r>
-              <a:rPr lang="en-US" dirty="0" smtClean="0"/>
+              <a:rPr lang="en-US" dirty="0"/>
               <a:t> order</a:t>
             </a:r>
           </a:p>
           <a:p>
-            <a:endParaRPr lang="en-US" dirty="0" smtClean="0"/>
+            <a:endParaRPr lang="en-US" dirty="0"/>
           </a:p>
           <a:p>
             <a:pPr marL="0" lvl="0" indent="0" eaLnBrk="0" fontAlgn="base" hangingPunct="0">
@@ -1237,7 +1227,7 @@
               </a:spcAft>
               <a:buNone/>
             </a:pPr>
-            <a:endParaRPr lang="en-US" altLang="ru-RU" dirty="0" smtClean="0"/>
+            <a:endParaRPr lang="en-US" altLang="ru-RU" dirty="0"/>
           </a:p>
           <a:p>
             <a:pPr marL="0" lvl="0" indent="0" eaLnBrk="0" fontAlgn="base" hangingPunct="0">
@@ -1253,7 +1243,7 @@
               <a:buNone/>
             </a:pPr>
             <a:r>
-              <a:rPr lang="en-US" altLang="ru-RU" dirty="0" smtClean="0"/>
+              <a:rPr lang="en-US" altLang="ru-RU" dirty="0"/>
               <a:t>close() method recommended to be idempotent</a:t>
             </a:r>
           </a:p>
@@ -1271,7 +1261,7 @@
               <a:buFontTx/>
               <a:buChar char="-"/>
             </a:pPr>
-            <a:endParaRPr lang="en-US" altLang="ru-RU" dirty="0" smtClean="0"/>
+            <a:endParaRPr lang="en-US" altLang="ru-RU" dirty="0"/>
           </a:p>
           <a:p>
             <a:pPr marL="0" lvl="0" indent="0" eaLnBrk="0" fontAlgn="base" hangingPunct="0">
@@ -1287,12 +1277,12 @@
               <a:buNone/>
             </a:pPr>
             <a:r>
-              <a:rPr lang="en-US" altLang="ru-RU" dirty="0" smtClean="0"/>
+              <a:rPr lang="en-US" altLang="ru-RU" dirty="0"/>
               <a:t>close() method should throw most specific exception</a:t>
             </a:r>
           </a:p>
           <a:p>
-            <a:endParaRPr lang="en-US" dirty="0" smtClean="0"/>
+            <a:endParaRPr lang="en-US" dirty="0"/>
           </a:p>
         </p:txBody>
       </p:sp>
@@ -1726,146 +1716,146 @@
               <a:buAutoNum type="arabicPeriod"/>
             </a:pPr>
             <a:r>
-              <a:rPr lang="uk-UA" altLang="uk-UA" sz="1200" b="0" dirty="0" err="1" smtClean="0"/>
+              <a:rPr lang="uk-UA" altLang="uk-UA" sz="1200" b="0" dirty="0" err="1"/>
               <a:t>java.lang.Exception</a:t>
             </a:r>
             <a:r>
-              <a:rPr lang="en-US" altLang="uk-UA" sz="1200" b="0" dirty="0" smtClean="0"/>
+              <a:rPr lang="en-US" altLang="uk-UA" sz="1200" b="0" dirty="0"/>
               <a:t> - E</a:t>
             </a:r>
             <a:r>
-              <a:rPr lang="uk-UA" altLang="uk-UA" sz="1200" b="0" dirty="0" err="1" smtClean="0"/>
+              <a:rPr lang="uk-UA" altLang="uk-UA" sz="1200" b="0" dirty="0" err="1"/>
               <a:t>rrors</a:t>
             </a:r>
             <a:r>
-              <a:rPr lang="uk-UA" altLang="uk-UA" sz="1200" b="0" dirty="0" smtClean="0"/>
+              <a:rPr lang="uk-UA" altLang="uk-UA" sz="1200" b="0" dirty="0"/>
               <a:t> </a:t>
             </a:r>
             <a:r>
-              <a:rPr lang="uk-UA" altLang="uk-UA" sz="1200" b="0" dirty="0" err="1" smtClean="0"/>
+              <a:rPr lang="uk-UA" altLang="uk-UA" sz="1200" b="0" dirty="0" err="1"/>
               <a:t>that</a:t>
             </a:r>
             <a:r>
-              <a:rPr lang="uk-UA" altLang="uk-UA" sz="1200" b="0" dirty="0" smtClean="0"/>
+              <a:rPr lang="uk-UA" altLang="uk-UA" sz="1200" b="0" dirty="0"/>
               <a:t> </a:t>
             </a:r>
             <a:r>
-              <a:rPr lang="uk-UA" altLang="uk-UA" sz="1200" b="0" dirty="0" err="1" smtClean="0"/>
+              <a:rPr lang="uk-UA" altLang="uk-UA" sz="1200" b="0" dirty="0" err="1"/>
               <a:t>are</a:t>
             </a:r>
             <a:r>
-              <a:rPr lang="uk-UA" altLang="uk-UA" sz="1200" b="0" dirty="0" smtClean="0"/>
+              <a:rPr lang="uk-UA" altLang="uk-UA" sz="1200" b="0" dirty="0"/>
               <a:t> </a:t>
             </a:r>
             <a:r>
-              <a:rPr lang="uk-UA" altLang="uk-UA" sz="1200" b="0" dirty="0" err="1" smtClean="0"/>
+              <a:rPr lang="uk-UA" altLang="uk-UA" sz="1200" b="0" dirty="0" err="1"/>
               <a:t>expected</a:t>
             </a:r>
             <a:r>
-              <a:rPr lang="uk-UA" altLang="uk-UA" sz="1200" b="0" dirty="0" smtClean="0"/>
+              <a:rPr lang="uk-UA" altLang="uk-UA" sz="1200" b="0" dirty="0"/>
               <a:t>. </a:t>
             </a:r>
             <a:r>
-              <a:rPr lang="uk-UA" altLang="uk-UA" sz="1200" b="0" dirty="0" err="1" smtClean="0"/>
+              <a:rPr lang="uk-UA" altLang="uk-UA" sz="1200" b="0" dirty="0" err="1"/>
               <a:t>In</a:t>
             </a:r>
             <a:r>
-              <a:rPr lang="uk-UA" altLang="uk-UA" sz="1200" b="0" dirty="0" smtClean="0"/>
+              <a:rPr lang="uk-UA" altLang="uk-UA" sz="1200" b="0" dirty="0"/>
               <a:t> </a:t>
             </a:r>
             <a:r>
-              <a:rPr lang="uk-UA" altLang="uk-UA" sz="1200" b="0" dirty="0" err="1" smtClean="0"/>
+              <a:rPr lang="uk-UA" altLang="uk-UA" sz="1200" b="0" dirty="0" err="1"/>
               <a:t>some</a:t>
             </a:r>
             <a:r>
-              <a:rPr lang="uk-UA" altLang="uk-UA" sz="1200" b="0" dirty="0" smtClean="0"/>
+              <a:rPr lang="uk-UA" altLang="uk-UA" sz="1200" b="0" dirty="0"/>
               <a:t> </a:t>
             </a:r>
             <a:r>
-              <a:rPr lang="uk-UA" altLang="uk-UA" sz="1200" b="0" dirty="0" err="1" smtClean="0"/>
+              <a:rPr lang="uk-UA" altLang="uk-UA" sz="1200" b="0" dirty="0" err="1"/>
               <a:t>cases</a:t>
             </a:r>
             <a:r>
-              <a:rPr lang="uk-UA" altLang="uk-UA" sz="1200" b="0" dirty="0" smtClean="0"/>
+              <a:rPr lang="uk-UA" altLang="uk-UA" sz="1200" b="0" dirty="0"/>
               <a:t>, </a:t>
             </a:r>
             <a:r>
-              <a:rPr lang="uk-UA" altLang="uk-UA" sz="1200" b="0" dirty="0" err="1" smtClean="0"/>
+              <a:rPr lang="uk-UA" altLang="uk-UA" sz="1200" b="0" dirty="0" err="1"/>
               <a:t>the</a:t>
             </a:r>
             <a:r>
-              <a:rPr lang="uk-UA" altLang="uk-UA" sz="1200" b="0" dirty="0" smtClean="0"/>
+              <a:rPr lang="uk-UA" altLang="uk-UA" sz="1200" b="0" dirty="0"/>
               <a:t> </a:t>
             </a:r>
             <a:r>
-              <a:rPr lang="uk-UA" altLang="uk-UA" sz="1200" b="0" dirty="0" err="1" smtClean="0"/>
+              <a:rPr lang="uk-UA" altLang="uk-UA" sz="1200" b="0" dirty="0" err="1"/>
               <a:t>program</a:t>
             </a:r>
             <a:r>
-              <a:rPr lang="uk-UA" altLang="uk-UA" sz="1200" b="0" dirty="0" smtClean="0"/>
+              <a:rPr lang="uk-UA" altLang="uk-UA" sz="1200" b="0" dirty="0"/>
               <a:t> </a:t>
             </a:r>
             <a:r>
-              <a:rPr lang="uk-UA" altLang="uk-UA" sz="1200" b="0" dirty="0" err="1" smtClean="0"/>
+              <a:rPr lang="uk-UA" altLang="uk-UA" sz="1200" b="0" dirty="0" err="1"/>
               <a:t>can</a:t>
             </a:r>
             <a:r>
-              <a:rPr lang="uk-UA" altLang="uk-UA" sz="1200" b="0" dirty="0" smtClean="0"/>
+              <a:rPr lang="uk-UA" altLang="uk-UA" sz="1200" b="0" dirty="0"/>
               <a:t> </a:t>
             </a:r>
             <a:r>
-              <a:rPr lang="uk-UA" altLang="uk-UA" sz="1200" b="0" dirty="0" err="1" smtClean="0"/>
+              <a:rPr lang="uk-UA" altLang="uk-UA" sz="1200" b="0" dirty="0" err="1"/>
               <a:t>recover</a:t>
             </a:r>
             <a:r>
-              <a:rPr lang="uk-UA" altLang="uk-UA" sz="1200" b="0" dirty="0" smtClean="0"/>
+              <a:rPr lang="uk-UA" altLang="uk-UA" sz="1200" b="0" dirty="0"/>
               <a:t> </a:t>
             </a:r>
             <a:r>
-              <a:rPr lang="uk-UA" altLang="uk-UA" sz="1200" b="0" dirty="0" err="1" smtClean="0"/>
+              <a:rPr lang="uk-UA" altLang="uk-UA" sz="1200" b="0" dirty="0" err="1"/>
               <a:t>itself</a:t>
             </a:r>
             <a:r>
-              <a:rPr lang="uk-UA" altLang="uk-UA" sz="1200" b="0" dirty="0" smtClean="0"/>
+              <a:rPr lang="uk-UA" altLang="uk-UA" sz="1200" b="0" dirty="0"/>
               <a:t> </a:t>
             </a:r>
             <a:r>
-              <a:rPr lang="uk-UA" altLang="uk-UA" sz="1200" b="0" dirty="0" err="1" smtClean="0"/>
+              <a:rPr lang="uk-UA" altLang="uk-UA" sz="1200" b="0" dirty="0" err="1"/>
               <a:t>from</a:t>
             </a:r>
             <a:r>
-              <a:rPr lang="uk-UA" altLang="uk-UA" sz="1200" b="0" dirty="0" smtClean="0"/>
+              <a:rPr lang="uk-UA" altLang="uk-UA" sz="1200" b="0" dirty="0"/>
               <a:t> </a:t>
             </a:r>
             <a:r>
-              <a:rPr lang="en-US" altLang="uk-UA" sz="1200" b="0" dirty="0" smtClean="0"/>
+              <a:rPr lang="en-US" altLang="uk-UA" sz="1200" b="0" dirty="0"/>
               <a:t>them (</a:t>
             </a:r>
             <a:r>
-              <a:rPr lang="uk-UA" altLang="uk-UA" sz="1200" b="0" dirty="0" err="1" smtClean="0"/>
+              <a:rPr lang="uk-UA" altLang="uk-UA" sz="1200" b="0" dirty="0" err="1"/>
               <a:t>IOException</a:t>
             </a:r>
             <a:r>
-              <a:rPr lang="uk-UA" altLang="uk-UA" sz="1200" b="0" dirty="0" smtClean="0"/>
+              <a:rPr lang="uk-UA" altLang="uk-UA" sz="1200" b="0" dirty="0"/>
               <a:t>, </a:t>
             </a:r>
             <a:r>
-              <a:rPr lang="uk-UA" altLang="uk-UA" sz="1200" b="0" dirty="0" err="1" smtClean="0"/>
+              <a:rPr lang="uk-UA" altLang="uk-UA" sz="1200" b="0" dirty="0" err="1"/>
               <a:t>ParseException</a:t>
             </a:r>
             <a:r>
-              <a:rPr lang="uk-UA" altLang="uk-UA" sz="1200" b="0" dirty="0" smtClean="0"/>
+              <a:rPr lang="uk-UA" altLang="uk-UA" sz="1200" b="0" dirty="0"/>
               <a:t>, </a:t>
             </a:r>
             <a:r>
-              <a:rPr lang="uk-UA" altLang="uk-UA" sz="1200" b="0" dirty="0" err="1" smtClean="0"/>
+              <a:rPr lang="uk-UA" altLang="uk-UA" sz="1200" b="0" dirty="0" err="1"/>
               <a:t>SQLException</a:t>
             </a:r>
             <a:r>
-              <a:rPr lang="en-US" altLang="uk-UA" sz="1200" b="0" dirty="0" smtClean="0"/>
+              <a:rPr lang="en-US" altLang="uk-UA" sz="1200" b="0" dirty="0"/>
               <a:t>)</a:t>
             </a:r>
-            <a:endParaRPr lang="uk-UA" altLang="uk-UA" sz="1200" b="0" dirty="0" smtClean="0"/>
+            <a:endParaRPr lang="uk-UA" altLang="uk-UA" sz="1200" b="0" dirty="0"/>
           </a:p>
           <a:p>
             <a:pPr marL="228600" indent="-228600" eaLnBrk="0" fontAlgn="base" hangingPunct="0">
@@ -1882,166 +1872,166 @@
               <a:buAutoNum type="arabicPeriod"/>
             </a:pPr>
             <a:r>
-              <a:rPr lang="uk-UA" altLang="uk-UA" sz="1200" b="0" dirty="0" err="1" smtClean="0"/>
+              <a:rPr lang="uk-UA" altLang="uk-UA" sz="1200" b="0" dirty="0" err="1"/>
               <a:t>java.lang.RuntimeException</a:t>
             </a:r>
             <a:r>
-              <a:rPr lang="en-US" altLang="uk-UA" sz="1200" b="0" dirty="0" smtClean="0"/>
+              <a:rPr lang="en-US" altLang="uk-UA" sz="1200" b="0" dirty="0"/>
               <a:t> - U</a:t>
             </a:r>
             <a:r>
-              <a:rPr lang="uk-UA" altLang="uk-UA" sz="1200" b="0" dirty="0" err="1" smtClean="0"/>
+              <a:rPr lang="uk-UA" altLang="uk-UA" sz="1200" b="0" dirty="0" err="1"/>
               <a:t>nexpected</a:t>
             </a:r>
             <a:r>
-              <a:rPr lang="uk-UA" altLang="uk-UA" sz="1200" b="0" dirty="0" smtClean="0"/>
+              <a:rPr lang="uk-UA" altLang="uk-UA" sz="1200" b="0" dirty="0"/>
               <a:t> </a:t>
             </a:r>
             <a:r>
-              <a:rPr lang="uk-UA" altLang="uk-UA" sz="1200" b="0" dirty="0" err="1" smtClean="0"/>
+              <a:rPr lang="uk-UA" altLang="uk-UA" sz="1200" b="0" dirty="0" err="1"/>
               <a:t>errors</a:t>
             </a:r>
             <a:r>
-              <a:rPr lang="uk-UA" altLang="uk-UA" sz="1200" b="0" dirty="0" smtClean="0"/>
+              <a:rPr lang="uk-UA" altLang="uk-UA" sz="1200" b="0" dirty="0"/>
               <a:t> </a:t>
             </a:r>
             <a:r>
-              <a:rPr lang="uk-UA" altLang="uk-UA" sz="1200" b="0" dirty="0" err="1" smtClean="0"/>
+              <a:rPr lang="uk-UA" altLang="uk-UA" sz="1200" b="0" dirty="0" err="1"/>
               <a:t>generated</a:t>
             </a:r>
             <a:r>
-              <a:rPr lang="uk-UA" altLang="uk-UA" sz="1200" b="0" dirty="0" smtClean="0"/>
+              <a:rPr lang="uk-UA" altLang="uk-UA" sz="1200" b="0" dirty="0"/>
               <a:t> </a:t>
             </a:r>
             <a:r>
-              <a:rPr lang="uk-UA" altLang="uk-UA" sz="1200" b="0" dirty="0" err="1" smtClean="0"/>
+              <a:rPr lang="uk-UA" altLang="uk-UA" sz="1200" b="0" dirty="0" err="1"/>
               <a:t>at</a:t>
             </a:r>
             <a:r>
-              <a:rPr lang="uk-UA" altLang="uk-UA" sz="1200" b="0" dirty="0" smtClean="0"/>
+              <a:rPr lang="uk-UA" altLang="uk-UA" sz="1200" b="0" dirty="0"/>
               <a:t> </a:t>
             </a:r>
             <a:r>
-              <a:rPr lang="uk-UA" altLang="uk-UA" sz="1200" b="0" dirty="0" err="1" smtClean="0"/>
+              <a:rPr lang="uk-UA" altLang="uk-UA" sz="1200" b="0" dirty="0" err="1"/>
               <a:t>runtime</a:t>
             </a:r>
             <a:r>
-              <a:rPr lang="uk-UA" altLang="uk-UA" sz="1200" b="0" dirty="0" smtClean="0"/>
+              <a:rPr lang="uk-UA" altLang="uk-UA" sz="1200" b="0" dirty="0"/>
               <a:t>. </a:t>
             </a:r>
             <a:r>
-              <a:rPr lang="uk-UA" altLang="uk-UA" sz="1200" b="0" dirty="0" err="1" smtClean="0"/>
+              <a:rPr lang="uk-UA" altLang="uk-UA" sz="1200" b="0" dirty="0" err="1"/>
               <a:t>In</a:t>
             </a:r>
             <a:r>
-              <a:rPr lang="uk-UA" altLang="uk-UA" sz="1200" b="0" dirty="0" smtClean="0"/>
+              <a:rPr lang="uk-UA" altLang="uk-UA" sz="1200" b="0" dirty="0"/>
               <a:t> </a:t>
             </a:r>
             <a:r>
-              <a:rPr lang="uk-UA" altLang="uk-UA" sz="1200" b="0" dirty="0" err="1" smtClean="0"/>
+              <a:rPr lang="uk-UA" altLang="uk-UA" sz="1200" b="0" dirty="0" err="1"/>
               <a:t>most</a:t>
             </a:r>
             <a:r>
-              <a:rPr lang="uk-UA" altLang="uk-UA" sz="1200" b="0" dirty="0" smtClean="0"/>
+              <a:rPr lang="uk-UA" altLang="uk-UA" sz="1200" b="0" dirty="0"/>
               <a:t> </a:t>
             </a:r>
             <a:r>
-              <a:rPr lang="uk-UA" altLang="uk-UA" sz="1200" b="0" dirty="0" err="1" smtClean="0"/>
+              <a:rPr lang="uk-UA" altLang="uk-UA" sz="1200" b="0" dirty="0" err="1"/>
               <a:t>cases</a:t>
             </a:r>
             <a:r>
-              <a:rPr lang="uk-UA" altLang="uk-UA" sz="1200" b="0" dirty="0" smtClean="0"/>
+              <a:rPr lang="uk-UA" altLang="uk-UA" sz="1200" b="0" dirty="0"/>
               <a:t>, </a:t>
             </a:r>
             <a:r>
-              <a:rPr lang="uk-UA" altLang="uk-UA" sz="1200" b="0" dirty="0" err="1" smtClean="0"/>
+              <a:rPr lang="uk-UA" altLang="uk-UA" sz="1200" b="0" dirty="0" err="1"/>
               <a:t>the</a:t>
             </a:r>
             <a:r>
-              <a:rPr lang="uk-UA" altLang="uk-UA" sz="1200" b="0" dirty="0" smtClean="0"/>
+              <a:rPr lang="uk-UA" altLang="uk-UA" sz="1200" b="0" dirty="0"/>
               <a:t> </a:t>
             </a:r>
             <a:r>
-              <a:rPr lang="uk-UA" altLang="uk-UA" sz="1200" b="0" dirty="0" err="1" smtClean="0"/>
+              <a:rPr lang="uk-UA" altLang="uk-UA" sz="1200" b="0" dirty="0" err="1"/>
               <a:t>program</a:t>
             </a:r>
             <a:r>
-              <a:rPr lang="uk-UA" altLang="uk-UA" sz="1200" b="0" dirty="0" smtClean="0"/>
+              <a:rPr lang="uk-UA" altLang="uk-UA" sz="1200" b="0" dirty="0"/>
               <a:t> </a:t>
             </a:r>
             <a:r>
-              <a:rPr lang="uk-UA" altLang="uk-UA" sz="1200" b="0" dirty="0" err="1" smtClean="0"/>
+              <a:rPr lang="uk-UA" altLang="uk-UA" sz="1200" b="0" dirty="0" err="1"/>
               <a:t>cannot</a:t>
             </a:r>
             <a:r>
-              <a:rPr lang="uk-UA" altLang="uk-UA" sz="1200" b="0" dirty="0" smtClean="0"/>
+              <a:rPr lang="uk-UA" altLang="uk-UA" sz="1200" b="0" dirty="0"/>
               <a:t> </a:t>
             </a:r>
             <a:r>
-              <a:rPr lang="uk-UA" altLang="uk-UA" sz="1200" b="0" dirty="0" err="1" smtClean="0"/>
+              <a:rPr lang="uk-UA" altLang="uk-UA" sz="1200" b="0" dirty="0" err="1"/>
               <a:t>recover</a:t>
             </a:r>
             <a:r>
-              <a:rPr lang="uk-UA" altLang="uk-UA" sz="1200" b="0" dirty="0" smtClean="0"/>
+              <a:rPr lang="uk-UA" altLang="uk-UA" sz="1200" b="0" dirty="0"/>
               <a:t> </a:t>
             </a:r>
             <a:r>
-              <a:rPr lang="uk-UA" altLang="uk-UA" sz="1200" b="0" dirty="0" err="1" smtClean="0"/>
+              <a:rPr lang="uk-UA" altLang="uk-UA" sz="1200" b="0" dirty="0" err="1"/>
               <a:t>itself</a:t>
             </a:r>
             <a:r>
-              <a:rPr lang="uk-UA" altLang="uk-UA" sz="1200" b="0" dirty="0" smtClean="0"/>
+              <a:rPr lang="uk-UA" altLang="uk-UA" sz="1200" b="0" dirty="0"/>
               <a:t> </a:t>
             </a:r>
             <a:r>
-              <a:rPr lang="uk-UA" altLang="uk-UA" sz="1200" b="0" dirty="0" err="1" smtClean="0"/>
+              <a:rPr lang="uk-UA" altLang="uk-UA" sz="1200" b="0" dirty="0" err="1"/>
               <a:t>from</a:t>
             </a:r>
             <a:r>
-              <a:rPr lang="uk-UA" altLang="uk-UA" sz="1200" b="0" dirty="0" smtClean="0"/>
+              <a:rPr lang="uk-UA" altLang="uk-UA" sz="1200" b="0" dirty="0"/>
               <a:t> </a:t>
             </a:r>
             <a:r>
-              <a:rPr lang="uk-UA" altLang="uk-UA" sz="1200" b="0" dirty="0" err="1" smtClean="0"/>
+              <a:rPr lang="uk-UA" altLang="uk-UA" sz="1200" b="0" dirty="0" err="1"/>
               <a:t>them</a:t>
             </a:r>
             <a:r>
-              <a:rPr lang="en-US" altLang="uk-UA" sz="1200" b="0" dirty="0" smtClean="0"/>
+              <a:rPr lang="en-US" altLang="uk-UA" sz="1200" b="0" dirty="0"/>
               <a:t> (</a:t>
             </a:r>
             <a:r>
-              <a:rPr lang="uk-UA" altLang="uk-UA" sz="1200" b="0" dirty="0" err="1" smtClean="0"/>
+              <a:rPr lang="uk-UA" altLang="uk-UA" sz="1200" b="0" dirty="0" err="1"/>
               <a:t>ArithmeticException</a:t>
             </a:r>
             <a:r>
-              <a:rPr lang="uk-UA" altLang="uk-UA" sz="1200" b="0" dirty="0" smtClean="0"/>
+              <a:rPr lang="uk-UA" altLang="uk-UA" sz="1200" b="0" dirty="0"/>
               <a:t>,</a:t>
             </a:r>
             <a:r>
-              <a:rPr lang="en-US" altLang="uk-UA" sz="1200" b="0" dirty="0" smtClean="0"/>
+              <a:rPr lang="en-US" altLang="uk-UA" sz="1200" b="0" dirty="0"/>
               <a:t> </a:t>
             </a:r>
             <a:r>
-              <a:rPr lang="en-US" altLang="uk-UA" sz="1200" b="0" dirty="0" err="1" smtClean="0"/>
+              <a:rPr lang="en-US" altLang="uk-UA" sz="1200" b="0" dirty="0" err="1"/>
               <a:t>ClassCastException</a:t>
             </a:r>
             <a:r>
-              <a:rPr lang="uk-UA" altLang="uk-UA" sz="1200" b="0" dirty="0" smtClean="0"/>
+              <a:rPr lang="uk-UA" altLang="uk-UA" sz="1200" b="0" dirty="0"/>
               <a:t>,</a:t>
             </a:r>
             <a:r>
-              <a:rPr lang="en-US" altLang="uk-UA" sz="1200" b="0" dirty="0" smtClean="0"/>
+              <a:rPr lang="en-US" altLang="uk-UA" sz="1200" b="0" dirty="0"/>
               <a:t> </a:t>
             </a:r>
             <a:r>
-              <a:rPr lang="uk-UA" altLang="uk-UA" sz="1200" b="0" dirty="0" err="1" smtClean="0"/>
+              <a:rPr lang="uk-UA" altLang="uk-UA" sz="1200" b="0" dirty="0" err="1"/>
               <a:t>NullPointerException</a:t>
             </a:r>
             <a:r>
-              <a:rPr lang="en-US" altLang="uk-UA" sz="1200" b="0" dirty="0" smtClean="0"/>
+              <a:rPr lang="en-US" altLang="uk-UA" sz="1200" b="0" dirty="0"/>
               <a:t>)</a:t>
             </a:r>
-            <a:endParaRPr lang="uk-UA" altLang="uk-UA" sz="1200" b="0" dirty="0" smtClean="0"/>
+            <a:endParaRPr lang="uk-UA" altLang="uk-UA" sz="1200" b="0" dirty="0"/>
           </a:p>
           <a:p>
             <a:pPr marL="228600" indent="-228600" eaLnBrk="0" fontAlgn="base" hangingPunct="0">
@@ -2058,178 +2048,178 @@
               <a:buAutoNum type="arabicPeriod"/>
             </a:pPr>
             <a:r>
-              <a:rPr lang="uk-UA" altLang="uk-UA" sz="1200" b="0" dirty="0" err="1" smtClean="0"/>
+              <a:rPr lang="uk-UA" altLang="uk-UA" sz="1200" b="0" dirty="0" err="1"/>
               <a:t>java.lang.Error</a:t>
             </a:r>
             <a:r>
-              <a:rPr lang="en-US" altLang="uk-UA" sz="1200" b="0" dirty="0" smtClean="0"/>
+              <a:rPr lang="en-US" altLang="uk-UA" sz="1200" b="0" dirty="0"/>
               <a:t> - R</a:t>
             </a:r>
             <a:r>
-              <a:rPr lang="uk-UA" altLang="uk-UA" sz="1200" b="0" dirty="0" err="1" smtClean="0"/>
+              <a:rPr lang="uk-UA" altLang="uk-UA" sz="1200" b="0" dirty="0" err="1"/>
               <a:t>epresents</a:t>
             </a:r>
             <a:r>
-              <a:rPr lang="uk-UA" altLang="uk-UA" sz="1200" b="0" dirty="0" smtClean="0"/>
+              <a:rPr lang="uk-UA" altLang="uk-UA" sz="1200" b="0" dirty="0"/>
               <a:t> </a:t>
             </a:r>
             <a:r>
-              <a:rPr lang="uk-UA" altLang="uk-UA" sz="1200" b="0" dirty="0" err="1" smtClean="0"/>
+              <a:rPr lang="uk-UA" altLang="uk-UA" sz="1200" b="0" dirty="0" err="1"/>
               <a:t>serious</a:t>
             </a:r>
             <a:r>
-              <a:rPr lang="uk-UA" altLang="uk-UA" sz="1200" b="0" dirty="0" smtClean="0"/>
+              <a:rPr lang="uk-UA" altLang="uk-UA" sz="1200" b="0" dirty="0"/>
               <a:t> </a:t>
             </a:r>
             <a:r>
-              <a:rPr lang="uk-UA" altLang="uk-UA" sz="1200" b="0" dirty="0" err="1" smtClean="0"/>
+              <a:rPr lang="uk-UA" altLang="uk-UA" sz="1200" b="0" dirty="0" err="1"/>
               <a:t>problems</a:t>
             </a:r>
             <a:r>
-              <a:rPr lang="uk-UA" altLang="uk-UA" sz="1200" b="0" dirty="0" smtClean="0"/>
+              <a:rPr lang="uk-UA" altLang="uk-UA" sz="1200" b="0" dirty="0"/>
               <a:t> </a:t>
             </a:r>
             <a:r>
-              <a:rPr lang="uk-UA" altLang="uk-UA" sz="1200" b="0" dirty="0" err="1" smtClean="0"/>
+              <a:rPr lang="uk-UA" altLang="uk-UA" sz="1200" b="0" dirty="0" err="1"/>
               <a:t>or</a:t>
             </a:r>
             <a:r>
-              <a:rPr lang="uk-UA" altLang="uk-UA" sz="1200" b="0" dirty="0" smtClean="0"/>
+              <a:rPr lang="uk-UA" altLang="uk-UA" sz="1200" b="0" dirty="0"/>
               <a:t> </a:t>
             </a:r>
             <a:r>
-              <a:rPr lang="uk-UA" altLang="uk-UA" sz="1200" b="0" dirty="0" err="1" smtClean="0"/>
+              <a:rPr lang="uk-UA" altLang="uk-UA" sz="1200" b="0" dirty="0" err="1"/>
               <a:t>abnormal</a:t>
             </a:r>
             <a:r>
-              <a:rPr lang="uk-UA" altLang="uk-UA" sz="1200" b="0" dirty="0" smtClean="0"/>
+              <a:rPr lang="uk-UA" altLang="uk-UA" sz="1200" b="0" dirty="0"/>
               <a:t> </a:t>
             </a:r>
             <a:r>
-              <a:rPr lang="uk-UA" altLang="uk-UA" sz="1200" b="0" dirty="0" err="1" smtClean="0"/>
+              <a:rPr lang="uk-UA" altLang="uk-UA" sz="1200" b="0" dirty="0" err="1"/>
               <a:t>conditions</a:t>
             </a:r>
             <a:r>
-              <a:rPr lang="uk-UA" altLang="uk-UA" sz="1200" b="0" dirty="0" smtClean="0"/>
+              <a:rPr lang="uk-UA" altLang="uk-UA" sz="1200" b="0" dirty="0"/>
               <a:t> </a:t>
             </a:r>
             <a:r>
-              <a:rPr lang="uk-UA" altLang="uk-UA" sz="1200" b="0" dirty="0" err="1" smtClean="0"/>
+              <a:rPr lang="uk-UA" altLang="uk-UA" sz="1200" b="0" dirty="0" err="1"/>
               <a:t>that</a:t>
             </a:r>
             <a:r>
-              <a:rPr lang="uk-UA" altLang="uk-UA" sz="1200" b="0" dirty="0" smtClean="0"/>
+              <a:rPr lang="uk-UA" altLang="uk-UA" sz="1200" b="0" dirty="0"/>
               <a:t> a </a:t>
             </a:r>
             <a:r>
-              <a:rPr lang="uk-UA" altLang="uk-UA" sz="1200" b="0" dirty="0" err="1" smtClean="0"/>
+              <a:rPr lang="uk-UA" altLang="uk-UA" sz="1200" b="0" dirty="0" err="1"/>
               <a:t>program</a:t>
             </a:r>
             <a:r>
-              <a:rPr lang="uk-UA" altLang="uk-UA" sz="1200" b="0" dirty="0" smtClean="0"/>
+              <a:rPr lang="uk-UA" altLang="uk-UA" sz="1200" b="0" dirty="0"/>
               <a:t> </a:t>
             </a:r>
             <a:r>
-              <a:rPr lang="uk-UA" altLang="uk-UA" sz="1200" b="0" dirty="0" err="1" smtClean="0"/>
+              <a:rPr lang="uk-UA" altLang="uk-UA" sz="1200" b="0" dirty="0" err="1"/>
               <a:t>should</a:t>
             </a:r>
             <a:r>
-              <a:rPr lang="uk-UA" altLang="uk-UA" sz="1200" b="0" dirty="0" smtClean="0"/>
+              <a:rPr lang="uk-UA" altLang="uk-UA" sz="1200" b="0" dirty="0"/>
               <a:t> </a:t>
             </a:r>
             <a:r>
-              <a:rPr lang="uk-UA" altLang="uk-UA" sz="1200" b="0" dirty="0" err="1" smtClean="0"/>
+              <a:rPr lang="uk-UA" altLang="uk-UA" sz="1200" b="0" dirty="0" err="1"/>
               <a:t>not</a:t>
             </a:r>
             <a:r>
-              <a:rPr lang="uk-UA" altLang="uk-UA" sz="1200" b="0" dirty="0" smtClean="0"/>
+              <a:rPr lang="uk-UA" altLang="uk-UA" sz="1200" b="0" dirty="0"/>
               <a:t> </a:t>
             </a:r>
             <a:r>
-              <a:rPr lang="uk-UA" altLang="uk-UA" sz="1200" b="0" dirty="0" err="1" smtClean="0"/>
+              <a:rPr lang="uk-UA" altLang="uk-UA" sz="1200" b="0" dirty="0" err="1"/>
               <a:t>deal</a:t>
             </a:r>
             <a:r>
-              <a:rPr lang="uk-UA" altLang="uk-UA" sz="1200" b="0" dirty="0" smtClean="0"/>
+              <a:rPr lang="uk-UA" altLang="uk-UA" sz="1200" b="0" dirty="0"/>
               <a:t> </a:t>
             </a:r>
             <a:r>
-              <a:rPr lang="uk-UA" altLang="uk-UA" sz="1200" b="0" dirty="0" err="1" smtClean="0"/>
+              <a:rPr lang="uk-UA" altLang="uk-UA" sz="1200" b="0" dirty="0" err="1"/>
               <a:t>with</a:t>
             </a:r>
             <a:r>
-              <a:rPr lang="uk-UA" altLang="uk-UA" sz="1200" b="0" dirty="0" smtClean="0"/>
+              <a:rPr lang="uk-UA" altLang="uk-UA" sz="1200" b="0" dirty="0"/>
               <a:t>. </a:t>
             </a:r>
             <a:r>
-              <a:rPr lang="uk-UA" altLang="uk-UA" sz="1200" b="0" dirty="0" err="1" smtClean="0"/>
+              <a:rPr lang="uk-UA" altLang="uk-UA" sz="1200" b="0" dirty="0" err="1"/>
               <a:t>Some</a:t>
             </a:r>
             <a:r>
-              <a:rPr lang="uk-UA" altLang="uk-UA" sz="1200" b="0" dirty="0" smtClean="0"/>
+              <a:rPr lang="uk-UA" altLang="uk-UA" sz="1200" b="0" dirty="0"/>
               <a:t> </a:t>
             </a:r>
             <a:r>
-              <a:rPr lang="uk-UA" altLang="uk-UA" sz="1200" b="0" dirty="0" err="1" smtClean="0"/>
+              <a:rPr lang="uk-UA" altLang="uk-UA" sz="1200" b="0" dirty="0" err="1"/>
               <a:t>examples</a:t>
             </a:r>
             <a:r>
-              <a:rPr lang="en-US" altLang="uk-UA" sz="1200" b="0" dirty="0" smtClean="0"/>
+              <a:rPr lang="en-US" altLang="uk-UA" sz="1200" b="0" dirty="0"/>
               <a:t> </a:t>
             </a:r>
             <a:r>
-              <a:rPr lang="uk-UA" altLang="uk-UA" sz="1200" b="0" dirty="0" err="1" smtClean="0"/>
+              <a:rPr lang="uk-UA" altLang="uk-UA" sz="1200" b="0" dirty="0" err="1"/>
               <a:t>are</a:t>
             </a:r>
             <a:r>
-              <a:rPr lang="uk-UA" altLang="uk-UA" sz="1200" b="0" dirty="0" smtClean="0"/>
+              <a:rPr lang="uk-UA" altLang="uk-UA" sz="1200" b="0" dirty="0"/>
               <a:t>:</a:t>
             </a:r>
             <a:r>
-              <a:rPr lang="en-US" altLang="uk-UA" sz="1200" b="0" dirty="0" smtClean="0"/>
+              <a:rPr lang="en-US" altLang="uk-UA" sz="1200" b="0" dirty="0"/>
               <a:t> </a:t>
             </a:r>
             <a:r>
-              <a:rPr lang="uk-UA" altLang="uk-UA" sz="1200" b="0" dirty="0" err="1" smtClean="0"/>
+              <a:rPr lang="uk-UA" altLang="uk-UA" sz="1200" b="0" dirty="0" err="1"/>
               <a:t>AssertionError</a:t>
             </a:r>
             <a:r>
-              <a:rPr lang="uk-UA" altLang="uk-UA" sz="1200" b="0" dirty="0" smtClean="0"/>
+              <a:rPr lang="uk-UA" altLang="uk-UA" sz="1200" b="0" dirty="0"/>
               <a:t>,</a:t>
             </a:r>
             <a:r>
-              <a:rPr lang="en-US" altLang="uk-UA" sz="1200" b="0" dirty="0" smtClean="0"/>
+              <a:rPr lang="en-US" altLang="uk-UA" sz="1200" b="0" dirty="0"/>
               <a:t> </a:t>
             </a:r>
             <a:r>
-              <a:rPr lang="uk-UA" altLang="uk-UA" sz="1200" b="0" dirty="0" err="1" smtClean="0"/>
+              <a:rPr lang="uk-UA" altLang="uk-UA" sz="1200" b="0" dirty="0" err="1"/>
               <a:t>IOError</a:t>
             </a:r>
             <a:r>
-              <a:rPr lang="uk-UA" altLang="uk-UA" sz="1200" b="0" dirty="0" smtClean="0"/>
+              <a:rPr lang="uk-UA" altLang="uk-UA" sz="1200" b="0" dirty="0"/>
               <a:t>,</a:t>
             </a:r>
             <a:r>
-              <a:rPr lang="en-US" altLang="uk-UA" sz="1200" b="0" dirty="0" smtClean="0"/>
+              <a:rPr lang="en-US" altLang="uk-UA" sz="1200" b="0" dirty="0"/>
               <a:t> </a:t>
             </a:r>
             <a:r>
-              <a:rPr lang="uk-UA" altLang="uk-UA" sz="1200" b="0" dirty="0" err="1" smtClean="0"/>
+              <a:rPr lang="uk-UA" altLang="uk-UA" sz="1200" b="0" dirty="0" err="1"/>
               <a:t>LinkageError</a:t>
             </a:r>
             <a:r>
-              <a:rPr lang="uk-UA" altLang="uk-UA" sz="1200" b="0" dirty="0" smtClean="0"/>
+              <a:rPr lang="uk-UA" altLang="uk-UA" sz="1200" b="0" dirty="0"/>
               <a:t>,</a:t>
             </a:r>
             <a:r>
-              <a:rPr lang="en-US" altLang="uk-UA" sz="1200" b="0" dirty="0" smtClean="0"/>
+              <a:rPr lang="en-US" altLang="uk-UA" sz="1200" b="0" dirty="0"/>
               <a:t> </a:t>
             </a:r>
             <a:r>
-              <a:rPr lang="uk-UA" altLang="uk-UA" sz="1200" b="0" dirty="0" err="1" smtClean="0"/>
+              <a:rPr lang="uk-UA" altLang="uk-UA" sz="1200" b="0" dirty="0" err="1"/>
               <a:t>VirtualMachineError</a:t>
             </a:r>
-            <a:endParaRPr lang="uk-UA" altLang="uk-UA" sz="1200" b="0" dirty="0" smtClean="0"/>
+            <a:endParaRPr lang="uk-UA" altLang="uk-UA" sz="1200" b="0" dirty="0"/>
           </a:p>
           <a:p>
             <a:pPr marL="228600" indent="-228600">
@@ -2410,11 +2400,11 @@
               </a:lnSpc>
             </a:pPr>
             <a:r>
-              <a:rPr lang="en-US" sz="1200" b="1" dirty="0" err="1" smtClean="0"/>
+              <a:rPr lang="en-US" sz="1200" b="1" dirty="0" err="1"/>
               <a:t>ArithmeticException</a:t>
             </a:r>
             <a:r>
-              <a:rPr lang="en-US" sz="1200" dirty="0" smtClean="0"/>
+              <a:rPr lang="en-US" sz="1200" dirty="0"/>
               <a:t> - by the JVM when code attempts to divide by zero.</a:t>
             </a:r>
           </a:p>
@@ -2425,11 +2415,11 @@
               </a:lnSpc>
             </a:pPr>
             <a:r>
-              <a:rPr lang="en-US" sz="1200" b="1" dirty="0" err="1" smtClean="0"/>
+              <a:rPr lang="en-US" sz="1200" b="1" dirty="0" err="1"/>
               <a:t>ArrayIndexOutOfBoundsException</a:t>
             </a:r>
             <a:r>
-              <a:rPr lang="en-US" sz="1200" dirty="0" smtClean="0"/>
+              <a:rPr lang="en-US" sz="1200" dirty="0"/>
               <a:t> - by the JVM when use an illegal array index</a:t>
             </a:r>
           </a:p>
@@ -2440,11 +2430,11 @@
               </a:lnSpc>
             </a:pPr>
             <a:r>
-              <a:rPr lang="en-US" sz="1200" b="1" dirty="0" err="1" smtClean="0"/>
+              <a:rPr lang="en-US" sz="1200" b="1" dirty="0" err="1"/>
               <a:t>ClassCastException</a:t>
             </a:r>
             <a:r>
-              <a:rPr lang="en-US" sz="1200" dirty="0" smtClean="0"/>
+              <a:rPr lang="en-US" sz="1200" dirty="0"/>
               <a:t> - by the JVM when an attempt is made to cast an object to a subclass of which it is not an instance.</a:t>
             </a:r>
           </a:p>
@@ -2455,11 +2445,11 @@
               </a:lnSpc>
             </a:pPr>
             <a:r>
-              <a:rPr lang="en-US" sz="1200" b="1" dirty="0" err="1" smtClean="0"/>
+              <a:rPr lang="en-US" sz="1200" b="1" dirty="0" err="1"/>
               <a:t>IllegalArgumentException</a:t>
             </a:r>
             <a:r>
-              <a:rPr lang="en-US" sz="1200" dirty="0" smtClean="0"/>
+              <a:rPr lang="en-US" sz="1200" dirty="0"/>
               <a:t> – by program indicate that inappropriate argument.</a:t>
             </a:r>
           </a:p>
@@ -2470,11 +2460,11 @@
               </a:lnSpc>
             </a:pPr>
             <a:r>
-              <a:rPr lang="en-US" sz="1200" b="1" dirty="0" err="1" smtClean="0"/>
+              <a:rPr lang="en-US" sz="1200" b="1" dirty="0" err="1"/>
               <a:t>NullPointerException</a:t>
             </a:r>
             <a:r>
-              <a:rPr lang="en-US" sz="1200" dirty="0" smtClean="0"/>
+              <a:rPr lang="en-US" sz="1200" dirty="0"/>
               <a:t> - by the JVM when there is a null reference where an object is required</a:t>
             </a:r>
           </a:p>
@@ -2581,95 +2571,95 @@
               <a:defRPr/>
             </a:pPr>
             <a:r>
-              <a:rPr lang="ru-RU" sz="1200" dirty="0" smtClean="0"/>
+              <a:rPr lang="ru-RU" sz="1200" dirty="0"/>
               <a:t>The </a:t>
             </a:r>
             <a:r>
-              <a:rPr lang="ru-RU" sz="1200" b="1" dirty="0" err="1" smtClean="0"/>
+              <a:rPr lang="ru-RU" sz="1200" b="1" dirty="0" err="1"/>
               <a:t>throw</a:t>
             </a:r>
             <a:r>
-              <a:rPr lang="ru-RU" sz="1200" dirty="0" smtClean="0"/>
+              <a:rPr lang="ru-RU" sz="1200" dirty="0"/>
               <a:t> </a:t>
             </a:r>
             <a:r>
-              <a:rPr lang="ru-RU" sz="1200" dirty="0" err="1" smtClean="0"/>
+              <a:rPr lang="ru-RU" sz="1200" dirty="0" err="1"/>
               <a:t>keyword</a:t>
             </a:r>
             <a:r>
-              <a:rPr lang="ru-RU" sz="1200" dirty="0" smtClean="0"/>
+              <a:rPr lang="ru-RU" sz="1200" dirty="0"/>
               <a:t> </a:t>
             </a:r>
             <a:r>
-              <a:rPr lang="ru-RU" sz="1200" dirty="0" err="1" smtClean="0"/>
+              <a:rPr lang="ru-RU" sz="1200" dirty="0" err="1"/>
               <a:t>is</a:t>
             </a:r>
             <a:r>
-              <a:rPr lang="ru-RU" sz="1200" dirty="0" smtClean="0"/>
+              <a:rPr lang="ru-RU" sz="1200" dirty="0"/>
               <a:t> </a:t>
             </a:r>
             <a:r>
-              <a:rPr lang="ru-RU" sz="1200" dirty="0" err="1" smtClean="0"/>
+              <a:rPr lang="ru-RU" sz="1200" dirty="0" err="1"/>
               <a:t>used</a:t>
             </a:r>
             <a:r>
-              <a:rPr lang="ru-RU" sz="1200" dirty="0" smtClean="0"/>
+              <a:rPr lang="ru-RU" sz="1200" dirty="0"/>
               <a:t> </a:t>
             </a:r>
             <a:r>
-              <a:rPr lang="ru-RU" sz="1200" dirty="0" err="1" smtClean="0"/>
+              <a:rPr lang="ru-RU" sz="1200" dirty="0" err="1"/>
               <a:t>when</a:t>
             </a:r>
             <a:r>
-              <a:rPr lang="ru-RU" sz="1200" dirty="0" smtClean="0"/>
+              <a:rPr lang="ru-RU" sz="1200" dirty="0"/>
               <a:t> you </a:t>
             </a:r>
             <a:r>
-              <a:rPr lang="ru-RU" sz="1200" dirty="0" err="1" smtClean="0"/>
+              <a:rPr lang="ru-RU" sz="1200" dirty="0" err="1"/>
               <a:t>actually</a:t>
             </a:r>
             <a:r>
-              <a:rPr lang="ru-RU" sz="1200" dirty="0" smtClean="0"/>
+              <a:rPr lang="ru-RU" sz="1200" dirty="0"/>
               <a:t> </a:t>
             </a:r>
             <a:r>
-              <a:rPr lang="ru-RU" sz="1200" dirty="0" err="1" smtClean="0"/>
+              <a:rPr lang="ru-RU" sz="1200" dirty="0" err="1"/>
               <a:t>want</a:t>
             </a:r>
             <a:r>
-              <a:rPr lang="ru-RU" sz="1200" dirty="0" smtClean="0"/>
+              <a:rPr lang="ru-RU" sz="1200" dirty="0"/>
               <a:t> </a:t>
             </a:r>
             <a:r>
-              <a:rPr lang="ru-RU" sz="1200" dirty="0" err="1" smtClean="0"/>
+              <a:rPr lang="ru-RU" sz="1200" dirty="0" err="1"/>
               <a:t>to</a:t>
             </a:r>
             <a:r>
-              <a:rPr lang="ru-RU" sz="1200" dirty="0" smtClean="0"/>
+              <a:rPr lang="ru-RU" sz="1200" dirty="0"/>
               <a:t> </a:t>
             </a:r>
             <a:r>
-              <a:rPr lang="ru-RU" sz="1200" dirty="0" err="1" smtClean="0"/>
+              <a:rPr lang="ru-RU" sz="1200" dirty="0" err="1"/>
               <a:t>throw</a:t>
             </a:r>
             <a:r>
-              <a:rPr lang="ru-RU" sz="1200" dirty="0" smtClean="0"/>
+              <a:rPr lang="ru-RU" sz="1200" dirty="0"/>
               <a:t> </a:t>
             </a:r>
             <a:r>
-              <a:rPr lang="ru-RU" sz="1200" dirty="0" err="1" smtClean="0"/>
+              <a:rPr lang="ru-RU" sz="1200" dirty="0" err="1"/>
               <a:t>an</a:t>
             </a:r>
             <a:r>
-              <a:rPr lang="ru-RU" sz="1200" dirty="0" smtClean="0"/>
+              <a:rPr lang="ru-RU" sz="1200" dirty="0"/>
               <a:t> </a:t>
             </a:r>
             <a:r>
-              <a:rPr lang="ru-RU" sz="1200" dirty="0" err="1" smtClean="0"/>
+              <a:rPr lang="ru-RU" sz="1200" dirty="0" err="1"/>
               <a:t>exception</a:t>
             </a:r>
             <a:r>
-              <a:rPr lang="ru-RU" sz="1200" dirty="0" smtClean="0"/>
+              <a:rPr lang="ru-RU" sz="1200" dirty="0"/>
               <a:t>. </a:t>
             </a:r>
           </a:p>
@@ -2770,126 +2760,126 @@
               </a:spcAft>
             </a:pPr>
             <a:r>
-              <a:rPr lang="uk-UA" altLang="uk-UA" sz="1200" dirty="0" smtClean="0"/>
+              <a:rPr lang="uk-UA" altLang="uk-UA" sz="1200" dirty="0"/>
               <a:t>The </a:t>
             </a:r>
             <a:r>
-              <a:rPr lang="uk-UA" altLang="uk-UA" sz="1200" b="1" dirty="0" err="1" smtClean="0"/>
+              <a:rPr lang="uk-UA" altLang="uk-UA" sz="1200" b="1" dirty="0" err="1"/>
               <a:t>throws</a:t>
             </a:r>
             <a:r>
-              <a:rPr lang="uk-UA" altLang="uk-UA" sz="1200" dirty="0" smtClean="0"/>
+              <a:rPr lang="uk-UA" altLang="uk-UA" sz="1200" dirty="0"/>
               <a:t> </a:t>
             </a:r>
             <a:r>
-              <a:rPr lang="uk-UA" altLang="uk-UA" sz="1200" dirty="0" err="1" smtClean="0"/>
+              <a:rPr lang="uk-UA" altLang="uk-UA" sz="1200" dirty="0" err="1"/>
               <a:t>keyword</a:t>
             </a:r>
             <a:r>
-              <a:rPr lang="uk-UA" altLang="uk-UA" sz="1200" dirty="0" smtClean="0"/>
+              <a:rPr lang="uk-UA" altLang="uk-UA" sz="1200" dirty="0"/>
               <a:t> </a:t>
             </a:r>
             <a:r>
-              <a:rPr lang="uk-UA" altLang="uk-UA" sz="1200" dirty="0" err="1" smtClean="0"/>
+              <a:rPr lang="uk-UA" altLang="uk-UA" sz="1200" dirty="0" err="1"/>
               <a:t>indicates</a:t>
             </a:r>
             <a:r>
-              <a:rPr lang="uk-UA" altLang="uk-UA" sz="1200" dirty="0" smtClean="0"/>
+              <a:rPr lang="uk-UA" altLang="uk-UA" sz="1200" dirty="0"/>
               <a:t> the </a:t>
             </a:r>
             <a:r>
-              <a:rPr lang="uk-UA" altLang="uk-UA" sz="1200" dirty="0" err="1" smtClean="0"/>
+              <a:rPr lang="uk-UA" altLang="uk-UA" sz="1200" dirty="0" err="1"/>
               <a:t>exceptions</a:t>
             </a:r>
             <a:r>
-              <a:rPr lang="uk-UA" altLang="uk-UA" sz="1200" dirty="0" smtClean="0"/>
+              <a:rPr lang="uk-UA" altLang="uk-UA" sz="1200" dirty="0"/>
               <a:t> that a </a:t>
             </a:r>
             <a:r>
-              <a:rPr lang="uk-UA" altLang="uk-UA" sz="1200" dirty="0" err="1" smtClean="0"/>
+              <a:rPr lang="uk-UA" altLang="uk-UA" sz="1200" dirty="0" err="1"/>
               <a:t>method</a:t>
             </a:r>
             <a:r>
-              <a:rPr lang="en-US" altLang="uk-UA" sz="1200" dirty="0" smtClean="0"/>
+              <a:rPr lang="en-US" altLang="uk-UA" sz="1200" dirty="0"/>
               <a:t> c</a:t>
             </a:r>
             <a:r>
-              <a:rPr lang="uk-UA" altLang="uk-UA" sz="1200" dirty="0" err="1" smtClean="0"/>
+              <a:rPr lang="uk-UA" altLang="uk-UA" sz="1200" dirty="0" err="1"/>
               <a:t>an</a:t>
             </a:r>
             <a:r>
-              <a:rPr lang="uk-UA" altLang="uk-UA" sz="1200" dirty="0" smtClean="0"/>
+              <a:rPr lang="uk-UA" altLang="uk-UA" sz="1200" dirty="0"/>
               <a:t> </a:t>
             </a:r>
             <a:r>
-              <a:rPr lang="uk-UA" altLang="uk-UA" sz="1200" dirty="0" err="1" smtClean="0"/>
+              <a:rPr lang="uk-UA" altLang="uk-UA" sz="1200" dirty="0" err="1"/>
               <a:t>throw</a:t>
             </a:r>
             <a:r>
-              <a:rPr lang="uk-UA" altLang="uk-UA" sz="1200" dirty="0" smtClean="0"/>
+              <a:rPr lang="uk-UA" altLang="uk-UA" sz="1200" dirty="0"/>
               <a:t>. </a:t>
             </a:r>
             <a:r>
-              <a:rPr lang="ru-RU" sz="1200" dirty="0" smtClean="0"/>
+              <a:rPr lang="ru-RU" sz="1200" dirty="0"/>
               <a:t>The </a:t>
             </a:r>
             <a:r>
-              <a:rPr lang="ru-RU" sz="1200" dirty="0" err="1" smtClean="0"/>
+              <a:rPr lang="ru-RU" sz="1200" dirty="0" err="1"/>
               <a:t>throws</a:t>
             </a:r>
             <a:r>
-              <a:rPr lang="ru-RU" sz="1200" dirty="0" smtClean="0"/>
+              <a:rPr lang="ru-RU" sz="1200" dirty="0"/>
               <a:t> </a:t>
             </a:r>
             <a:r>
-              <a:rPr lang="ru-RU" sz="1200" dirty="0" err="1" smtClean="0"/>
+              <a:rPr lang="ru-RU" sz="1200" dirty="0" err="1"/>
               <a:t>keyword</a:t>
             </a:r>
             <a:r>
-              <a:rPr lang="ru-RU" sz="1200" dirty="0" smtClean="0"/>
+              <a:rPr lang="ru-RU" sz="1200" dirty="0"/>
               <a:t> </a:t>
             </a:r>
             <a:r>
-              <a:rPr lang="ru-RU" sz="1200" dirty="0" err="1" smtClean="0"/>
+              <a:rPr lang="ru-RU" sz="1200" dirty="0" err="1"/>
               <a:t>is</a:t>
             </a:r>
             <a:r>
-              <a:rPr lang="ru-RU" sz="1200" dirty="0" smtClean="0"/>
+              <a:rPr lang="ru-RU" sz="1200" dirty="0"/>
               <a:t> </a:t>
             </a:r>
             <a:r>
-              <a:rPr lang="ru-RU" sz="1200" dirty="0" err="1" smtClean="0"/>
+              <a:rPr lang="ru-RU" sz="1200" dirty="0" err="1"/>
               <a:t>used</a:t>
             </a:r>
             <a:r>
-              <a:rPr lang="ru-RU" sz="1200" dirty="0" smtClean="0"/>
+              <a:rPr lang="ru-RU" sz="1200" dirty="0"/>
               <a:t> in a </a:t>
             </a:r>
             <a:r>
-              <a:rPr lang="ru-RU" sz="1200" dirty="0" err="1" smtClean="0"/>
+              <a:rPr lang="ru-RU" sz="1200" dirty="0" err="1"/>
               <a:t>method</a:t>
             </a:r>
             <a:r>
-              <a:rPr lang="ru-RU" sz="1200" dirty="0" smtClean="0"/>
+              <a:rPr lang="ru-RU" sz="1200" dirty="0"/>
               <a:t> </a:t>
             </a:r>
             <a:r>
-              <a:rPr lang="ru-RU" sz="1200" dirty="0" err="1" smtClean="0"/>
+              <a:rPr lang="ru-RU" sz="1200" dirty="0" err="1"/>
               <a:t>declaration</a:t>
             </a:r>
             <a:r>
-              <a:rPr lang="ru-RU" sz="1200" dirty="0" smtClean="0"/>
+              <a:rPr lang="ru-RU" sz="1200" dirty="0"/>
               <a:t>.</a:t>
             </a:r>
             <a:r>
-              <a:rPr lang="en-US" sz="1200" dirty="0" smtClean="0"/>
+              <a:rPr lang="en-US" sz="1200" dirty="0"/>
               <a:t> </a:t>
             </a:r>
             <a:r>
-              <a:rPr lang="en-US" altLang="ru-RU" sz="1200" dirty="0" smtClean="0"/>
+              <a:rPr lang="en-US" altLang="ru-RU" sz="1200" dirty="0"/>
               <a:t>Overriding method is allowed to declare more specific exceptions than the parent or even none at all.</a:t>
             </a:r>
-            <a:endParaRPr lang="en-US" sz="1200" dirty="0" smtClean="0"/>
+            <a:endParaRPr lang="en-US" sz="1200" dirty="0"/>
           </a:p>
         </p:txBody>
       </p:sp>
@@ -2986,151 +2976,151 @@
               <a:buNone/>
             </a:pPr>
             <a:r>
-              <a:rPr lang="en-US" altLang="uk-UA" b="1" dirty="0" smtClean="0"/>
+              <a:rPr lang="en-US" altLang="uk-UA" b="1" dirty="0"/>
               <a:t>t</a:t>
             </a:r>
             <a:r>
-              <a:rPr lang="uk-UA" altLang="uk-UA" b="1" dirty="0" err="1" smtClean="0"/>
+              <a:rPr lang="uk-UA" altLang="uk-UA" b="1" dirty="0" err="1"/>
               <a:t>ry</a:t>
             </a:r>
             <a:r>
-              <a:rPr lang="uk-UA" altLang="uk-UA" dirty="0" smtClean="0"/>
+              <a:rPr lang="uk-UA" altLang="uk-UA" dirty="0"/>
               <a:t> </a:t>
             </a:r>
             <a:r>
-              <a:rPr lang="en-US" altLang="uk-UA" dirty="0" smtClean="0"/>
+              <a:rPr lang="en-US" altLang="uk-UA" dirty="0"/>
               <a:t>- </a:t>
             </a:r>
             <a:r>
-              <a:rPr lang="uk-UA" altLang="uk-UA" dirty="0" err="1" smtClean="0"/>
+              <a:rPr lang="uk-UA" altLang="uk-UA" dirty="0" err="1"/>
               <a:t>enclose</a:t>
             </a:r>
             <a:r>
-              <a:rPr lang="en-US" altLang="uk-UA" dirty="0" smtClean="0"/>
+              <a:rPr lang="en-US" altLang="uk-UA" dirty="0"/>
               <a:t>s</a:t>
             </a:r>
             <a:r>
-              <a:rPr lang="uk-UA" altLang="uk-UA" dirty="0" smtClean="0"/>
+              <a:rPr lang="uk-UA" altLang="uk-UA" dirty="0"/>
               <a:t> </a:t>
             </a:r>
             <a:r>
-              <a:rPr lang="uk-UA" altLang="uk-UA" dirty="0" err="1" smtClean="0"/>
+              <a:rPr lang="uk-UA" altLang="uk-UA" dirty="0" err="1"/>
               <a:t>code</a:t>
             </a:r>
             <a:r>
-              <a:rPr lang="uk-UA" altLang="uk-UA" dirty="0" smtClean="0"/>
+              <a:rPr lang="uk-UA" altLang="uk-UA" dirty="0"/>
               <a:t> that </a:t>
             </a:r>
             <a:r>
-              <a:rPr lang="uk-UA" altLang="uk-UA" dirty="0" err="1" smtClean="0"/>
+              <a:rPr lang="uk-UA" altLang="uk-UA" dirty="0" err="1"/>
               <a:t>might</a:t>
             </a:r>
             <a:r>
-              <a:rPr lang="uk-UA" altLang="uk-UA" dirty="0" smtClean="0"/>
+              <a:rPr lang="uk-UA" altLang="uk-UA" dirty="0"/>
               <a:t> </a:t>
             </a:r>
             <a:r>
-              <a:rPr lang="uk-UA" altLang="uk-UA" dirty="0" err="1" smtClean="0"/>
+              <a:rPr lang="uk-UA" altLang="uk-UA" dirty="0" err="1"/>
               <a:t>throw</a:t>
             </a:r>
             <a:r>
-              <a:rPr lang="uk-UA" altLang="uk-UA" dirty="0" smtClean="0"/>
+              <a:rPr lang="uk-UA" altLang="uk-UA" dirty="0"/>
               <a:t> </a:t>
             </a:r>
             <a:r>
-              <a:rPr lang="uk-UA" altLang="uk-UA" dirty="0" err="1" smtClean="0"/>
+              <a:rPr lang="uk-UA" altLang="uk-UA" dirty="0" err="1"/>
               <a:t>an</a:t>
             </a:r>
             <a:r>
-              <a:rPr lang="uk-UA" altLang="uk-UA" dirty="0" smtClean="0"/>
+              <a:rPr lang="uk-UA" altLang="uk-UA" dirty="0"/>
               <a:t> </a:t>
             </a:r>
             <a:r>
-              <a:rPr lang="uk-UA" altLang="uk-UA" dirty="0" err="1" smtClean="0"/>
+              <a:rPr lang="uk-UA" altLang="uk-UA" dirty="0" err="1"/>
               <a:t>exception</a:t>
             </a:r>
             <a:r>
-              <a:rPr lang="uk-UA" altLang="uk-UA" dirty="0" smtClean="0"/>
+              <a:rPr lang="uk-UA" altLang="uk-UA" dirty="0"/>
               <a:t>, </a:t>
             </a:r>
             <a:r>
-              <a:rPr lang="uk-UA" altLang="uk-UA" dirty="0" err="1" smtClean="0"/>
+              <a:rPr lang="uk-UA" altLang="uk-UA" dirty="0" err="1"/>
               <a:t>it</a:t>
             </a:r>
             <a:r>
-              <a:rPr lang="uk-UA" altLang="uk-UA" dirty="0" smtClean="0"/>
+              <a:rPr lang="uk-UA" altLang="uk-UA" dirty="0"/>
               <a:t> </a:t>
             </a:r>
             <a:r>
-              <a:rPr lang="uk-UA" altLang="uk-UA" dirty="0" err="1" smtClean="0"/>
+              <a:rPr lang="uk-UA" altLang="uk-UA" dirty="0" err="1"/>
               <a:t>doesn't</a:t>
             </a:r>
             <a:r>
-              <a:rPr lang="uk-UA" altLang="uk-UA" dirty="0" smtClean="0"/>
+              <a:rPr lang="uk-UA" altLang="uk-UA" dirty="0"/>
               <a:t> </a:t>
             </a:r>
             <a:r>
-              <a:rPr lang="uk-UA" altLang="uk-UA" dirty="0" err="1" smtClean="0"/>
+              <a:rPr lang="uk-UA" altLang="uk-UA" dirty="0" err="1"/>
               <a:t>matter</a:t>
             </a:r>
             <a:r>
-              <a:rPr lang="uk-UA" altLang="uk-UA" dirty="0" smtClean="0"/>
+              <a:rPr lang="uk-UA" altLang="uk-UA" dirty="0"/>
               <a:t> </a:t>
             </a:r>
             <a:r>
-              <a:rPr lang="uk-UA" altLang="uk-UA" dirty="0" err="1" smtClean="0"/>
+              <a:rPr lang="uk-UA" altLang="uk-UA" dirty="0" err="1"/>
               <a:t>if</a:t>
             </a:r>
             <a:r>
-              <a:rPr lang="uk-UA" altLang="uk-UA" dirty="0" smtClean="0"/>
+              <a:rPr lang="uk-UA" altLang="uk-UA" dirty="0"/>
               <a:t> </a:t>
             </a:r>
             <a:r>
-              <a:rPr lang="uk-UA" altLang="uk-UA" dirty="0" err="1" smtClean="0"/>
+              <a:rPr lang="uk-UA" altLang="uk-UA" dirty="0" err="1"/>
               <a:t>it's</a:t>
             </a:r>
             <a:r>
-              <a:rPr lang="uk-UA" altLang="uk-UA" dirty="0" smtClean="0"/>
+              <a:rPr lang="uk-UA" altLang="uk-UA" dirty="0"/>
               <a:t> a </a:t>
             </a:r>
             <a:r>
-              <a:rPr lang="uk-UA" altLang="uk-UA" dirty="0" err="1" smtClean="0"/>
+              <a:rPr lang="uk-UA" altLang="uk-UA" dirty="0" err="1"/>
               <a:t>checked</a:t>
             </a:r>
             <a:r>
-              <a:rPr lang="uk-UA" altLang="uk-UA" dirty="0" smtClean="0"/>
+              <a:rPr lang="uk-UA" altLang="uk-UA" dirty="0"/>
               <a:t> </a:t>
             </a:r>
             <a:r>
-              <a:rPr lang="uk-UA" altLang="uk-UA" dirty="0" err="1" smtClean="0"/>
+              <a:rPr lang="uk-UA" altLang="uk-UA" dirty="0" err="1"/>
               <a:t>or</a:t>
             </a:r>
             <a:r>
-              <a:rPr lang="uk-UA" altLang="uk-UA" dirty="0" smtClean="0"/>
+              <a:rPr lang="uk-UA" altLang="uk-UA" dirty="0"/>
               <a:t> </a:t>
             </a:r>
             <a:r>
-              <a:rPr lang="uk-UA" altLang="uk-UA" dirty="0" err="1" smtClean="0"/>
+              <a:rPr lang="uk-UA" altLang="uk-UA" dirty="0" err="1"/>
               <a:t>an</a:t>
             </a:r>
             <a:r>
-              <a:rPr lang="uk-UA" altLang="uk-UA" dirty="0" smtClean="0"/>
+              <a:rPr lang="uk-UA" altLang="uk-UA" dirty="0"/>
               <a:t> </a:t>
             </a:r>
             <a:r>
-              <a:rPr lang="uk-UA" altLang="uk-UA" dirty="0" err="1" smtClean="0"/>
+              <a:rPr lang="uk-UA" altLang="uk-UA" dirty="0" err="1"/>
               <a:t>unchecked</a:t>
             </a:r>
             <a:r>
-              <a:rPr lang="uk-UA" altLang="uk-UA" dirty="0" smtClean="0"/>
+              <a:rPr lang="uk-UA" altLang="uk-UA" dirty="0"/>
               <a:t> </a:t>
             </a:r>
             <a:r>
-              <a:rPr lang="uk-UA" altLang="uk-UA" dirty="0" err="1" smtClean="0"/>
+              <a:rPr lang="uk-UA" altLang="uk-UA" dirty="0" err="1"/>
               <a:t>one</a:t>
             </a:r>
             <a:r>
-              <a:rPr lang="uk-UA" altLang="uk-UA" dirty="0" smtClean="0"/>
+              <a:rPr lang="uk-UA" altLang="uk-UA" dirty="0"/>
               <a:t>.</a:t>
             </a:r>
           </a:p>
@@ -3148,122 +3138,122 @@
               <a:buNone/>
             </a:pPr>
             <a:r>
-              <a:rPr lang="en-US" altLang="uk-UA" b="1" dirty="0" smtClean="0"/>
+              <a:rPr lang="en-US" altLang="uk-UA" b="1" dirty="0"/>
               <a:t>c</a:t>
             </a:r>
             <a:r>
-              <a:rPr lang="uk-UA" altLang="uk-UA" b="1" dirty="0" err="1" smtClean="0"/>
+              <a:rPr lang="uk-UA" altLang="uk-UA" b="1" dirty="0" err="1"/>
               <a:t>atch</a:t>
             </a:r>
             <a:r>
-              <a:rPr lang="en-US" altLang="uk-UA" b="1" dirty="0" smtClean="0"/>
+              <a:rPr lang="en-US" altLang="uk-UA" b="1" dirty="0"/>
               <a:t> - </a:t>
             </a:r>
             <a:r>
-              <a:rPr lang="uk-UA" altLang="uk-UA" dirty="0" err="1" smtClean="0"/>
+              <a:rPr lang="uk-UA" altLang="uk-UA" dirty="0" err="1"/>
               <a:t>used</a:t>
             </a:r>
             <a:r>
-              <a:rPr lang="uk-UA" altLang="uk-UA" dirty="0" smtClean="0"/>
+              <a:rPr lang="uk-UA" altLang="uk-UA" dirty="0"/>
               <a:t> </a:t>
             </a:r>
             <a:r>
-              <a:rPr lang="uk-UA" altLang="uk-UA" dirty="0" err="1" smtClean="0"/>
+              <a:rPr lang="uk-UA" altLang="uk-UA" dirty="0" err="1"/>
               <a:t>to</a:t>
             </a:r>
             <a:r>
-              <a:rPr lang="uk-UA" altLang="uk-UA" dirty="0" smtClean="0"/>
+              <a:rPr lang="uk-UA" altLang="uk-UA" dirty="0"/>
               <a:t> </a:t>
             </a:r>
             <a:r>
-              <a:rPr lang="uk-UA" altLang="uk-UA" dirty="0" err="1" smtClean="0"/>
+              <a:rPr lang="uk-UA" altLang="uk-UA" dirty="0" err="1"/>
               <a:t>handle</a:t>
             </a:r>
             <a:r>
-              <a:rPr lang="uk-UA" altLang="uk-UA" dirty="0" smtClean="0"/>
+              <a:rPr lang="uk-UA" altLang="uk-UA" dirty="0"/>
               <a:t> </a:t>
             </a:r>
             <a:r>
-              <a:rPr lang="uk-UA" altLang="uk-UA" dirty="0" err="1" smtClean="0"/>
+              <a:rPr lang="uk-UA" altLang="uk-UA" dirty="0" err="1"/>
               <a:t>an</a:t>
             </a:r>
             <a:r>
-              <a:rPr lang="uk-UA" altLang="uk-UA" dirty="0" smtClean="0"/>
+              <a:rPr lang="uk-UA" altLang="uk-UA" dirty="0"/>
               <a:t> </a:t>
             </a:r>
             <a:r>
-              <a:rPr lang="uk-UA" altLang="uk-UA" dirty="0" err="1" smtClean="0"/>
+              <a:rPr lang="uk-UA" altLang="uk-UA" dirty="0" err="1"/>
               <a:t>exception</a:t>
             </a:r>
             <a:r>
-              <a:rPr lang="uk-UA" altLang="uk-UA" dirty="0" smtClean="0"/>
+              <a:rPr lang="uk-UA" altLang="uk-UA" dirty="0"/>
               <a:t>. </a:t>
             </a:r>
             <a:r>
-              <a:rPr lang="uk-UA" altLang="uk-UA" dirty="0" err="1" smtClean="0"/>
+              <a:rPr lang="uk-UA" altLang="uk-UA" dirty="0" err="1"/>
               <a:t>It</a:t>
             </a:r>
             <a:r>
-              <a:rPr lang="uk-UA" altLang="uk-UA" dirty="0" smtClean="0"/>
+              <a:rPr lang="uk-UA" altLang="uk-UA" dirty="0"/>
               <a:t> </a:t>
             </a:r>
             <a:r>
-              <a:rPr lang="uk-UA" altLang="uk-UA" dirty="0" err="1" smtClean="0"/>
+              <a:rPr lang="uk-UA" altLang="uk-UA" dirty="0" err="1"/>
               <a:t>defines</a:t>
             </a:r>
             <a:r>
-              <a:rPr lang="uk-UA" altLang="uk-UA" dirty="0" smtClean="0"/>
+              <a:rPr lang="uk-UA" altLang="uk-UA" dirty="0"/>
               <a:t> the </a:t>
             </a:r>
             <a:r>
-              <a:rPr lang="uk-UA" altLang="uk-UA" dirty="0" err="1" smtClean="0"/>
+              <a:rPr lang="uk-UA" altLang="uk-UA" dirty="0" err="1"/>
               <a:t>type</a:t>
             </a:r>
             <a:r>
-              <a:rPr lang="uk-UA" altLang="uk-UA" dirty="0" smtClean="0"/>
+              <a:rPr lang="uk-UA" altLang="uk-UA" dirty="0"/>
               <a:t> of the </a:t>
             </a:r>
             <a:r>
-              <a:rPr lang="uk-UA" altLang="uk-UA" dirty="0" err="1" smtClean="0"/>
+              <a:rPr lang="uk-UA" altLang="uk-UA" dirty="0" err="1"/>
               <a:t>exception</a:t>
             </a:r>
             <a:r>
-              <a:rPr lang="uk-UA" altLang="uk-UA" dirty="0" smtClean="0"/>
+              <a:rPr lang="uk-UA" altLang="uk-UA" dirty="0"/>
               <a:t> </a:t>
             </a:r>
             <a:r>
-              <a:rPr lang="uk-UA" altLang="uk-UA" dirty="0" err="1" smtClean="0"/>
+              <a:rPr lang="uk-UA" altLang="uk-UA" dirty="0" err="1"/>
               <a:t>and</a:t>
             </a:r>
             <a:r>
-              <a:rPr lang="uk-UA" altLang="uk-UA" dirty="0" smtClean="0"/>
+              <a:rPr lang="uk-UA" altLang="uk-UA" dirty="0"/>
               <a:t> a </a:t>
             </a:r>
             <a:r>
-              <a:rPr lang="uk-UA" altLang="uk-UA" dirty="0" err="1" smtClean="0"/>
+              <a:rPr lang="uk-UA" altLang="uk-UA" dirty="0" err="1"/>
               <a:t>reference</a:t>
             </a:r>
             <a:r>
-              <a:rPr lang="uk-UA" altLang="uk-UA" dirty="0" smtClean="0"/>
+              <a:rPr lang="uk-UA" altLang="uk-UA" dirty="0"/>
               <a:t> </a:t>
             </a:r>
             <a:r>
-              <a:rPr lang="uk-UA" altLang="uk-UA" dirty="0" err="1" smtClean="0"/>
+              <a:rPr lang="uk-UA" altLang="uk-UA" dirty="0" err="1"/>
               <a:t>to</a:t>
             </a:r>
             <a:r>
-              <a:rPr lang="uk-UA" altLang="uk-UA" dirty="0" smtClean="0"/>
+              <a:rPr lang="uk-UA" altLang="uk-UA" dirty="0"/>
               <a:t> </a:t>
             </a:r>
             <a:r>
-              <a:rPr lang="uk-UA" altLang="uk-UA" dirty="0" err="1" smtClean="0"/>
+              <a:rPr lang="uk-UA" altLang="uk-UA" dirty="0" err="1"/>
               <a:t>it</a:t>
             </a:r>
             <a:r>
-              <a:rPr lang="uk-UA" altLang="uk-UA" dirty="0" smtClean="0"/>
+              <a:rPr lang="uk-UA" altLang="uk-UA" dirty="0"/>
               <a:t>.</a:t>
             </a:r>
-            <a:endParaRPr lang="uk-UA" dirty="0" smtClean="0"/>
+            <a:endParaRPr lang="uk-UA" dirty="0"/>
           </a:p>
           <a:p>
             <a:endParaRPr lang="en-US" dirty="0"/>
@@ -3368,7 +3358,7 @@
               <a:defRPr/>
             </a:pPr>
             <a:r>
-              <a:rPr lang="en-US" dirty="0" smtClean="0"/>
+              <a:rPr lang="en-US" dirty="0"/>
               <a:t>Java will not allow you to declare a  catch  block for a checked exception type that cannot potentially be thrown by the  try  clause body</a:t>
             </a:r>
           </a:p>
@@ -3475,7 +3465,7 @@
               <a:defRPr/>
             </a:pPr>
             <a:r>
-              <a:rPr lang="en-US" dirty="0" smtClean="0"/>
+              <a:rPr lang="en-US" dirty="0"/>
               <a:t> Java checks the  catch  blocks in the order in which they appear.</a:t>
             </a:r>
           </a:p>
@@ -3497,7 +3487,7 @@
               <a:tabLst/>
               <a:defRPr/>
             </a:pPr>
-            <a:endParaRPr lang="en-US" dirty="0" smtClean="0"/>
+            <a:endParaRPr lang="en-US" dirty="0"/>
           </a:p>
           <a:p>
             <a:pPr marL="0" marR="0" indent="0" algn="l" defTabSz="914400" rtl="0" eaLnBrk="1" fontAlgn="auto" latinLnBrk="0" hangingPunct="1">
@@ -3518,10 +3508,10 @@
               <a:defRPr/>
             </a:pPr>
             <a:r>
-              <a:rPr lang="en-US" dirty="0" smtClean="0"/>
+              <a:rPr lang="en-US" dirty="0"/>
               <a:t>Child class exception should be before parent class</a:t>
             </a:r>
-            <a:endParaRPr lang="ru-RU" dirty="0" smtClean="0"/>
+            <a:endParaRPr lang="ru-RU" dirty="0"/>
           </a:p>
           <a:p>
             <a:endParaRPr lang="en-US" dirty="0"/>
@@ -3626,30 +3616,29 @@
               <a:defRPr/>
             </a:pPr>
             <a:r>
-              <a:rPr lang="en-US" dirty="0" smtClean="0"/>
+              <a:rPr lang="en-US" dirty="0"/>
               <a:t>If no exception handlers are configured,</a:t>
             </a:r>
             <a:r>
-              <a:rPr lang="en-US" baseline="0" dirty="0" smtClean="0"/>
+              <a:rPr lang="en-US" baseline="0" dirty="0"/>
               <a:t> </a:t>
             </a:r>
             <a:r>
-              <a:rPr lang="en-US" dirty="0" smtClean="0"/>
+              <a:rPr lang="en-US" dirty="0"/>
               <a:t>JVM provides a default exception handler that performs the following tasks</a:t>
             </a:r>
           </a:p>
           <a:p>
-            <a:endParaRPr lang="en-US" dirty="0" smtClean="0"/>
-          </a:p>
-          <a:p>
-            <a:endParaRPr lang="en-US" dirty="0" smtClean="0"/>
-          </a:p>
-          <a:p>
-            <a:r>
-              <a:rPr lang="en-US" dirty="0" smtClean="0"/>
+            <a:endParaRPr lang="en-US" dirty="0"/>
+          </a:p>
+          <a:p>
+            <a:endParaRPr lang="en-US" dirty="0"/>
+          </a:p>
+          <a:p>
+            <a:r>
+              <a:rPr lang="en-US" dirty="0"/>
               <a:t>stack-trace - hierarchy of methods where the exception occurred</a:t>
             </a:r>
-            <a:endParaRPr lang="en-US" dirty="0"/>
           </a:p>
         </p:txBody>
       </p:sp>
@@ -3731,7 +3720,7 @@
           </a:lstStyle>
           <a:p>
             <a:r>
-              <a:rPr lang="ru-RU" smtClean="0"/>
+              <a:rPr lang="ru-RU"/>
               <a:t>Образец заголовка</a:t>
             </a:r>
             <a:endParaRPr lang="en-US"/>
@@ -3796,7 +3785,7 @@
           </a:lstStyle>
           <a:p>
             <a:r>
-              <a:rPr lang="ru-RU" smtClean="0"/>
+              <a:rPr lang="ru-RU"/>
               <a:t>Образец подзаголовка</a:t>
             </a:r>
             <a:endParaRPr lang="en-US"/>
@@ -3820,7 +3809,7 @@
           <a:p>
             <a:fld id="{D29A9904-05F6-4435-915D-66AB33DA2DA6}" type="datetimeFigureOut">
               <a:rPr lang="en-US" smtClean="0"/>
-              <a:t>10/28/2018</a:t>
+              <a:t>30-Oct-18</a:t>
             </a:fld>
             <a:endParaRPr lang="en-US"/>
           </a:p>
@@ -3862,7 +3851,7 @@
           <a:p>
             <a:fld id="{F848A453-52EB-4F98-92E7-CC8DAC93E9DB}" type="slidenum">
               <a:rPr lang="en-US" smtClean="0"/>
-              <a:t>‹#›</a:t>
+              <a:t>‹№›</a:t>
             </a:fld>
             <a:endParaRPr lang="en-US"/>
           </a:p>
@@ -3914,7 +3903,7 @@
           <a:lstStyle/>
           <a:p>
             <a:r>
-              <a:rPr lang="ru-RU" smtClean="0"/>
+              <a:rPr lang="ru-RU"/>
               <a:t>Образец заголовка</a:t>
             </a:r>
             <a:endParaRPr lang="en-US"/>
@@ -3938,35 +3927,35 @@
           <a:p>
             <a:pPr lvl="0"/>
             <a:r>
-              <a:rPr lang="ru-RU" smtClean="0"/>
+              <a:rPr lang="ru-RU"/>
               <a:t>Образец текста</a:t>
             </a:r>
           </a:p>
           <a:p>
             <a:pPr lvl="1"/>
             <a:r>
-              <a:rPr lang="ru-RU" smtClean="0"/>
+              <a:rPr lang="ru-RU"/>
               <a:t>Второй уровень</a:t>
             </a:r>
           </a:p>
           <a:p>
             <a:pPr lvl="2"/>
             <a:r>
-              <a:rPr lang="ru-RU" smtClean="0"/>
+              <a:rPr lang="ru-RU"/>
               <a:t>Третий уровень</a:t>
             </a:r>
           </a:p>
           <a:p>
             <a:pPr lvl="3"/>
             <a:r>
-              <a:rPr lang="ru-RU" smtClean="0"/>
+              <a:rPr lang="ru-RU"/>
               <a:t>Четвертый уровень</a:t>
             </a:r>
           </a:p>
           <a:p>
             <a:pPr lvl="4"/>
             <a:r>
-              <a:rPr lang="ru-RU" smtClean="0"/>
+              <a:rPr lang="ru-RU"/>
               <a:t>Пятый уровень</a:t>
             </a:r>
             <a:endParaRPr lang="en-US"/>
@@ -3990,7 +3979,7 @@
           <a:p>
             <a:fld id="{D29A9904-05F6-4435-915D-66AB33DA2DA6}" type="datetimeFigureOut">
               <a:rPr lang="en-US" smtClean="0"/>
-              <a:t>10/28/2018</a:t>
+              <a:t>30-Oct-18</a:t>
             </a:fld>
             <a:endParaRPr lang="en-US"/>
           </a:p>
@@ -4032,7 +4021,7 @@
           <a:p>
             <a:fld id="{F848A453-52EB-4F98-92E7-CC8DAC93E9DB}" type="slidenum">
               <a:rPr lang="en-US" smtClean="0"/>
-              <a:t>‹#›</a:t>
+              <a:t>‹№›</a:t>
             </a:fld>
             <a:endParaRPr lang="en-US"/>
           </a:p>
@@ -4089,7 +4078,7 @@
           <a:lstStyle/>
           <a:p>
             <a:r>
-              <a:rPr lang="ru-RU" smtClean="0"/>
+              <a:rPr lang="ru-RU"/>
               <a:t>Образец заголовка</a:t>
             </a:r>
             <a:endParaRPr lang="en-US"/>
@@ -4118,35 +4107,35 @@
           <a:p>
             <a:pPr lvl="0"/>
             <a:r>
-              <a:rPr lang="ru-RU" smtClean="0"/>
+              <a:rPr lang="ru-RU"/>
               <a:t>Образец текста</a:t>
             </a:r>
           </a:p>
           <a:p>
             <a:pPr lvl="1"/>
             <a:r>
-              <a:rPr lang="ru-RU" smtClean="0"/>
+              <a:rPr lang="ru-RU"/>
               <a:t>Второй уровень</a:t>
             </a:r>
           </a:p>
           <a:p>
             <a:pPr lvl="2"/>
             <a:r>
-              <a:rPr lang="ru-RU" smtClean="0"/>
+              <a:rPr lang="ru-RU"/>
               <a:t>Третий уровень</a:t>
             </a:r>
           </a:p>
           <a:p>
             <a:pPr lvl="3"/>
             <a:r>
-              <a:rPr lang="ru-RU" smtClean="0"/>
+              <a:rPr lang="ru-RU"/>
               <a:t>Четвертый уровень</a:t>
             </a:r>
           </a:p>
           <a:p>
             <a:pPr lvl="4"/>
             <a:r>
-              <a:rPr lang="ru-RU" smtClean="0"/>
+              <a:rPr lang="ru-RU"/>
               <a:t>Пятый уровень</a:t>
             </a:r>
             <a:endParaRPr lang="en-US"/>
@@ -4170,7 +4159,7 @@
           <a:p>
             <a:fld id="{D29A9904-05F6-4435-915D-66AB33DA2DA6}" type="datetimeFigureOut">
               <a:rPr lang="en-US" smtClean="0"/>
-              <a:t>10/28/2018</a:t>
+              <a:t>30-Oct-18</a:t>
             </a:fld>
             <a:endParaRPr lang="en-US"/>
           </a:p>
@@ -4212,7 +4201,7 @@
           <a:p>
             <a:fld id="{F848A453-52EB-4F98-92E7-CC8DAC93E9DB}" type="slidenum">
               <a:rPr lang="en-US" smtClean="0"/>
-              <a:t>‹#›</a:t>
+              <a:t>‹№›</a:t>
             </a:fld>
             <a:endParaRPr lang="en-US"/>
           </a:p>
@@ -4264,7 +4253,7 @@
           <a:lstStyle/>
           <a:p>
             <a:r>
-              <a:rPr lang="ru-RU" smtClean="0"/>
+              <a:rPr lang="ru-RU"/>
               <a:t>Образец заголовка</a:t>
             </a:r>
             <a:endParaRPr lang="en-US"/>
@@ -4288,35 +4277,35 @@
           <a:p>
             <a:pPr lvl="0"/>
             <a:r>
-              <a:rPr lang="ru-RU" smtClean="0"/>
+              <a:rPr lang="ru-RU"/>
               <a:t>Образец текста</a:t>
             </a:r>
           </a:p>
           <a:p>
             <a:pPr lvl="1"/>
             <a:r>
-              <a:rPr lang="ru-RU" smtClean="0"/>
+              <a:rPr lang="ru-RU"/>
               <a:t>Второй уровень</a:t>
             </a:r>
           </a:p>
           <a:p>
             <a:pPr lvl="2"/>
             <a:r>
-              <a:rPr lang="ru-RU" smtClean="0"/>
+              <a:rPr lang="ru-RU"/>
               <a:t>Третий уровень</a:t>
             </a:r>
           </a:p>
           <a:p>
             <a:pPr lvl="3"/>
             <a:r>
-              <a:rPr lang="ru-RU" smtClean="0"/>
+              <a:rPr lang="ru-RU"/>
               <a:t>Четвертый уровень</a:t>
             </a:r>
           </a:p>
           <a:p>
             <a:pPr lvl="4"/>
             <a:r>
-              <a:rPr lang="ru-RU" smtClean="0"/>
+              <a:rPr lang="ru-RU"/>
               <a:t>Пятый уровень</a:t>
             </a:r>
             <a:endParaRPr lang="en-US"/>
@@ -4340,7 +4329,7 @@
           <a:p>
             <a:fld id="{D29A9904-05F6-4435-915D-66AB33DA2DA6}" type="datetimeFigureOut">
               <a:rPr lang="en-US" smtClean="0"/>
-              <a:t>10/28/2018</a:t>
+              <a:t>30-Oct-18</a:t>
             </a:fld>
             <a:endParaRPr lang="en-US"/>
           </a:p>
@@ -4382,7 +4371,7 @@
           <a:p>
             <a:fld id="{F848A453-52EB-4F98-92E7-CC8DAC93E9DB}" type="slidenum">
               <a:rPr lang="en-US" smtClean="0"/>
-              <a:t>‹#›</a:t>
+              <a:t>‹№›</a:t>
             </a:fld>
             <a:endParaRPr lang="en-US"/>
           </a:p>
@@ -4443,7 +4432,7 @@
           </a:lstStyle>
           <a:p>
             <a:r>
-              <a:rPr lang="ru-RU" smtClean="0"/>
+              <a:rPr lang="ru-RU"/>
               <a:t>Образец заголовка</a:t>
             </a:r>
             <a:endParaRPr lang="en-US"/>
@@ -4563,7 +4552,7 @@
           <a:p>
             <a:pPr lvl="0"/>
             <a:r>
-              <a:rPr lang="ru-RU" smtClean="0"/>
+              <a:rPr lang="ru-RU"/>
               <a:t>Образец текста</a:t>
             </a:r>
           </a:p>
@@ -4586,7 +4575,7 @@
           <a:p>
             <a:fld id="{D29A9904-05F6-4435-915D-66AB33DA2DA6}" type="datetimeFigureOut">
               <a:rPr lang="en-US" smtClean="0"/>
-              <a:t>10/28/2018</a:t>
+              <a:t>30-Oct-18</a:t>
             </a:fld>
             <a:endParaRPr lang="en-US"/>
           </a:p>
@@ -4628,7 +4617,7 @@
           <a:p>
             <a:fld id="{F848A453-52EB-4F98-92E7-CC8DAC93E9DB}" type="slidenum">
               <a:rPr lang="en-US" smtClean="0"/>
-              <a:t>‹#›</a:t>
+              <a:t>‹№›</a:t>
             </a:fld>
             <a:endParaRPr lang="en-US"/>
           </a:p>
@@ -4680,7 +4669,7 @@
           <a:lstStyle/>
           <a:p>
             <a:r>
-              <a:rPr lang="ru-RU" smtClean="0"/>
+              <a:rPr lang="ru-RU"/>
               <a:t>Образец заголовка</a:t>
             </a:r>
             <a:endParaRPr lang="en-US"/>
@@ -4709,35 +4698,35 @@
           <a:p>
             <a:pPr lvl="0"/>
             <a:r>
-              <a:rPr lang="ru-RU" smtClean="0"/>
+              <a:rPr lang="ru-RU"/>
               <a:t>Образец текста</a:t>
             </a:r>
           </a:p>
           <a:p>
             <a:pPr lvl="1"/>
             <a:r>
-              <a:rPr lang="ru-RU" smtClean="0"/>
+              <a:rPr lang="ru-RU"/>
               <a:t>Второй уровень</a:t>
             </a:r>
           </a:p>
           <a:p>
             <a:pPr lvl="2"/>
             <a:r>
-              <a:rPr lang="ru-RU" smtClean="0"/>
+              <a:rPr lang="ru-RU"/>
               <a:t>Третий уровень</a:t>
             </a:r>
           </a:p>
           <a:p>
             <a:pPr lvl="3"/>
             <a:r>
-              <a:rPr lang="ru-RU" smtClean="0"/>
+              <a:rPr lang="ru-RU"/>
               <a:t>Четвертый уровень</a:t>
             </a:r>
           </a:p>
           <a:p>
             <a:pPr lvl="4"/>
             <a:r>
-              <a:rPr lang="ru-RU" smtClean="0"/>
+              <a:rPr lang="ru-RU"/>
               <a:t>Пятый уровень</a:t>
             </a:r>
             <a:endParaRPr lang="en-US"/>
@@ -4766,35 +4755,35 @@
           <a:p>
             <a:pPr lvl="0"/>
             <a:r>
-              <a:rPr lang="ru-RU" smtClean="0"/>
+              <a:rPr lang="ru-RU"/>
               <a:t>Образец текста</a:t>
             </a:r>
           </a:p>
           <a:p>
             <a:pPr lvl="1"/>
             <a:r>
-              <a:rPr lang="ru-RU" smtClean="0"/>
+              <a:rPr lang="ru-RU"/>
               <a:t>Второй уровень</a:t>
             </a:r>
           </a:p>
           <a:p>
             <a:pPr lvl="2"/>
             <a:r>
-              <a:rPr lang="ru-RU" smtClean="0"/>
+              <a:rPr lang="ru-RU"/>
               <a:t>Третий уровень</a:t>
             </a:r>
           </a:p>
           <a:p>
             <a:pPr lvl="3"/>
             <a:r>
-              <a:rPr lang="ru-RU" smtClean="0"/>
+              <a:rPr lang="ru-RU"/>
               <a:t>Четвертый уровень</a:t>
             </a:r>
           </a:p>
           <a:p>
             <a:pPr lvl="4"/>
             <a:r>
-              <a:rPr lang="ru-RU" smtClean="0"/>
+              <a:rPr lang="ru-RU"/>
               <a:t>Пятый уровень</a:t>
             </a:r>
             <a:endParaRPr lang="en-US"/>
@@ -4818,7 +4807,7 @@
           <a:p>
             <a:fld id="{D29A9904-05F6-4435-915D-66AB33DA2DA6}" type="datetimeFigureOut">
               <a:rPr lang="en-US" smtClean="0"/>
-              <a:t>10/28/2018</a:t>
+              <a:t>30-Oct-18</a:t>
             </a:fld>
             <a:endParaRPr lang="en-US"/>
           </a:p>
@@ -4860,7 +4849,7 @@
           <a:p>
             <a:fld id="{F848A453-52EB-4F98-92E7-CC8DAC93E9DB}" type="slidenum">
               <a:rPr lang="en-US" smtClean="0"/>
-              <a:t>‹#›</a:t>
+              <a:t>‹№›</a:t>
             </a:fld>
             <a:endParaRPr lang="en-US"/>
           </a:p>
@@ -4917,7 +4906,7 @@
           <a:lstStyle/>
           <a:p>
             <a:r>
-              <a:rPr lang="ru-RU" smtClean="0"/>
+              <a:rPr lang="ru-RU"/>
               <a:t>Образец заголовка</a:t>
             </a:r>
             <a:endParaRPr lang="en-US"/>
@@ -4983,7 +4972,7 @@
           <a:p>
             <a:pPr lvl="0"/>
             <a:r>
-              <a:rPr lang="ru-RU" smtClean="0"/>
+              <a:rPr lang="ru-RU"/>
               <a:t>Образец текста</a:t>
             </a:r>
           </a:p>
@@ -5011,35 +5000,35 @@
           <a:p>
             <a:pPr lvl="0"/>
             <a:r>
-              <a:rPr lang="ru-RU" smtClean="0"/>
+              <a:rPr lang="ru-RU"/>
               <a:t>Образец текста</a:t>
             </a:r>
           </a:p>
           <a:p>
             <a:pPr lvl="1"/>
             <a:r>
-              <a:rPr lang="ru-RU" smtClean="0"/>
+              <a:rPr lang="ru-RU"/>
               <a:t>Второй уровень</a:t>
             </a:r>
           </a:p>
           <a:p>
             <a:pPr lvl="2"/>
             <a:r>
-              <a:rPr lang="ru-RU" smtClean="0"/>
+              <a:rPr lang="ru-RU"/>
               <a:t>Третий уровень</a:t>
             </a:r>
           </a:p>
           <a:p>
             <a:pPr lvl="3"/>
             <a:r>
-              <a:rPr lang="ru-RU" smtClean="0"/>
+              <a:rPr lang="ru-RU"/>
               <a:t>Четвертый уровень</a:t>
             </a:r>
           </a:p>
           <a:p>
             <a:pPr lvl="4"/>
             <a:r>
-              <a:rPr lang="ru-RU" smtClean="0"/>
+              <a:rPr lang="ru-RU"/>
               <a:t>Пятый уровень</a:t>
             </a:r>
             <a:endParaRPr lang="en-US"/>
@@ -5105,7 +5094,7 @@
           <a:p>
             <a:pPr lvl="0"/>
             <a:r>
-              <a:rPr lang="ru-RU" smtClean="0"/>
+              <a:rPr lang="ru-RU"/>
               <a:t>Образец текста</a:t>
             </a:r>
           </a:p>
@@ -5133,35 +5122,35 @@
           <a:p>
             <a:pPr lvl="0"/>
             <a:r>
-              <a:rPr lang="ru-RU" smtClean="0"/>
+              <a:rPr lang="ru-RU"/>
               <a:t>Образец текста</a:t>
             </a:r>
           </a:p>
           <a:p>
             <a:pPr lvl="1"/>
             <a:r>
-              <a:rPr lang="ru-RU" smtClean="0"/>
+              <a:rPr lang="ru-RU"/>
               <a:t>Второй уровень</a:t>
             </a:r>
           </a:p>
           <a:p>
             <a:pPr lvl="2"/>
             <a:r>
-              <a:rPr lang="ru-RU" smtClean="0"/>
+              <a:rPr lang="ru-RU"/>
               <a:t>Третий уровень</a:t>
             </a:r>
           </a:p>
           <a:p>
             <a:pPr lvl="3"/>
             <a:r>
-              <a:rPr lang="ru-RU" smtClean="0"/>
+              <a:rPr lang="ru-RU"/>
               <a:t>Четвертый уровень</a:t>
             </a:r>
           </a:p>
           <a:p>
             <a:pPr lvl="4"/>
             <a:r>
-              <a:rPr lang="ru-RU" smtClean="0"/>
+              <a:rPr lang="ru-RU"/>
               <a:t>Пятый уровень</a:t>
             </a:r>
             <a:endParaRPr lang="en-US"/>
@@ -5185,7 +5174,7 @@
           <a:p>
             <a:fld id="{D29A9904-05F6-4435-915D-66AB33DA2DA6}" type="datetimeFigureOut">
               <a:rPr lang="en-US" smtClean="0"/>
-              <a:t>10/28/2018</a:t>
+              <a:t>30-Oct-18</a:t>
             </a:fld>
             <a:endParaRPr lang="en-US"/>
           </a:p>
@@ -5227,7 +5216,7 @@
           <a:p>
             <a:fld id="{F848A453-52EB-4F98-92E7-CC8DAC93E9DB}" type="slidenum">
               <a:rPr lang="en-US" smtClean="0"/>
-              <a:t>‹#›</a:t>
+              <a:t>‹№›</a:t>
             </a:fld>
             <a:endParaRPr lang="en-US"/>
           </a:p>
@@ -5279,7 +5268,7 @@
           <a:lstStyle/>
           <a:p>
             <a:r>
-              <a:rPr lang="ru-RU" smtClean="0"/>
+              <a:rPr lang="ru-RU"/>
               <a:t>Образец заголовка</a:t>
             </a:r>
             <a:endParaRPr lang="en-US"/>
@@ -5303,7 +5292,7 @@
           <a:p>
             <a:fld id="{D29A9904-05F6-4435-915D-66AB33DA2DA6}" type="datetimeFigureOut">
               <a:rPr lang="en-US" smtClean="0"/>
-              <a:t>10/28/2018</a:t>
+              <a:t>30-Oct-18</a:t>
             </a:fld>
             <a:endParaRPr lang="en-US"/>
           </a:p>
@@ -5345,7 +5334,7 @@
           <a:p>
             <a:fld id="{F848A453-52EB-4F98-92E7-CC8DAC93E9DB}" type="slidenum">
               <a:rPr lang="en-US" smtClean="0"/>
-              <a:t>‹#›</a:t>
+              <a:t>‹№›</a:t>
             </a:fld>
             <a:endParaRPr lang="en-US"/>
           </a:p>
@@ -5398,7 +5387,7 @@
           <a:p>
             <a:fld id="{D29A9904-05F6-4435-915D-66AB33DA2DA6}" type="datetimeFigureOut">
               <a:rPr lang="en-US" smtClean="0"/>
-              <a:t>10/28/2018</a:t>
+              <a:t>30-Oct-18</a:t>
             </a:fld>
             <a:endParaRPr lang="en-US"/>
           </a:p>
@@ -5440,7 +5429,7 @@
           <a:p>
             <a:fld id="{F848A453-52EB-4F98-92E7-CC8DAC93E9DB}" type="slidenum">
               <a:rPr lang="en-US" smtClean="0"/>
-              <a:t>‹#›</a:t>
+              <a:t>‹№›</a:t>
             </a:fld>
             <a:endParaRPr lang="en-US"/>
           </a:p>
@@ -5501,7 +5490,7 @@
           </a:lstStyle>
           <a:p>
             <a:r>
-              <a:rPr lang="ru-RU" smtClean="0"/>
+              <a:rPr lang="ru-RU"/>
               <a:t>Образец заголовка</a:t>
             </a:r>
             <a:endParaRPr lang="en-US"/>
@@ -5558,35 +5547,35 @@
           <a:p>
             <a:pPr lvl="0"/>
             <a:r>
-              <a:rPr lang="ru-RU" smtClean="0"/>
+              <a:rPr lang="ru-RU"/>
               <a:t>Образец текста</a:t>
             </a:r>
           </a:p>
           <a:p>
             <a:pPr lvl="1"/>
             <a:r>
-              <a:rPr lang="ru-RU" smtClean="0"/>
+              <a:rPr lang="ru-RU"/>
               <a:t>Второй уровень</a:t>
             </a:r>
           </a:p>
           <a:p>
             <a:pPr lvl="2"/>
             <a:r>
-              <a:rPr lang="ru-RU" smtClean="0"/>
+              <a:rPr lang="ru-RU"/>
               <a:t>Третий уровень</a:t>
             </a:r>
           </a:p>
           <a:p>
             <a:pPr lvl="3"/>
             <a:r>
-              <a:rPr lang="ru-RU" smtClean="0"/>
+              <a:rPr lang="ru-RU"/>
               <a:t>Четвертый уровень</a:t>
             </a:r>
           </a:p>
           <a:p>
             <a:pPr lvl="4"/>
             <a:r>
-              <a:rPr lang="ru-RU" smtClean="0"/>
+              <a:rPr lang="ru-RU"/>
               <a:t>Пятый уровень</a:t>
             </a:r>
             <a:endParaRPr lang="en-US"/>
@@ -5652,7 +5641,7 @@
           <a:p>
             <a:pPr lvl="0"/>
             <a:r>
-              <a:rPr lang="ru-RU" smtClean="0"/>
+              <a:rPr lang="ru-RU"/>
               <a:t>Образец текста</a:t>
             </a:r>
           </a:p>
@@ -5675,7 +5664,7 @@
           <a:p>
             <a:fld id="{D29A9904-05F6-4435-915D-66AB33DA2DA6}" type="datetimeFigureOut">
               <a:rPr lang="en-US" smtClean="0"/>
-              <a:t>10/28/2018</a:t>
+              <a:t>30-Oct-18</a:t>
             </a:fld>
             <a:endParaRPr lang="en-US"/>
           </a:p>
@@ -5717,7 +5706,7 @@
           <a:p>
             <a:fld id="{F848A453-52EB-4F98-92E7-CC8DAC93E9DB}" type="slidenum">
               <a:rPr lang="en-US" smtClean="0"/>
-              <a:t>‹#›</a:t>
+              <a:t>‹№›</a:t>
             </a:fld>
             <a:endParaRPr lang="en-US"/>
           </a:p>
@@ -5778,7 +5767,7 @@
           </a:lstStyle>
           <a:p>
             <a:r>
-              <a:rPr lang="ru-RU" smtClean="0"/>
+              <a:rPr lang="ru-RU"/>
               <a:t>Образец заголовка</a:t>
             </a:r>
             <a:endParaRPr lang="en-US"/>
@@ -5905,7 +5894,7 @@
           <a:p>
             <a:pPr lvl="0"/>
             <a:r>
-              <a:rPr lang="ru-RU" smtClean="0"/>
+              <a:rPr lang="ru-RU"/>
               <a:t>Образец текста</a:t>
             </a:r>
           </a:p>
@@ -5928,7 +5917,7 @@
           <a:p>
             <a:fld id="{D29A9904-05F6-4435-915D-66AB33DA2DA6}" type="datetimeFigureOut">
               <a:rPr lang="en-US" smtClean="0"/>
-              <a:t>10/28/2018</a:t>
+              <a:t>30-Oct-18</a:t>
             </a:fld>
             <a:endParaRPr lang="en-US"/>
           </a:p>
@@ -5970,7 +5959,7 @@
           <a:p>
             <a:fld id="{F848A453-52EB-4F98-92E7-CC8DAC93E9DB}" type="slidenum">
               <a:rPr lang="en-US" smtClean="0"/>
-              <a:t>‹#›</a:t>
+              <a:t>‹№›</a:t>
             </a:fld>
             <a:endParaRPr lang="en-US"/>
           </a:p>
@@ -6037,7 +6026,7 @@
           <a:lstStyle/>
           <a:p>
             <a:r>
-              <a:rPr lang="ru-RU" smtClean="0"/>
+              <a:rPr lang="ru-RU"/>
               <a:t>Образец заголовка</a:t>
             </a:r>
             <a:endParaRPr lang="en-US"/>
@@ -6071,35 +6060,35 @@
           <a:p>
             <a:pPr lvl="0"/>
             <a:r>
-              <a:rPr lang="ru-RU" smtClean="0"/>
+              <a:rPr lang="ru-RU"/>
               <a:t>Образец текста</a:t>
             </a:r>
           </a:p>
           <a:p>
             <a:pPr lvl="1"/>
             <a:r>
-              <a:rPr lang="ru-RU" smtClean="0"/>
+              <a:rPr lang="ru-RU"/>
               <a:t>Второй уровень</a:t>
             </a:r>
           </a:p>
           <a:p>
             <a:pPr lvl="2"/>
             <a:r>
-              <a:rPr lang="ru-RU" smtClean="0"/>
+              <a:rPr lang="ru-RU"/>
               <a:t>Третий уровень</a:t>
             </a:r>
           </a:p>
           <a:p>
             <a:pPr lvl="3"/>
             <a:r>
-              <a:rPr lang="ru-RU" smtClean="0"/>
+              <a:rPr lang="ru-RU"/>
               <a:t>Четвертый уровень</a:t>
             </a:r>
           </a:p>
           <a:p>
             <a:pPr lvl="4"/>
             <a:r>
-              <a:rPr lang="ru-RU" smtClean="0"/>
+              <a:rPr lang="ru-RU"/>
               <a:t>Пятый уровень</a:t>
             </a:r>
             <a:endParaRPr lang="en-US"/>
@@ -6141,7 +6130,7 @@
           <a:p>
             <a:fld id="{D29A9904-05F6-4435-915D-66AB33DA2DA6}" type="datetimeFigureOut">
               <a:rPr lang="en-US" smtClean="0"/>
-              <a:t>10/28/2018</a:t>
+              <a:t>30-Oct-18</a:t>
             </a:fld>
             <a:endParaRPr lang="en-US"/>
           </a:p>
@@ -6219,7 +6208,7 @@
           <a:p>
             <a:fld id="{F848A453-52EB-4F98-92E7-CC8DAC93E9DB}" type="slidenum">
               <a:rPr lang="en-US" smtClean="0"/>
-              <a:t>‹#›</a:t>
+              <a:t>‹№›</a:t>
             </a:fld>
             <a:endParaRPr lang="en-US"/>
           </a:p>
@@ -6586,17 +6575,8 @@
           <a:p>
             <a:r>
               <a:rPr lang="en-US" dirty="0"/>
-              <a:t>Lesson </a:t>
-            </a:r>
-            <a:r>
-              <a:rPr lang="en-US" dirty="0" smtClean="0"/>
-              <a:t>4 </a:t>
-            </a:r>
-            <a:r>
-              <a:rPr lang="en-US" dirty="0" smtClean="0"/>
-              <a:t>- Exceptions</a:t>
-            </a:r>
-            <a:endParaRPr lang="en-US" dirty="0"/>
+              <a:t>Lesson 4 - Exceptions</a:t>
+            </a:r>
           </a:p>
         </p:txBody>
       </p:sp>
@@ -6610,13 +6590,6 @@
   <p:clrMapOvr>
     <a:masterClrMapping/>
   </p:clrMapOvr>
-  <p:timing>
-    <p:tnLst>
-      <p:par>
-        <p:cTn id="1" dur="indefinite" restart="never" nodeType="tmRoot"/>
-      </p:par>
-    </p:tnLst>
-  </p:timing>
 </p:sld>
 </file>
 
@@ -6802,7 +6775,7 @@
               <a:t>    </a:t>
             </a:r>
             <a:r>
-              <a:rPr kumimoji="0" lang="uk-UA" altLang="uk-UA" sz="2000" b="0" i="0" u="none" strike="noStrike" cap="none" normalizeH="0" baseline="0" dirty="0" err="1" smtClean="0">
+              <a:rPr kumimoji="0" lang="uk-UA" altLang="uk-UA" sz="2000" b="0" i="0" u="none" strike="noStrike" cap="none" normalizeH="0" baseline="0" dirty="0" err="1">
                 <a:ln>
                   <a:noFill/>
                 </a:ln>
@@ -6816,7 +6789,7 @@
               <a:t>System.</a:t>
             </a:r>
             <a:r>
-              <a:rPr kumimoji="0" lang="uk-UA" altLang="uk-UA" sz="2000" b="1" i="1" u="none" strike="noStrike" cap="none" normalizeH="0" baseline="0" dirty="0" err="1" smtClean="0">
+              <a:rPr kumimoji="0" lang="uk-UA" altLang="uk-UA" sz="2000" b="1" i="1" u="none" strike="noStrike" cap="none" normalizeH="0" baseline="0" dirty="0" err="1">
                 <a:ln>
                   <a:noFill/>
                 </a:ln>
@@ -6830,7 +6803,7 @@
               <a:t>out</a:t>
             </a:r>
             <a:r>
-              <a:rPr kumimoji="0" lang="uk-UA" altLang="uk-UA" sz="2000" b="0" i="0" u="none" strike="noStrike" cap="none" normalizeH="0" baseline="0" dirty="0" err="1" smtClean="0">
+              <a:rPr kumimoji="0" lang="uk-UA" altLang="uk-UA" sz="2000" b="0" i="0" u="none" strike="noStrike" cap="none" normalizeH="0" baseline="0" dirty="0" err="1">
                 <a:ln>
                   <a:noFill/>
                 </a:ln>
@@ -6844,7 +6817,7 @@
               <a:t>.println</a:t>
             </a:r>
             <a:r>
-              <a:rPr kumimoji="0" lang="uk-UA" altLang="uk-UA" sz="2000" b="0" i="0" u="none" strike="noStrike" cap="none" normalizeH="0" baseline="0" dirty="0" smtClean="0">
+              <a:rPr kumimoji="0" lang="uk-UA" altLang="uk-UA" sz="2000" b="0" i="0" u="none" strike="noStrike" cap="none" normalizeH="0" baseline="0" dirty="0">
                 <a:ln>
                   <a:noFill/>
                 </a:ln>
@@ -6858,7 +6831,7 @@
               <a:t>(</a:t>
             </a:r>
             <a:r>
-              <a:rPr kumimoji="0" lang="uk-UA" altLang="uk-UA" sz="2000" b="1" i="0" u="none" strike="noStrike" cap="none" normalizeH="0" baseline="0" dirty="0" smtClean="0">
+              <a:rPr kumimoji="0" lang="uk-UA" altLang="uk-UA" sz="2000" b="1" i="0" u="none" strike="noStrike" cap="none" normalizeH="0" baseline="0" dirty="0">
                 <a:ln>
                   <a:noFill/>
                 </a:ln>
@@ -7053,7 +7026,7 @@
               <a:t> </a:t>
             </a:r>
             <a:r>
-              <a:rPr kumimoji="0" lang="uk-UA" altLang="uk-UA" sz="2000" b="0" i="1" u="none" strike="noStrike" cap="none" normalizeH="0" baseline="0" dirty="0" err="1" smtClean="0">
+              <a:rPr kumimoji="0" lang="uk-UA" altLang="uk-UA" sz="2000" b="0" i="1" u="none" strike="noStrike" cap="none" normalizeH="0" baseline="0" dirty="0" err="1">
                 <a:ln>
                   <a:noFill/>
                 </a:ln>
@@ -7066,7 +7039,7 @@
               </a:rPr>
               <a:t>error</a:t>
             </a:r>
-            <a:endParaRPr kumimoji="0" lang="en-US" altLang="uk-UA" sz="2000" b="0" i="1" u="none" strike="noStrike" cap="none" normalizeH="0" baseline="0" dirty="0" smtClean="0">
+            <a:endParaRPr kumimoji="0" lang="en-US" altLang="uk-UA" sz="2000" b="0" i="1" u="none" strike="noStrike" cap="none" normalizeH="0" baseline="0" dirty="0">
               <a:ln>
                 <a:noFill/>
               </a:ln>
@@ -7092,7 +7065,7 @@
               <a:buNone/>
             </a:pPr>
             <a:r>
-              <a:rPr lang="uk-UA" altLang="uk-UA" sz="2000" dirty="0" smtClean="0">
+              <a:rPr lang="uk-UA" altLang="uk-UA" sz="2000" dirty="0">
                 <a:solidFill>
                   <a:srgbClr val="000000"/>
                 </a:solidFill>
@@ -7102,7 +7075,7 @@
               <a:t> </a:t>
             </a:r>
             <a:r>
-              <a:rPr lang="en-US" altLang="uk-UA" sz="2000" dirty="0" smtClean="0">
+              <a:rPr lang="en-US" altLang="uk-UA" sz="2000" dirty="0">
                 <a:solidFill>
                   <a:srgbClr val="000000"/>
                 </a:solidFill>
@@ -7112,7 +7085,7 @@
               <a:t>   </a:t>
             </a:r>
             <a:r>
-              <a:rPr lang="en-US" altLang="uk-UA" sz="2000" dirty="0" err="1" smtClean="0">
+              <a:rPr lang="en-US" altLang="uk-UA" sz="2000" dirty="0" err="1">
                 <a:solidFill>
                   <a:srgbClr val="000000"/>
                 </a:solidFill>
@@ -7122,7 +7095,7 @@
               <a:t>logger.error</a:t>
             </a:r>
             <a:r>
-              <a:rPr lang="en-US" altLang="uk-UA" sz="2000" dirty="0" smtClean="0">
+              <a:rPr lang="en-US" altLang="uk-UA" sz="2000" dirty="0">
                 <a:solidFill>
                   <a:srgbClr val="000000"/>
                 </a:solidFill>
@@ -7132,7 +7105,7 @@
               <a:t>(“</a:t>
             </a:r>
             <a:r>
-              <a:rPr lang="en-US" altLang="uk-UA" sz="2000" dirty="0" err="1" smtClean="0">
+              <a:rPr lang="en-US" altLang="uk-UA" sz="2000" dirty="0" err="1">
                 <a:solidFill>
                   <a:srgbClr val="000000"/>
                 </a:solidFill>
@@ -7142,16 +7115,6 @@
               <a:t>SQLException</a:t>
             </a:r>
             <a:r>
-              <a:rPr lang="en-US" altLang="uk-UA" sz="2000" dirty="0" smtClean="0">
-                <a:solidFill>
-                  <a:srgbClr val="000000"/>
-                </a:solidFill>
-                <a:latin typeface="Courier New" panose="02070309020205020404" pitchFamily="49" charset="0"/>
-                <a:cs typeface="Courier New" panose="02070309020205020404" pitchFamily="49" charset="0"/>
-              </a:rPr>
-              <a:t> caught”, </a:t>
-            </a:r>
-            <a:r>
               <a:rPr lang="en-US" altLang="uk-UA" sz="2000" dirty="0">
                 <a:solidFill>
                   <a:srgbClr val="000000"/>
@@ -7159,31 +7122,7 @@
                 <a:latin typeface="Courier New" panose="02070309020205020404" pitchFamily="49" charset="0"/>
                 <a:cs typeface="Courier New" panose="02070309020205020404" pitchFamily="49" charset="0"/>
               </a:rPr>
-              <a:t>e</a:t>
-            </a:r>
-            <a:r>
-              <a:rPr lang="en-US" altLang="uk-UA" sz="2000" dirty="0" smtClean="0">
-                <a:solidFill>
-                  <a:srgbClr val="000000"/>
-                </a:solidFill>
-                <a:latin typeface="Courier New" panose="02070309020205020404" pitchFamily="49" charset="0"/>
-                <a:cs typeface="Courier New" panose="02070309020205020404" pitchFamily="49" charset="0"/>
-              </a:rPr>
-              <a:t>);</a:t>
-            </a:r>
-            <a:r>
-              <a:rPr kumimoji="0" lang="uk-UA" altLang="uk-UA" sz="2000" b="0" i="0" u="none" strike="noStrike" cap="none" normalizeH="0" baseline="0" dirty="0">
-                <a:ln>
-                  <a:noFill/>
-                </a:ln>
-                <a:solidFill>
-                  <a:srgbClr val="000000"/>
-                </a:solidFill>
-                <a:effectLst/>
-                <a:latin typeface="Courier New" panose="02070309020205020404" pitchFamily="49" charset="0"/>
-                <a:cs typeface="Courier New" panose="02070309020205020404" pitchFamily="49" charset="0"/>
-              </a:rPr>
-              <a:t/>
+              <a:t> caught”, e);</a:t>
             </a:r>
             <a:br>
               <a:rPr kumimoji="0" lang="uk-UA" altLang="uk-UA" sz="2000" b="0" i="0" u="none" strike="noStrike" cap="none" normalizeH="0" baseline="0" dirty="0">
@@ -7319,13 +7258,6 @@
   <p:clrMapOvr>
     <a:masterClrMapping/>
   </p:clrMapOvr>
-  <p:timing>
-    <p:tnLst>
-      <p:par>
-        <p:cTn id="1" dur="indefinite" restart="never" nodeType="tmRoot"/>
-      </p:par>
-    </p:tnLst>
-  </p:timing>
 </p:sld>
 </file>
 
@@ -7691,7 +7623,7 @@
               <a:t>    </a:t>
             </a:r>
             <a:r>
-              <a:rPr lang="uk-UA" altLang="uk-UA" sz="2000" dirty="0" err="1" smtClean="0">
+              <a:rPr lang="uk-UA" altLang="uk-UA" sz="2000" dirty="0" err="1">
                 <a:solidFill>
                   <a:srgbClr val="000000"/>
                 </a:solidFill>
@@ -7701,7 +7633,7 @@
               <a:t>System.</a:t>
             </a:r>
             <a:r>
-              <a:rPr lang="uk-UA" altLang="uk-UA" sz="2000" b="1" i="1" dirty="0" err="1" smtClean="0">
+              <a:rPr lang="uk-UA" altLang="uk-UA" sz="2000" b="1" i="1" dirty="0" err="1">
                 <a:solidFill>
                   <a:srgbClr val="660E7A"/>
                 </a:solidFill>
@@ -7711,7 +7643,7 @@
               <a:t>out</a:t>
             </a:r>
             <a:r>
-              <a:rPr lang="uk-UA" altLang="uk-UA" sz="2000" dirty="0" err="1" smtClean="0">
+              <a:rPr lang="uk-UA" altLang="uk-UA" sz="2000" dirty="0" err="1">
                 <a:solidFill>
                   <a:srgbClr val="000000"/>
                 </a:solidFill>
@@ -7721,7 +7653,7 @@
               <a:t>.println</a:t>
             </a:r>
             <a:r>
-              <a:rPr lang="uk-UA" altLang="uk-UA" sz="2000" dirty="0" smtClean="0">
+              <a:rPr lang="uk-UA" altLang="uk-UA" sz="2000" dirty="0">
                 <a:solidFill>
                   <a:srgbClr val="000000"/>
                 </a:solidFill>
@@ -7731,7 +7663,7 @@
               <a:t>(</a:t>
             </a:r>
             <a:r>
-              <a:rPr lang="uk-UA" altLang="uk-UA" sz="2000" dirty="0" err="1" smtClean="0">
+              <a:rPr lang="uk-UA" altLang="uk-UA" sz="2000" dirty="0" err="1">
                 <a:solidFill>
                   <a:srgbClr val="000000"/>
                 </a:solidFill>
@@ -7839,7 +7771,7 @@
               <a:t>    </a:t>
             </a:r>
             <a:r>
-              <a:rPr lang="en-US" altLang="uk-UA" sz="2000" dirty="0" smtClean="0">
+              <a:rPr lang="en-US" altLang="uk-UA" sz="2000" dirty="0">
                 <a:solidFill>
                   <a:srgbClr val="000000"/>
                 </a:solidFill>
@@ -7849,7 +7781,7 @@
               <a:t>log(</a:t>
             </a:r>
             <a:r>
-              <a:rPr lang="en-US" altLang="uk-UA" sz="2000" b="1" dirty="0" smtClean="0">
+              <a:rPr lang="en-US" altLang="uk-UA" sz="2000" b="1" dirty="0">
                 <a:solidFill>
                   <a:srgbClr val="008000"/>
                 </a:solidFill>
@@ -7859,7 +7791,7 @@
               <a:t>“Date parse failed”</a:t>
             </a:r>
             <a:r>
-              <a:rPr lang="en-US" altLang="uk-UA" sz="2000" dirty="0" smtClean="0">
+              <a:rPr lang="en-US" altLang="uk-UA" sz="2000" dirty="0">
                 <a:solidFill>
                   <a:srgbClr val="000000"/>
                 </a:solidFill>
@@ -7867,85 +7799,6 @@
                 <a:cs typeface="Courier New" panose="02070309020205020404" pitchFamily="49" charset="0"/>
               </a:rPr>
               <a:t>, e);</a:t>
-            </a:r>
-            <a:r>
-              <a:rPr lang="uk-UA" altLang="uk-UA" sz="2000" dirty="0" smtClean="0">
-                <a:solidFill>
-                  <a:srgbClr val="000000"/>
-                </a:solidFill>
-                <a:latin typeface="Courier New" panose="02070309020205020404" pitchFamily="49" charset="0"/>
-                <a:cs typeface="Courier New" panose="02070309020205020404" pitchFamily="49" charset="0"/>
-              </a:rPr>
-              <a:t/>
-            </a:r>
-            <a:br>
-              <a:rPr lang="uk-UA" altLang="uk-UA" sz="2000" dirty="0" smtClean="0">
-                <a:solidFill>
-                  <a:srgbClr val="000000"/>
-                </a:solidFill>
-                <a:latin typeface="Courier New" panose="02070309020205020404" pitchFamily="49" charset="0"/>
-                <a:cs typeface="Courier New" panose="02070309020205020404" pitchFamily="49" charset="0"/>
-              </a:rPr>
-            </a:br>
-            <a:r>
-              <a:rPr lang="uk-UA" altLang="uk-UA" sz="2000" dirty="0" smtClean="0">
-                <a:solidFill>
-                  <a:srgbClr val="000000"/>
-                </a:solidFill>
-                <a:latin typeface="Courier New" panose="02070309020205020404" pitchFamily="49" charset="0"/>
-                <a:cs typeface="Courier New" panose="02070309020205020404" pitchFamily="49" charset="0"/>
-              </a:rPr>
-              <a:t>} </a:t>
-            </a:r>
-            <a:r>
-              <a:rPr lang="uk-UA" altLang="uk-UA" sz="2000" b="1" dirty="0" err="1">
-                <a:solidFill>
-                  <a:srgbClr val="000080"/>
-                </a:solidFill>
-                <a:latin typeface="Courier New" panose="02070309020205020404" pitchFamily="49" charset="0"/>
-                <a:cs typeface="Courier New" panose="02070309020205020404" pitchFamily="49" charset="0"/>
-              </a:rPr>
-              <a:t>catch</a:t>
-            </a:r>
-            <a:r>
-              <a:rPr lang="uk-UA" altLang="uk-UA" sz="2000" b="1" dirty="0">
-                <a:solidFill>
-                  <a:srgbClr val="000080"/>
-                </a:solidFill>
-                <a:latin typeface="Courier New" panose="02070309020205020404" pitchFamily="49" charset="0"/>
-                <a:cs typeface="Courier New" panose="02070309020205020404" pitchFamily="49" charset="0"/>
-              </a:rPr>
-              <a:t> </a:t>
-            </a:r>
-            <a:r>
-              <a:rPr lang="uk-UA" altLang="uk-UA" sz="2000" dirty="0">
-                <a:solidFill>
-                  <a:srgbClr val="000000"/>
-                </a:solidFill>
-                <a:latin typeface="Courier New" panose="02070309020205020404" pitchFamily="49" charset="0"/>
-                <a:cs typeface="Courier New" panose="02070309020205020404" pitchFamily="49" charset="0"/>
-              </a:rPr>
-              <a:t>(</a:t>
-            </a:r>
-            <a:r>
-              <a:rPr lang="uk-UA" altLang="uk-UA" sz="2000" dirty="0" err="1">
-                <a:solidFill>
-                  <a:srgbClr val="000000"/>
-                </a:solidFill>
-                <a:latin typeface="Courier New" panose="02070309020205020404" pitchFamily="49" charset="0"/>
-                <a:cs typeface="Courier New" panose="02070309020205020404" pitchFamily="49" charset="0"/>
-              </a:rPr>
-              <a:t>Exception</a:t>
-            </a:r>
-            <a:r>
-              <a:rPr lang="uk-UA" altLang="uk-UA" sz="2000" dirty="0">
-                <a:solidFill>
-                  <a:srgbClr val="000000"/>
-                </a:solidFill>
-                <a:latin typeface="Courier New" panose="02070309020205020404" pitchFamily="49" charset="0"/>
-                <a:cs typeface="Courier New" panose="02070309020205020404" pitchFamily="49" charset="0"/>
-              </a:rPr>
-              <a:t> e) {</a:t>
             </a:r>
             <a:br>
               <a:rPr lang="uk-UA" altLang="uk-UA" sz="2000" dirty="0">
@@ -7964,10 +7817,79 @@
                 <a:latin typeface="Courier New" panose="02070309020205020404" pitchFamily="49" charset="0"/>
                 <a:cs typeface="Courier New" panose="02070309020205020404" pitchFamily="49" charset="0"/>
               </a:rPr>
+              <a:t>} </a:t>
+            </a:r>
+            <a:r>
+              <a:rPr lang="uk-UA" altLang="uk-UA" sz="2000" b="1" dirty="0" err="1">
+                <a:solidFill>
+                  <a:srgbClr val="000080"/>
+                </a:solidFill>
+                <a:latin typeface="Courier New" panose="02070309020205020404" pitchFamily="49" charset="0"/>
+                <a:cs typeface="Courier New" panose="02070309020205020404" pitchFamily="49" charset="0"/>
+              </a:rPr>
+              <a:t>catch</a:t>
+            </a:r>
+            <a:r>
+              <a:rPr lang="uk-UA" altLang="uk-UA" sz="2000" b="1" dirty="0">
+                <a:solidFill>
+                  <a:srgbClr val="000080"/>
+                </a:solidFill>
+                <a:latin typeface="Courier New" panose="02070309020205020404" pitchFamily="49" charset="0"/>
+                <a:cs typeface="Courier New" panose="02070309020205020404" pitchFamily="49" charset="0"/>
+              </a:rPr>
+              <a:t> </a:t>
+            </a:r>
+            <a:r>
+              <a:rPr lang="uk-UA" altLang="uk-UA" sz="2000" dirty="0">
+                <a:solidFill>
+                  <a:srgbClr val="000000"/>
+                </a:solidFill>
+                <a:latin typeface="Courier New" panose="02070309020205020404" pitchFamily="49" charset="0"/>
+                <a:cs typeface="Courier New" panose="02070309020205020404" pitchFamily="49" charset="0"/>
+              </a:rPr>
+              <a:t>(</a:t>
+            </a:r>
+            <a:r>
+              <a:rPr lang="uk-UA" altLang="uk-UA" sz="2000" dirty="0" err="1">
+                <a:solidFill>
+                  <a:srgbClr val="000000"/>
+                </a:solidFill>
+                <a:latin typeface="Courier New" panose="02070309020205020404" pitchFamily="49" charset="0"/>
+                <a:cs typeface="Courier New" panose="02070309020205020404" pitchFamily="49" charset="0"/>
+              </a:rPr>
+              <a:t>Exception</a:t>
+            </a:r>
+            <a:r>
+              <a:rPr lang="uk-UA" altLang="uk-UA" sz="2000" dirty="0">
+                <a:solidFill>
+                  <a:srgbClr val="000000"/>
+                </a:solidFill>
+                <a:latin typeface="Courier New" panose="02070309020205020404" pitchFamily="49" charset="0"/>
+                <a:cs typeface="Courier New" panose="02070309020205020404" pitchFamily="49" charset="0"/>
+              </a:rPr>
+              <a:t> e) {</a:t>
+            </a:r>
+            <a:br>
+              <a:rPr lang="uk-UA" altLang="uk-UA" sz="2000" dirty="0">
+                <a:solidFill>
+                  <a:srgbClr val="000000"/>
+                </a:solidFill>
+                <a:latin typeface="Courier New" panose="02070309020205020404" pitchFamily="49" charset="0"/>
+                <a:cs typeface="Courier New" panose="02070309020205020404" pitchFamily="49" charset="0"/>
+              </a:rPr>
+            </a:br>
+            <a:r>
+              <a:rPr lang="uk-UA" altLang="uk-UA" sz="2000" dirty="0">
+                <a:solidFill>
+                  <a:srgbClr val="000000"/>
+                </a:solidFill>
+                <a:latin typeface="Courier New" panose="02070309020205020404" pitchFamily="49" charset="0"/>
+                <a:cs typeface="Courier New" panose="02070309020205020404" pitchFamily="49" charset="0"/>
+              </a:rPr>
               <a:t>    </a:t>
             </a:r>
             <a:r>
-              <a:rPr lang="en-US" altLang="uk-UA" sz="2000" dirty="0" smtClean="0">
+              <a:rPr lang="en-US" altLang="uk-UA" sz="2000" dirty="0">
                 <a:solidFill>
                   <a:srgbClr val="000000"/>
                 </a:solidFill>
@@ -7977,34 +7899,14 @@
               <a:t>log(</a:t>
             </a:r>
             <a:r>
-              <a:rPr lang="en-US" altLang="uk-UA" sz="2000" b="1" dirty="0" smtClean="0">
+              <a:rPr lang="en-US" altLang="uk-UA" sz="2000" b="1" dirty="0">
                 <a:solidFill>
                   <a:srgbClr val="008000"/>
                 </a:solidFill>
                 <a:latin typeface="Courier New" panose="02070309020205020404" pitchFamily="49" charset="0"/>
                 <a:cs typeface="Courier New" panose="02070309020205020404" pitchFamily="49" charset="0"/>
               </a:rPr>
-              <a:t>“</a:t>
-            </a:r>
-            <a:r>
-              <a:rPr lang="en-US" altLang="uk-UA" sz="2000" b="1" dirty="0" smtClean="0">
-                <a:solidFill>
-                  <a:srgbClr val="008000"/>
-                </a:solidFill>
-                <a:latin typeface="Courier New" panose="02070309020205020404" pitchFamily="49" charset="0"/>
-                <a:cs typeface="Courier New" panose="02070309020205020404" pitchFamily="49" charset="0"/>
-              </a:rPr>
-              <a:t>Unexpected error”</a:t>
-            </a:r>
-            <a:r>
-              <a:rPr lang="en-US" altLang="uk-UA" sz="2000" dirty="0" smtClean="0">
-                <a:solidFill>
-                  <a:srgbClr val="000000"/>
-                </a:solidFill>
-                <a:latin typeface="Courier New" panose="02070309020205020404" pitchFamily="49" charset="0"/>
-                <a:cs typeface="Courier New" panose="02070309020205020404" pitchFamily="49" charset="0"/>
-              </a:rPr>
-              <a:t>, </a:t>
+              <a:t>“Unexpected error”</a:t>
             </a:r>
             <a:r>
               <a:rPr lang="en-US" altLang="uk-UA" sz="2000" dirty="0">
@@ -8014,17 +7916,7 @@
                 <a:latin typeface="Courier New" panose="02070309020205020404" pitchFamily="49" charset="0"/>
                 <a:cs typeface="Courier New" panose="02070309020205020404" pitchFamily="49" charset="0"/>
               </a:rPr>
-              <a:t>e</a:t>
-            </a:r>
-            <a:r>
-              <a:rPr lang="en-US" altLang="uk-UA" sz="2000" dirty="0" smtClean="0">
-                <a:solidFill>
-                  <a:srgbClr val="000000"/>
-                </a:solidFill>
-                <a:latin typeface="Courier New" panose="02070309020205020404" pitchFamily="49" charset="0"/>
-                <a:cs typeface="Courier New" panose="02070309020205020404" pitchFamily="49" charset="0"/>
-              </a:rPr>
-              <a:t>);</a:t>
+              <a:t>, e);</a:t>
             </a:r>
           </a:p>
           <a:p>
@@ -8041,7 +7933,7 @@
               <a:buNone/>
             </a:pPr>
             <a:r>
-              <a:rPr lang="uk-UA" altLang="uk-UA" sz="2000" dirty="0" smtClean="0">
+              <a:rPr lang="uk-UA" altLang="uk-UA" sz="2000" dirty="0">
                 <a:solidFill>
                   <a:srgbClr val="000000"/>
                 </a:solidFill>
@@ -8149,13 +8041,6 @@
   <p:clrMapOvr>
     <a:masterClrMapping/>
   </p:clrMapOvr>
-  <p:timing>
-    <p:tnLst>
-      <p:par>
-        <p:cTn id="1" dur="indefinite" restart="never" nodeType="tmRoot"/>
-      </p:par>
-    </p:tnLst>
-  </p:timing>
 </p:sld>
 </file>
 
@@ -8192,12 +8077,8 @@
           <a:lstStyle/>
           <a:p>
             <a:r>
-              <a:rPr lang="en-US" dirty="0" smtClean="0"/>
-              <a:t>Default exception </a:t>
-            </a:r>
-            <a:r>
               <a:rPr lang="en-US" dirty="0"/>
-              <a:t>handler</a:t>
+              <a:t>Default exception handler</a:t>
             </a:r>
             <a:endParaRPr lang="ru-RU" dirty="0"/>
           </a:p>
@@ -8231,18 +8112,9 @@
               <a:buAutoNum type="arabicPeriod"/>
             </a:pPr>
             <a:r>
-              <a:rPr lang="en-US" dirty="0" smtClean="0"/>
-              <a:t>Prints out </a:t>
-            </a:r>
-            <a:r>
               <a:rPr lang="en-US" dirty="0"/>
-              <a:t>exception </a:t>
-            </a:r>
-            <a:r>
-              <a:rPr lang="en-US" dirty="0" smtClean="0"/>
-              <a:t>description;</a:t>
-            </a:r>
-            <a:endParaRPr lang="en-US" dirty="0"/>
+              <a:t>Prints out exception description;</a:t>
+            </a:r>
           </a:p>
           <a:p>
             <a:pPr marL="514350" indent="-514350" eaLnBrk="0" fontAlgn="base" hangingPunct="0">
@@ -8258,18 +8130,9 @@
               <a:buAutoNum type="arabicPeriod"/>
             </a:pPr>
             <a:r>
-              <a:rPr lang="en-US" dirty="0" smtClean="0"/>
-              <a:t>Prints </a:t>
-            </a:r>
-            <a:r>
               <a:rPr lang="en-US" dirty="0"/>
-              <a:t>the </a:t>
-            </a:r>
-            <a:r>
-              <a:rPr lang="en-US" dirty="0" smtClean="0"/>
-              <a:t>stack-trace;</a:t>
-            </a:r>
-            <a:endParaRPr lang="en-US" dirty="0"/>
+              <a:t>Prints the stack-trace;</a:t>
+            </a:r>
           </a:p>
           <a:p>
             <a:pPr marL="514350" indent="-514350" eaLnBrk="0" fontAlgn="base" hangingPunct="0">
@@ -8285,12 +8148,8 @@
               <a:buAutoNum type="arabicPeriod"/>
             </a:pPr>
             <a:r>
-              <a:rPr lang="en-US" dirty="0" smtClean="0"/>
-              <a:t>Causes </a:t>
-            </a:r>
-            <a:r>
               <a:rPr lang="en-US" dirty="0"/>
-              <a:t>the program to terminate.</a:t>
+              <a:t>Causes the program to terminate.</a:t>
             </a:r>
             <a:endParaRPr lang="uk-UA" dirty="0"/>
           </a:p>
@@ -8306,13 +8165,6 @@
   <p:clrMapOvr>
     <a:masterClrMapping/>
   </p:clrMapOvr>
-  <p:timing>
-    <p:tnLst>
-      <p:par>
-        <p:cTn id="1" dur="indefinite" restart="never" nodeType="tmRoot"/>
-      </p:par>
-    </p:tnLst>
-  </p:timing>
 </p:sld>
 </file>
 
@@ -9187,23 +9039,9 @@
                 <a:latin typeface="Courier New" panose="02070309020205020404" pitchFamily="49" charset="0"/>
                 <a:cs typeface="Courier New" panose="02070309020205020404" pitchFamily="49" charset="0"/>
               </a:rPr>
-              <a:t> e) </a:t>
-            </a:r>
-            <a:r>
-              <a:rPr kumimoji="0" lang="ru-RU" altLang="ru-RU" sz="1800" b="0" i="0" u="none" strike="noStrike" cap="none" normalizeH="0" baseline="0" dirty="0" smtClean="0">
-                <a:ln>
-                  <a:noFill/>
-                </a:ln>
-                <a:solidFill>
-                  <a:srgbClr val="000000"/>
-                </a:solidFill>
-                <a:effectLst/>
-                <a:latin typeface="Courier New" panose="02070309020205020404" pitchFamily="49" charset="0"/>
-                <a:cs typeface="Courier New" panose="02070309020205020404" pitchFamily="49" charset="0"/>
-              </a:rPr>
-              <a:t>{</a:t>
-            </a:r>
-            <a:endParaRPr kumimoji="0" lang="en-US" altLang="ru-RU" sz="1800" b="0" i="0" u="none" strike="noStrike" cap="none" normalizeH="0" baseline="0" dirty="0" smtClean="0">
+              <a:t> e) {</a:t>
+            </a:r>
+            <a:endParaRPr kumimoji="0" lang="en-US" altLang="ru-RU" sz="1800" b="0" i="0" u="none" strike="noStrike" cap="none" normalizeH="0" baseline="0" dirty="0">
               <a:ln>
                 <a:noFill/>
               </a:ln>
@@ -9229,7 +9067,7 @@
               <a:buNone/>
             </a:pPr>
             <a:r>
-              <a:rPr kumimoji="0" lang="en-US" altLang="ru-RU" sz="1800" b="1" i="0" u="none" strike="noStrike" cap="none" normalizeH="0" dirty="0" smtClean="0">
+              <a:rPr kumimoji="0" lang="en-US" altLang="ru-RU" sz="1800" b="1" i="0" u="none" strike="noStrike" cap="none" normalizeH="0" dirty="0">
                 <a:ln>
                   <a:noFill/>
                 </a:ln>
@@ -9243,7 +9081,7 @@
               <a:t>    </a:t>
             </a:r>
             <a:r>
-              <a:rPr kumimoji="0" lang="ru-RU" altLang="ru-RU" sz="1800" b="1" i="0" u="none" strike="noStrike" cap="none" normalizeH="0" baseline="0" dirty="0" err="1" smtClean="0">
+              <a:rPr kumimoji="0" lang="ru-RU" altLang="ru-RU" sz="1800" b="1" i="0" u="none" strike="noStrike" cap="none" normalizeH="0" baseline="0" dirty="0" err="1">
                 <a:ln>
                   <a:noFill/>
                 </a:ln>
@@ -9257,7 +9095,7 @@
               <a:t>throw</a:t>
             </a:r>
             <a:r>
-              <a:rPr kumimoji="0" lang="ru-RU" altLang="ru-RU" sz="1800" b="1" i="0" u="none" strike="noStrike" cap="none" normalizeH="0" baseline="0" dirty="0" smtClean="0">
+              <a:rPr kumimoji="0" lang="ru-RU" altLang="ru-RU" sz="1800" b="1" i="0" u="none" strike="noStrike" cap="none" normalizeH="0" baseline="0" dirty="0">
                 <a:ln>
                   <a:noFill/>
                 </a:ln>
@@ -9421,23 +9259,9 @@
                 <a:latin typeface="Courier New" panose="02070309020205020404" pitchFamily="49" charset="0"/>
                 <a:cs typeface="Courier New" panose="02070309020205020404" pitchFamily="49" charset="0"/>
               </a:rPr>
-              <a:t> e) </a:t>
-            </a:r>
-            <a:r>
-              <a:rPr kumimoji="0" lang="ru-RU" altLang="ru-RU" sz="1800" b="0" i="0" u="none" strike="noStrike" cap="none" normalizeH="0" baseline="0" dirty="0" smtClean="0">
-                <a:ln>
-                  <a:noFill/>
-                </a:ln>
-                <a:solidFill>
-                  <a:srgbClr val="000000"/>
-                </a:solidFill>
-                <a:effectLst/>
-                <a:latin typeface="Courier New" panose="02070309020205020404" pitchFamily="49" charset="0"/>
-                <a:cs typeface="Courier New" panose="02070309020205020404" pitchFamily="49" charset="0"/>
-              </a:rPr>
-              <a:t>{</a:t>
-            </a:r>
-            <a:endParaRPr kumimoji="0" lang="en-US" altLang="ru-RU" sz="1800" b="0" i="0" u="none" strike="noStrike" cap="none" normalizeH="0" baseline="0" dirty="0" smtClean="0">
+              <a:t> e) {</a:t>
+            </a:r>
+            <a:endParaRPr kumimoji="0" lang="en-US" altLang="ru-RU" sz="1800" b="0" i="0" u="none" strike="noStrike" cap="none" normalizeH="0" baseline="0" dirty="0">
               <a:ln>
                 <a:noFill/>
               </a:ln>
@@ -9470,20 +9294,10 @@
                 <a:latin typeface="Courier New" panose="02070309020205020404" pitchFamily="49" charset="0"/>
                 <a:cs typeface="Courier New" panose="02070309020205020404" pitchFamily="49" charset="0"/>
               </a:rPr>
-              <a:t> </a:t>
-            </a:r>
-            <a:r>
-              <a:rPr lang="en-US" altLang="ru-RU" sz="1800" dirty="0" smtClean="0">
-                <a:solidFill>
-                  <a:srgbClr val="000000"/>
-                </a:solidFill>
-                <a:latin typeface="Courier New" panose="02070309020205020404" pitchFamily="49" charset="0"/>
-                <a:cs typeface="Courier New" panose="02070309020205020404" pitchFamily="49" charset="0"/>
-              </a:rPr>
-              <a:t>   </a:t>
-            </a:r>
-            <a:r>
-              <a:rPr kumimoji="0" lang="ru-RU" altLang="ru-RU" sz="1800" b="1" i="0" u="none" strike="noStrike" cap="none" normalizeH="0" baseline="0" dirty="0" err="1" smtClean="0">
+              <a:t>    </a:t>
+            </a:r>
+            <a:r>
+              <a:rPr kumimoji="0" lang="ru-RU" altLang="ru-RU" sz="1800" b="1" i="0" u="none" strike="noStrike" cap="none" normalizeH="0" baseline="0" dirty="0" err="1">
                 <a:ln>
                   <a:noFill/>
                 </a:ln>
@@ -9497,7 +9311,7 @@
               <a:t>throw</a:t>
             </a:r>
             <a:r>
-              <a:rPr kumimoji="0" lang="ru-RU" altLang="ru-RU" sz="1800" b="1" i="0" u="none" strike="noStrike" cap="none" normalizeH="0" baseline="0" dirty="0" smtClean="0">
+              <a:rPr kumimoji="0" lang="ru-RU" altLang="ru-RU" sz="1800" b="1" i="0" u="none" strike="noStrike" cap="none" normalizeH="0" baseline="0" dirty="0">
                 <a:ln>
                   <a:noFill/>
                 </a:ln>
@@ -9616,13 +9430,6 @@
   <p:clrMapOvr>
     <a:masterClrMapping/>
   </p:clrMapOvr>
-  <p:timing>
-    <p:tnLst>
-      <p:par>
-        <p:cTn id="1" dur="indefinite" restart="never" nodeType="tmRoot"/>
-      </p:par>
-    </p:tnLst>
-  </p:timing>
 </p:sld>
 </file>
 
@@ -10525,35 +10332,7 @@
                 <a:latin typeface="Courier New" panose="02070309020205020404" pitchFamily="49" charset="0"/>
                 <a:cs typeface="Courier New" panose="02070309020205020404" pitchFamily="49" charset="0"/>
               </a:rPr>
-              <a:t> e) </a:t>
-            </a:r>
-            <a:r>
-              <a:rPr kumimoji="0" lang="ru-RU" altLang="ru-RU" sz="1800" b="0" i="0" u="none" strike="noStrike" cap="none" normalizeH="0" baseline="0" dirty="0" smtClean="0">
-                <a:ln>
-                  <a:noFill/>
-                </a:ln>
-                <a:solidFill>
-                  <a:srgbClr val="000000"/>
-                </a:solidFill>
-                <a:effectLst/>
-                <a:latin typeface="Courier New" panose="02070309020205020404" pitchFamily="49" charset="0"/>
-                <a:cs typeface="Courier New" panose="02070309020205020404" pitchFamily="49" charset="0"/>
-              </a:rPr>
-              <a:t>{</a:t>
-            </a:r>
-            <a:r>
-              <a:rPr kumimoji="0" lang="ru-RU" altLang="ru-RU" sz="1800" b="0" i="0" u="none" strike="noStrike" cap="none" normalizeH="0" baseline="0" dirty="0">
-                <a:ln>
-                  <a:noFill/>
-                </a:ln>
-                <a:solidFill>
-                  <a:srgbClr val="000000"/>
-                </a:solidFill>
-                <a:effectLst/>
-                <a:latin typeface="Courier New" panose="02070309020205020404" pitchFamily="49" charset="0"/>
-                <a:cs typeface="Courier New" panose="02070309020205020404" pitchFamily="49" charset="0"/>
-              </a:rPr>
-              <a:t/>
+              <a:t> e) {</a:t>
             </a:r>
             <a:br>
               <a:rPr kumimoji="0" lang="ru-RU" altLang="ru-RU" sz="1800" b="0" i="0" u="none" strike="noStrike" cap="none" normalizeH="0" baseline="0" dirty="0">
@@ -10745,13 +10524,6 @@
   <p:clrMapOvr>
     <a:masterClrMapping/>
   </p:clrMapOvr>
-  <p:timing>
-    <p:tnLst>
-      <p:par>
-        <p:cTn id="1" dur="indefinite" restart="never" nodeType="tmRoot"/>
-      </p:par>
-    </p:tnLst>
-  </p:timing>
 </p:sld>
 </file>
 
@@ -10788,7 +10560,7 @@
           <a:lstStyle/>
           <a:p>
             <a:r>
-              <a:rPr lang="en-US" dirty="0" smtClean="0"/>
+              <a:rPr lang="en-US" dirty="0"/>
               <a:t>Issues?</a:t>
             </a:r>
             <a:endParaRPr lang="ru-RU" dirty="0"/>
@@ -10868,7 +10640,7 @@
               <a:tabLst/>
             </a:pPr>
             <a:r>
-              <a:rPr kumimoji="0" lang="ru-RU" altLang="ru-RU" sz="1400" b="0" i="1" u="none" strike="noStrike" cap="none" normalizeH="0" baseline="0" dirty="0" smtClean="0">
+              <a:rPr kumimoji="0" lang="ru-RU" altLang="ru-RU" sz="1400" b="0" i="1" u="none" strike="noStrike" cap="none" normalizeH="0" baseline="0" dirty="0">
                 <a:ln>
                   <a:noFill/>
                 </a:ln>
@@ -11006,7 +10778,7 @@
               <a:t>    } </a:t>
             </a:r>
             <a:r>
-              <a:rPr kumimoji="0" lang="ru-RU" altLang="ru-RU" sz="1400" b="1" i="0" u="none" strike="noStrike" cap="none" normalizeH="0" baseline="0" dirty="0" err="1" smtClean="0">
+              <a:rPr kumimoji="0" lang="ru-RU" altLang="ru-RU" sz="1400" b="1" i="0" u="none" strike="noStrike" cap="none" normalizeH="0" baseline="0" dirty="0" err="1">
                 <a:ln>
                   <a:noFill/>
                 </a:ln>
@@ -11020,7 +10792,7 @@
               <a:t>catch</a:t>
             </a:r>
             <a:r>
-              <a:rPr kumimoji="0" lang="ru-RU" altLang="ru-RU" sz="1400" b="0" i="0" u="none" strike="noStrike" cap="none" normalizeH="0" baseline="0" dirty="0" smtClean="0">
+              <a:rPr kumimoji="0" lang="ru-RU" altLang="ru-RU" sz="1400" b="0" i="0" u="none" strike="noStrike" cap="none" normalizeH="0" baseline="0" dirty="0">
                 <a:ln>
                   <a:noFill/>
                 </a:ln>
@@ -11034,7 +10806,7 @@
               <a:t>(</a:t>
             </a:r>
             <a:r>
-              <a:rPr kumimoji="0" lang="ru-RU" altLang="ru-RU" sz="1400" b="0" i="0" u="none" strike="noStrike" cap="none" normalizeH="0" baseline="0" dirty="0" err="1" smtClean="0">
+              <a:rPr kumimoji="0" lang="ru-RU" altLang="ru-RU" sz="1400" b="0" i="0" u="none" strike="noStrike" cap="none" normalizeH="0" baseline="0" dirty="0" err="1">
                 <a:ln>
                   <a:noFill/>
                 </a:ln>
@@ -11048,20 +10820,6 @@
               <a:t>FileNotFoundException</a:t>
             </a:r>
             <a:r>
-              <a:rPr kumimoji="0" lang="ru-RU" altLang="ru-RU" sz="1400" b="0" i="0" u="none" strike="noStrike" cap="none" normalizeH="0" baseline="0" dirty="0" smtClean="0">
-                <a:ln>
-                  <a:noFill/>
-                </a:ln>
-                <a:solidFill>
-                  <a:srgbClr val="000000"/>
-                </a:solidFill>
-                <a:effectLst/>
-                <a:latin typeface="Courier New" panose="02070309020205020404" pitchFamily="49" charset="0"/>
-                <a:cs typeface="Courier New" panose="02070309020205020404" pitchFamily="49" charset="0"/>
-              </a:rPr>
-              <a:t> </a:t>
-            </a:r>
-            <a:r>
               <a:rPr kumimoji="0" lang="ru-RU" altLang="ru-RU" sz="1400" b="0" i="0" u="none" strike="noStrike" cap="none" normalizeH="0" baseline="0" dirty="0">
                 <a:ln>
                   <a:noFill/>
@@ -11073,7 +10831,7 @@
                 <a:latin typeface="Courier New" panose="02070309020205020404" pitchFamily="49" charset="0"/>
                 <a:cs typeface="Courier New" panose="02070309020205020404" pitchFamily="49" charset="0"/>
               </a:rPr>
-              <a:t>| </a:t>
+              <a:t> | </a:t>
             </a:r>
             <a:r>
               <a:rPr kumimoji="0" lang="ru-RU" altLang="ru-RU" sz="1400" b="0" i="0" u="none" strike="noStrike" cap="none" normalizeH="0" baseline="0" dirty="0" err="1">
@@ -11133,16 +10891,6 @@
               <a:tabLst/>
             </a:pPr>
             <a:r>
-              <a:rPr lang="en-US" altLang="ru-RU" sz="1400" dirty="0" smtClean="0">
-                <a:solidFill>
-                  <a:srgbClr val="000000"/>
-                </a:solidFill>
-                <a:latin typeface="Courier New" panose="02070309020205020404" pitchFamily="49" charset="0"/>
-                <a:cs typeface="Courier New" panose="02070309020205020404" pitchFamily="49" charset="0"/>
-              </a:rPr>
-              <a:t>        e </a:t>
-            </a:r>
-            <a:r>
               <a:rPr lang="en-US" altLang="ru-RU" sz="1400" dirty="0">
                 <a:solidFill>
                   <a:srgbClr val="000000"/>
@@ -11150,7 +10898,7 @@
                 <a:latin typeface="Courier New" panose="02070309020205020404" pitchFamily="49" charset="0"/>
                 <a:cs typeface="Courier New" panose="02070309020205020404" pitchFamily="49" charset="0"/>
               </a:rPr>
-              <a:t>= new </a:t>
+              <a:t>        e = new </a:t>
             </a:r>
             <a:r>
               <a:rPr lang="en-US" altLang="ru-RU" sz="1400" dirty="0" err="1">
@@ -11171,20 +10919,6 @@
                 <a:cs typeface="Courier New" panose="02070309020205020404" pitchFamily="49" charset="0"/>
               </a:rPr>
               <a:t>();</a:t>
-            </a:r>
-            <a:r>
-              <a:rPr kumimoji="0" lang="ru-RU" altLang="ru-RU" sz="1400" b="0" i="0" u="none" strike="noStrike" cap="none" normalizeH="0" baseline="0" dirty="0">
-                <a:ln>
-                  <a:noFill/>
-                </a:ln>
-                <a:solidFill>
-                  <a:srgbClr val="000000"/>
-                </a:solidFill>
-                <a:effectLst/>
-                <a:latin typeface="Courier New" panose="02070309020205020404" pitchFamily="49" charset="0"/>
-                <a:cs typeface="Courier New" panose="02070309020205020404" pitchFamily="49" charset="0"/>
-              </a:rPr>
-              <a:t/>
             </a:r>
             <a:br>
               <a:rPr kumimoji="0" lang="ru-RU" altLang="ru-RU" sz="1400" b="0" i="0" u="none" strike="noStrike" cap="none" normalizeH="0" baseline="0" dirty="0">
@@ -11214,7 +10948,7 @@
               <a:t>    } </a:t>
             </a:r>
             <a:r>
-              <a:rPr kumimoji="0" lang="ru-RU" altLang="ru-RU" sz="1400" b="1" i="0" u="none" strike="noStrike" cap="none" normalizeH="0" baseline="0" dirty="0" err="1" smtClean="0">
+              <a:rPr kumimoji="0" lang="ru-RU" altLang="ru-RU" sz="1400" b="1" i="0" u="none" strike="noStrike" cap="none" normalizeH="0" baseline="0" dirty="0" err="1">
                 <a:ln>
                   <a:noFill/>
                 </a:ln>
@@ -11228,7 +10962,7 @@
               <a:t>catch</a:t>
             </a:r>
             <a:r>
-              <a:rPr kumimoji="0" lang="ru-RU" altLang="ru-RU" sz="1400" b="0" i="0" u="none" strike="noStrike" cap="none" normalizeH="0" baseline="0" dirty="0" smtClean="0">
+              <a:rPr kumimoji="0" lang="ru-RU" altLang="ru-RU" sz="1400" b="0" i="0" u="none" strike="noStrike" cap="none" normalizeH="0" baseline="0" dirty="0">
                 <a:ln>
                   <a:noFill/>
                 </a:ln>
@@ -11242,7 +10976,7 @@
               <a:t>(</a:t>
             </a:r>
             <a:r>
-              <a:rPr kumimoji="0" lang="ru-RU" altLang="ru-RU" sz="1400" b="0" i="0" u="none" strike="noStrike" cap="none" normalizeH="0" baseline="0" dirty="0" err="1" smtClean="0">
+              <a:rPr kumimoji="0" lang="ru-RU" altLang="ru-RU" sz="1400" b="0" i="0" u="none" strike="noStrike" cap="none" normalizeH="0" baseline="0" dirty="0" err="1">
                 <a:ln>
                   <a:noFill/>
                 </a:ln>
@@ -11256,7 +10990,21 @@
               <a:t>InputMismatchException</a:t>
             </a:r>
             <a:r>
-              <a:rPr kumimoji="0" lang="ru-RU" altLang="ru-RU" sz="1400" b="0" i="0" u="none" strike="noStrike" cap="none" normalizeH="0" baseline="0" dirty="0" smtClean="0">
+              <a:rPr kumimoji="0" lang="ru-RU" altLang="ru-RU" sz="1400" b="0" i="0" u="none" strike="noStrike" cap="none" normalizeH="0" baseline="0" dirty="0">
+                <a:ln>
+                  <a:noFill/>
+                </a:ln>
+                <a:solidFill>
+                  <a:srgbClr val="000000"/>
+                </a:solidFill>
+                <a:effectLst/>
+                <a:latin typeface="Courier New" panose="02070309020205020404" pitchFamily="49" charset="0"/>
+                <a:cs typeface="Courier New" panose="02070309020205020404" pitchFamily="49" charset="0"/>
+              </a:rPr>
+              <a:t> e |</a:t>
+            </a:r>
+            <a:r>
+              <a:rPr kumimoji="0" lang="en-US" altLang="ru-RU" sz="1400" b="0" i="0" u="none" strike="noStrike" cap="none" normalizeH="0" baseline="0" dirty="0">
                 <a:ln>
                   <a:noFill/>
                 </a:ln>
@@ -11270,6 +11018,20 @@
               <a:t> </a:t>
             </a:r>
             <a:r>
+              <a:rPr kumimoji="0" lang="ru-RU" altLang="ru-RU" sz="1400" b="0" i="0" u="none" strike="noStrike" cap="none" normalizeH="0" baseline="0" dirty="0" err="1">
+                <a:ln>
+                  <a:noFill/>
+                </a:ln>
+                <a:solidFill>
+                  <a:srgbClr val="000000"/>
+                </a:solidFill>
+                <a:effectLst/>
+                <a:latin typeface="Courier New" panose="02070309020205020404" pitchFamily="49" charset="0"/>
+                <a:cs typeface="Courier New" panose="02070309020205020404" pitchFamily="49" charset="0"/>
+              </a:rPr>
+              <a:t>MissingResourceException</a:t>
+            </a:r>
+            <a:r>
               <a:rPr kumimoji="0" lang="ru-RU" altLang="ru-RU" sz="1400" b="0" i="0" u="none" strike="noStrike" cap="none" normalizeH="0" baseline="0" dirty="0">
                 <a:ln>
                   <a:noFill/>
@@ -11281,24 +11043,10 @@
                 <a:latin typeface="Courier New" panose="02070309020205020404" pitchFamily="49" charset="0"/>
                 <a:cs typeface="Courier New" panose="02070309020205020404" pitchFamily="49" charset="0"/>
               </a:rPr>
-              <a:t>e </a:t>
-            </a:r>
-            <a:r>
-              <a:rPr kumimoji="0" lang="ru-RU" altLang="ru-RU" sz="1400" b="0" i="0" u="none" strike="noStrike" cap="none" normalizeH="0" baseline="0" dirty="0" smtClean="0">
-                <a:ln>
-                  <a:noFill/>
-                </a:ln>
-                <a:solidFill>
-                  <a:srgbClr val="000000"/>
-                </a:solidFill>
-                <a:effectLst/>
-                <a:latin typeface="Courier New" panose="02070309020205020404" pitchFamily="49" charset="0"/>
-                <a:cs typeface="Courier New" panose="02070309020205020404" pitchFamily="49" charset="0"/>
-              </a:rPr>
-              <a:t>|</a:t>
-            </a:r>
-            <a:r>
-              <a:rPr kumimoji="0" lang="en-US" altLang="ru-RU" sz="1400" b="0" i="0" u="none" strike="noStrike" cap="none" normalizeH="0" baseline="0" dirty="0" smtClean="0">
+              <a:t> e)</a:t>
+            </a:r>
+            <a:r>
+              <a:rPr kumimoji="0" lang="en-US" altLang="ru-RU" sz="1400" b="0" i="0" u="none" strike="noStrike" cap="none" normalizeH="0" baseline="0" dirty="0">
                 <a:ln>
                   <a:noFill/>
                 </a:ln>
@@ -11312,34 +11060,6 @@
               <a:t> </a:t>
             </a:r>
             <a:r>
-              <a:rPr kumimoji="0" lang="ru-RU" altLang="ru-RU" sz="1400" b="0" i="0" u="none" strike="noStrike" cap="none" normalizeH="0" baseline="0" dirty="0" err="1" smtClean="0">
-                <a:ln>
-                  <a:noFill/>
-                </a:ln>
-                <a:solidFill>
-                  <a:srgbClr val="000000"/>
-                </a:solidFill>
-                <a:effectLst/>
-                <a:latin typeface="Courier New" panose="02070309020205020404" pitchFamily="49" charset="0"/>
-                <a:cs typeface="Courier New" panose="02070309020205020404" pitchFamily="49" charset="0"/>
-              </a:rPr>
-              <a:t>MissingResourceException</a:t>
-            </a:r>
-            <a:r>
-              <a:rPr kumimoji="0" lang="ru-RU" altLang="ru-RU" sz="1400" b="0" i="0" u="none" strike="noStrike" cap="none" normalizeH="0" baseline="0" dirty="0" smtClean="0">
-                <a:ln>
-                  <a:noFill/>
-                </a:ln>
-                <a:solidFill>
-                  <a:srgbClr val="000000"/>
-                </a:solidFill>
-                <a:effectLst/>
-                <a:latin typeface="Courier New" panose="02070309020205020404" pitchFamily="49" charset="0"/>
-                <a:cs typeface="Courier New" panose="02070309020205020404" pitchFamily="49" charset="0"/>
-              </a:rPr>
-              <a:t> </a:t>
-            </a:r>
-            <a:r>
               <a:rPr kumimoji="0" lang="ru-RU" altLang="ru-RU" sz="1400" b="0" i="0" u="none" strike="noStrike" cap="none" normalizeH="0" baseline="0" dirty="0">
                 <a:ln>
                   <a:noFill/>
@@ -11351,51 +11071,9 @@
                 <a:latin typeface="Courier New" panose="02070309020205020404" pitchFamily="49" charset="0"/>
                 <a:cs typeface="Courier New" panose="02070309020205020404" pitchFamily="49" charset="0"/>
               </a:rPr>
-              <a:t>e</a:t>
-            </a:r>
-            <a:r>
-              <a:rPr kumimoji="0" lang="ru-RU" altLang="ru-RU" sz="1400" b="0" i="0" u="none" strike="noStrike" cap="none" normalizeH="0" baseline="0" dirty="0" smtClean="0">
-                <a:ln>
-                  <a:noFill/>
-                </a:ln>
-                <a:solidFill>
-                  <a:srgbClr val="000000"/>
-                </a:solidFill>
-                <a:effectLst/>
-                <a:latin typeface="Courier New" panose="02070309020205020404" pitchFamily="49" charset="0"/>
-                <a:cs typeface="Courier New" panose="02070309020205020404" pitchFamily="49" charset="0"/>
-              </a:rPr>
-              <a:t>)</a:t>
-            </a:r>
-            <a:r>
-              <a:rPr kumimoji="0" lang="en-US" altLang="ru-RU" sz="1400" b="0" i="0" u="none" strike="noStrike" cap="none" normalizeH="0" baseline="0" dirty="0" smtClean="0">
-                <a:ln>
-                  <a:noFill/>
-                </a:ln>
-                <a:solidFill>
-                  <a:srgbClr val="000000"/>
-                </a:solidFill>
-                <a:effectLst/>
-                <a:latin typeface="Courier New" panose="02070309020205020404" pitchFamily="49" charset="0"/>
-                <a:cs typeface="Courier New" panose="02070309020205020404" pitchFamily="49" charset="0"/>
-              </a:rPr>
-              <a:t> </a:t>
-            </a:r>
-            <a:r>
-              <a:rPr kumimoji="0" lang="ru-RU" altLang="ru-RU" sz="1400" b="0" i="0" u="none" strike="noStrike" cap="none" normalizeH="0" baseline="0" dirty="0" smtClean="0">
-                <a:ln>
-                  <a:noFill/>
-                </a:ln>
-                <a:solidFill>
-                  <a:srgbClr val="000000"/>
-                </a:solidFill>
-                <a:effectLst/>
-                <a:latin typeface="Courier New" panose="02070309020205020404" pitchFamily="49" charset="0"/>
-                <a:cs typeface="Courier New" panose="02070309020205020404" pitchFamily="49" charset="0"/>
-              </a:rPr>
               <a:t>{</a:t>
             </a:r>
-            <a:endParaRPr kumimoji="0" lang="en-US" altLang="ru-RU" sz="1400" b="0" i="0" u="none" strike="noStrike" cap="none" normalizeH="0" baseline="0" dirty="0" smtClean="0">
+            <a:endParaRPr kumimoji="0" lang="en-US" altLang="ru-RU" sz="1400" b="0" i="0" u="none" strike="noStrike" cap="none" normalizeH="0" baseline="0" dirty="0">
               <a:ln>
                 <a:noFill/>
               </a:ln>
@@ -11421,7 +11099,7 @@
               <a:buNone/>
             </a:pPr>
             <a:r>
-              <a:rPr lang="en-US" altLang="ru-RU" sz="1400" b="1" dirty="0" smtClean="0">
+              <a:rPr lang="en-US" altLang="ru-RU" sz="1400" b="1" dirty="0">
                 <a:solidFill>
                   <a:srgbClr val="000080"/>
                 </a:solidFill>
@@ -11441,7 +11119,7 @@
               <a:t>} </a:t>
             </a:r>
             <a:r>
-              <a:rPr lang="ru-RU" altLang="ru-RU" sz="1400" b="1" dirty="0" err="1" smtClean="0">
+              <a:rPr lang="ru-RU" altLang="ru-RU" sz="1400" b="1" dirty="0" err="1">
                 <a:solidFill>
                   <a:srgbClr val="000080"/>
                 </a:solidFill>
@@ -11451,7 +11129,7 @@
               <a:t>catch</a:t>
             </a:r>
             <a:r>
-              <a:rPr lang="ru-RU" altLang="ru-RU" sz="1400" dirty="0" smtClean="0">
+              <a:rPr lang="ru-RU" altLang="ru-RU" sz="1400" dirty="0">
                 <a:solidFill>
                   <a:srgbClr val="000000"/>
                 </a:solidFill>
@@ -11461,7 +11139,7 @@
               <a:t>(</a:t>
             </a:r>
             <a:r>
-              <a:rPr lang="ru-RU" altLang="ru-RU" sz="1400" dirty="0" err="1" smtClean="0">
+              <a:rPr lang="ru-RU" altLang="ru-RU" sz="1400" dirty="0" err="1">
                 <a:solidFill>
                   <a:srgbClr val="000000"/>
                 </a:solidFill>
@@ -11471,16 +11149,6 @@
               <a:t>FileNotFoundException</a:t>
             </a:r>
             <a:r>
-              <a:rPr lang="ru-RU" altLang="ru-RU" sz="1400" dirty="0" smtClean="0">
-                <a:solidFill>
-                  <a:srgbClr val="000000"/>
-                </a:solidFill>
-                <a:latin typeface="Courier New" panose="02070309020205020404" pitchFamily="49" charset="0"/>
-                <a:cs typeface="Courier New" panose="02070309020205020404" pitchFamily="49" charset="0"/>
-              </a:rPr>
-              <a:t> </a:t>
-            </a:r>
-            <a:r>
               <a:rPr lang="ru-RU" altLang="ru-RU" sz="1400" dirty="0">
                 <a:solidFill>
                   <a:srgbClr val="000000"/>
@@ -11488,7 +11156,7 @@
                 <a:latin typeface="Courier New" panose="02070309020205020404" pitchFamily="49" charset="0"/>
                 <a:cs typeface="Courier New" panose="02070309020205020404" pitchFamily="49" charset="0"/>
               </a:rPr>
-              <a:t>| </a:t>
+              <a:t> | </a:t>
             </a:r>
             <a:r>
               <a:rPr lang="ru-RU" altLang="ru-RU" sz="1400" dirty="0" err="1">
@@ -11518,31 +11186,7 @@
                 <a:latin typeface="Courier New" panose="02070309020205020404" pitchFamily="49" charset="0"/>
                 <a:cs typeface="Courier New" panose="02070309020205020404" pitchFamily="49" charset="0"/>
               </a:rPr>
-              <a:t> </a:t>
-            </a:r>
-            <a:r>
-              <a:rPr lang="en-US" altLang="ru-RU" sz="1400" dirty="0" smtClean="0">
-                <a:solidFill>
-                  <a:srgbClr val="000000"/>
-                </a:solidFill>
-                <a:latin typeface="Courier New" panose="02070309020205020404" pitchFamily="49" charset="0"/>
-                <a:cs typeface="Courier New" panose="02070309020205020404" pitchFamily="49" charset="0"/>
-              </a:rPr>
-              <a:t>{</a:t>
-            </a:r>
-            <a:r>
-              <a:rPr kumimoji="0" lang="ru-RU" altLang="ru-RU" sz="1400" b="0" i="0" u="none" strike="noStrike" cap="none" normalizeH="0" baseline="0" dirty="0">
-                <a:ln>
-                  <a:noFill/>
-                </a:ln>
-                <a:solidFill>
-                  <a:srgbClr val="000000"/>
-                </a:solidFill>
-                <a:effectLst/>
-                <a:latin typeface="Courier New" panose="02070309020205020404" pitchFamily="49" charset="0"/>
-                <a:cs typeface="Courier New" panose="02070309020205020404" pitchFamily="49" charset="0"/>
-              </a:rPr>
-              <a:t/>
+              <a:t> {</a:t>
             </a:r>
             <a:br>
               <a:rPr kumimoji="0" lang="ru-RU" altLang="ru-RU" sz="1400" b="0" i="0" u="none" strike="noStrike" cap="none" normalizeH="0" baseline="0" dirty="0">
@@ -11572,7 +11216,7 @@
               <a:t>    } </a:t>
             </a:r>
             <a:r>
-              <a:rPr kumimoji="0" lang="ru-RU" altLang="ru-RU" sz="1400" b="1" i="0" u="none" strike="noStrike" cap="none" normalizeH="0" baseline="0" dirty="0" err="1" smtClean="0">
+              <a:rPr kumimoji="0" lang="ru-RU" altLang="ru-RU" sz="1400" b="1" i="0" u="none" strike="noStrike" cap="none" normalizeH="0" baseline="0" dirty="0" err="1">
                 <a:ln>
                   <a:noFill/>
                 </a:ln>
@@ -11586,7 +11230,7 @@
               <a:t>catch</a:t>
             </a:r>
             <a:r>
-              <a:rPr kumimoji="0" lang="ru-RU" altLang="ru-RU" sz="1400" b="0" i="0" u="none" strike="noStrike" cap="none" normalizeH="0" baseline="0" dirty="0" smtClean="0">
+              <a:rPr kumimoji="0" lang="ru-RU" altLang="ru-RU" sz="1400" b="0" i="0" u="none" strike="noStrike" cap="none" normalizeH="0" baseline="0" dirty="0">
                 <a:ln>
                   <a:noFill/>
                 </a:ln>
@@ -11600,7 +11244,7 @@
               <a:t>(</a:t>
             </a:r>
             <a:r>
-              <a:rPr kumimoji="0" lang="ru-RU" altLang="ru-RU" sz="1400" b="0" i="0" u="none" strike="noStrike" cap="none" normalizeH="0" baseline="0" dirty="0" err="1" smtClean="0">
+              <a:rPr kumimoji="0" lang="ru-RU" altLang="ru-RU" sz="1400" b="0" i="0" u="none" strike="noStrike" cap="none" normalizeH="0" baseline="0" dirty="0" err="1">
                 <a:ln>
                   <a:noFill/>
                 </a:ln>
@@ -11614,20 +11258,6 @@
               <a:t>SQLException</a:t>
             </a:r>
             <a:r>
-              <a:rPr kumimoji="0" lang="ru-RU" altLang="ru-RU" sz="1400" b="0" i="0" u="none" strike="noStrike" cap="none" normalizeH="0" baseline="0" dirty="0" smtClean="0">
-                <a:ln>
-                  <a:noFill/>
-                </a:ln>
-                <a:solidFill>
-                  <a:srgbClr val="000000"/>
-                </a:solidFill>
-                <a:effectLst/>
-                <a:latin typeface="Courier New" panose="02070309020205020404" pitchFamily="49" charset="0"/>
-                <a:cs typeface="Courier New" panose="02070309020205020404" pitchFamily="49" charset="0"/>
-              </a:rPr>
-              <a:t> </a:t>
-            </a:r>
-            <a:r>
               <a:rPr kumimoji="0" lang="ru-RU" altLang="ru-RU" sz="1400" b="0" i="0" u="none" strike="noStrike" cap="none" normalizeH="0" baseline="0" dirty="0">
                 <a:ln>
                   <a:noFill/>
@@ -11639,7 +11269,7 @@
                 <a:latin typeface="Courier New" panose="02070309020205020404" pitchFamily="49" charset="0"/>
                 <a:cs typeface="Courier New" panose="02070309020205020404" pitchFamily="49" charset="0"/>
               </a:rPr>
-              <a:t>e){</a:t>
+              <a:t> e){</a:t>
             </a:r>
             <a:br>
               <a:rPr kumimoji="0" lang="ru-RU" altLang="ru-RU" sz="1400" b="0" i="0" u="none" strike="noStrike" cap="none" normalizeH="0" baseline="0" dirty="0">
@@ -11750,24 +11380,10 @@
                 <a:latin typeface="Courier New" panose="02070309020205020404" pitchFamily="49" charset="0"/>
                 <a:cs typeface="Courier New" panose="02070309020205020404" pitchFamily="49" charset="0"/>
               </a:rPr>
-              <a:t> e</a:t>
-            </a:r>
-            <a:r>
-              <a:rPr kumimoji="0" lang="ru-RU" altLang="ru-RU" sz="1400" b="0" i="0" u="none" strike="noStrike" cap="none" normalizeH="0" baseline="0" dirty="0" smtClean="0">
-                <a:ln>
-                  <a:noFill/>
-                </a:ln>
-                <a:solidFill>
-                  <a:srgbClr val="000000"/>
-                </a:solidFill>
-                <a:effectLst/>
-                <a:latin typeface="Courier New" panose="02070309020205020404" pitchFamily="49" charset="0"/>
-                <a:cs typeface="Courier New" panose="02070309020205020404" pitchFamily="49" charset="0"/>
-              </a:rPr>
-              <a:t>)</a:t>
-            </a:r>
-            <a:r>
-              <a:rPr kumimoji="0" lang="en-US" altLang="ru-RU" sz="1400" b="0" i="0" u="none" strike="noStrike" cap="none" normalizeH="0" baseline="0" dirty="0" smtClean="0">
+              <a:t> e)</a:t>
+            </a:r>
+            <a:r>
+              <a:rPr kumimoji="0" lang="en-US" altLang="ru-RU" sz="1400" b="0" i="0" u="none" strike="noStrike" cap="none" normalizeH="0" baseline="0" dirty="0">
                 <a:ln>
                   <a:noFill/>
                 </a:ln>
@@ -11781,7 +11397,7 @@
               <a:t> </a:t>
             </a:r>
             <a:r>
-              <a:rPr kumimoji="0" lang="ru-RU" altLang="ru-RU" sz="1400" b="0" i="0" u="none" strike="noStrike" cap="none" normalizeH="0" baseline="0" dirty="0" smtClean="0">
+              <a:rPr kumimoji="0" lang="ru-RU" altLang="ru-RU" sz="1400" b="0" i="0" u="none" strike="noStrike" cap="none" normalizeH="0" baseline="0" dirty="0">
                 <a:ln>
                   <a:noFill/>
                 </a:ln>
@@ -11794,7 +11410,7 @@
               </a:rPr>
               <a:t>{</a:t>
             </a:r>
-            <a:endParaRPr kumimoji="0" lang="en-US" altLang="ru-RU" sz="1400" b="0" i="0" u="none" strike="noStrike" cap="none" normalizeH="0" baseline="0" dirty="0" smtClean="0">
+            <a:endParaRPr kumimoji="0" lang="en-US" altLang="ru-RU" sz="1400" b="0" i="0" u="none" strike="noStrike" cap="none" normalizeH="0" baseline="0" dirty="0">
               <a:ln>
                 <a:noFill/>
               </a:ln>
@@ -11819,20 +11435,6 @@
               </a:spcAft>
               <a:buNone/>
             </a:pPr>
-            <a:r>
-              <a:rPr kumimoji="0" lang="ru-RU" altLang="ru-RU" sz="1400" b="0" i="0" u="none" strike="noStrike" cap="none" normalizeH="0" baseline="0" dirty="0">
-                <a:ln>
-                  <a:noFill/>
-                </a:ln>
-                <a:solidFill>
-                  <a:srgbClr val="000000"/>
-                </a:solidFill>
-                <a:effectLst/>
-                <a:latin typeface="Courier New" panose="02070309020205020404" pitchFamily="49" charset="0"/>
-                <a:cs typeface="Courier New" panose="02070309020205020404" pitchFamily="49" charset="0"/>
-              </a:rPr>
-              <a:t/>
-            </a:r>
             <a:br>
               <a:rPr kumimoji="0" lang="ru-RU" altLang="ru-RU" sz="1400" b="0" i="0" u="none" strike="noStrike" cap="none" normalizeH="0" baseline="0" dirty="0">
                 <a:ln>
@@ -11914,24 +11516,10 @@
                 <a:latin typeface="Courier New" panose="02070309020205020404" pitchFamily="49" charset="0"/>
                 <a:cs typeface="Courier New" panose="02070309020205020404" pitchFamily="49" charset="0"/>
               </a:rPr>
-              <a:t> e</a:t>
-            </a:r>
-            <a:r>
-              <a:rPr kumimoji="0" lang="ru-RU" altLang="ru-RU" sz="1400" b="0" i="0" u="none" strike="noStrike" cap="none" normalizeH="0" baseline="0" dirty="0" smtClean="0">
-                <a:ln>
-                  <a:noFill/>
-                </a:ln>
-                <a:solidFill>
-                  <a:srgbClr val="000000"/>
-                </a:solidFill>
-                <a:effectLst/>
-                <a:latin typeface="Courier New" panose="02070309020205020404" pitchFamily="49" charset="0"/>
-                <a:cs typeface="Courier New" panose="02070309020205020404" pitchFamily="49" charset="0"/>
-              </a:rPr>
-              <a:t>)</a:t>
-            </a:r>
-            <a:r>
-              <a:rPr kumimoji="0" lang="en-US" altLang="ru-RU" sz="1400" b="0" i="0" u="none" strike="noStrike" cap="none" normalizeH="0" baseline="0" dirty="0" smtClean="0">
+              <a:t> e)</a:t>
+            </a:r>
+            <a:r>
+              <a:rPr kumimoji="0" lang="en-US" altLang="ru-RU" sz="1400" b="0" i="0" u="none" strike="noStrike" cap="none" normalizeH="0" baseline="0" dirty="0">
                 <a:ln>
                   <a:noFill/>
                 </a:ln>
@@ -11945,7 +11533,7 @@
               <a:t> </a:t>
             </a:r>
             <a:r>
-              <a:rPr kumimoji="0" lang="ru-RU" altLang="ru-RU" sz="1400" b="0" i="0" u="none" strike="noStrike" cap="none" normalizeH="0" baseline="0" dirty="0" smtClean="0">
+              <a:rPr kumimoji="0" lang="ru-RU" altLang="ru-RU" sz="1400" b="0" i="0" u="none" strike="noStrike" cap="none" normalizeH="0" baseline="0" dirty="0">
                 <a:ln>
                   <a:noFill/>
                 </a:ln>
@@ -11957,20 +11545,6 @@
                 <a:cs typeface="Courier New" panose="02070309020205020404" pitchFamily="49" charset="0"/>
               </a:rPr>
               <a:t>{</a:t>
-            </a:r>
-            <a:r>
-              <a:rPr kumimoji="0" lang="ru-RU" altLang="ru-RU" sz="1400" b="0" i="0" u="none" strike="noStrike" cap="none" normalizeH="0" baseline="0" dirty="0">
-                <a:ln>
-                  <a:noFill/>
-                </a:ln>
-                <a:solidFill>
-                  <a:srgbClr val="000000"/>
-                </a:solidFill>
-                <a:effectLst/>
-                <a:latin typeface="Courier New" panose="02070309020205020404" pitchFamily="49" charset="0"/>
-                <a:cs typeface="Courier New" panose="02070309020205020404" pitchFamily="49" charset="0"/>
-              </a:rPr>
-              <a:t/>
             </a:r>
             <a:br>
               <a:rPr kumimoji="0" lang="ru-RU" altLang="ru-RU" sz="1400" b="0" i="0" u="none" strike="noStrike" cap="none" normalizeH="0" baseline="0" dirty="0">
@@ -12053,24 +11627,10 @@
                 <a:latin typeface="Courier New" panose="02070309020205020404" pitchFamily="49" charset="0"/>
                 <a:cs typeface="Courier New" panose="02070309020205020404" pitchFamily="49" charset="0"/>
               </a:rPr>
-              <a:t> e</a:t>
-            </a:r>
-            <a:r>
-              <a:rPr kumimoji="0" lang="ru-RU" altLang="ru-RU" sz="1400" b="0" i="0" u="none" strike="noStrike" cap="none" normalizeH="0" baseline="0" dirty="0" smtClean="0">
-                <a:ln>
-                  <a:noFill/>
-                </a:ln>
-                <a:solidFill>
-                  <a:srgbClr val="000000"/>
-                </a:solidFill>
-                <a:effectLst/>
-                <a:latin typeface="Courier New" panose="02070309020205020404" pitchFamily="49" charset="0"/>
-                <a:cs typeface="Courier New" panose="02070309020205020404" pitchFamily="49" charset="0"/>
-              </a:rPr>
-              <a:t>)</a:t>
-            </a:r>
-            <a:r>
-              <a:rPr kumimoji="0" lang="en-US" altLang="ru-RU" sz="1400" b="0" i="0" u="none" strike="noStrike" cap="none" normalizeH="0" baseline="0" dirty="0" smtClean="0">
+              <a:t> e)</a:t>
+            </a:r>
+            <a:r>
+              <a:rPr kumimoji="0" lang="en-US" altLang="ru-RU" sz="1400" b="0" i="0" u="none" strike="noStrike" cap="none" normalizeH="0" baseline="0" dirty="0">
                 <a:ln>
                   <a:noFill/>
                 </a:ln>
@@ -12084,7 +11644,7 @@
               <a:t> </a:t>
             </a:r>
             <a:r>
-              <a:rPr kumimoji="0" lang="ru-RU" altLang="ru-RU" sz="1400" b="0" i="0" u="none" strike="noStrike" cap="none" normalizeH="0" baseline="0" dirty="0" smtClean="0">
+              <a:rPr kumimoji="0" lang="ru-RU" altLang="ru-RU" sz="1400" b="0" i="0" u="none" strike="noStrike" cap="none" normalizeH="0" baseline="0" dirty="0">
                 <a:ln>
                   <a:noFill/>
                 </a:ln>
@@ -12096,20 +11656,6 @@
                 <a:cs typeface="Courier New" panose="02070309020205020404" pitchFamily="49" charset="0"/>
               </a:rPr>
               <a:t>{</a:t>
-            </a:r>
-            <a:r>
-              <a:rPr kumimoji="0" lang="ru-RU" altLang="ru-RU" sz="1400" b="0" i="0" u="none" strike="noStrike" cap="none" normalizeH="0" baseline="0" dirty="0">
-                <a:ln>
-                  <a:noFill/>
-                </a:ln>
-                <a:solidFill>
-                  <a:srgbClr val="000000"/>
-                </a:solidFill>
-                <a:effectLst/>
-                <a:latin typeface="Courier New" panose="02070309020205020404" pitchFamily="49" charset="0"/>
-                <a:cs typeface="Courier New" panose="02070309020205020404" pitchFamily="49" charset="0"/>
-              </a:rPr>
-              <a:t/>
             </a:r>
             <a:br>
               <a:rPr kumimoji="0" lang="ru-RU" altLang="ru-RU" sz="1400" b="0" i="0" u="none" strike="noStrike" cap="none" normalizeH="0" baseline="0" dirty="0">
@@ -12151,7 +11697,7 @@
                 <a:cs typeface="Courier New" panose="02070309020205020404" pitchFamily="49" charset="0"/>
               </a:rPr>
             </a:br>
-            <a:endParaRPr kumimoji="0" lang="en-US" altLang="ru-RU" sz="1400" b="0" i="0" u="none" strike="noStrike" cap="none" normalizeH="0" baseline="0" dirty="0" smtClean="0">
+            <a:endParaRPr kumimoji="0" lang="en-US" altLang="ru-RU" sz="1400" b="0" i="0" u="none" strike="noStrike" cap="none" normalizeH="0" baseline="0" dirty="0">
               <a:ln>
                 <a:noFill/>
               </a:ln>
@@ -12177,7 +11723,7 @@
               <a:buNone/>
             </a:pPr>
             <a:r>
-              <a:rPr kumimoji="0" lang="en-US" altLang="ru-RU" sz="1400" b="0" i="0" u="none" strike="noStrike" cap="none" normalizeH="0" baseline="0" dirty="0" smtClean="0">
+              <a:rPr kumimoji="0" lang="en-US" altLang="ru-RU" sz="1400" b="0" i="0" u="none" strike="noStrike" cap="none" normalizeH="0" baseline="0" dirty="0">
                 <a:ln>
                   <a:noFill/>
                 </a:ln>
@@ -12191,7 +11737,7 @@
               <a:t>    </a:t>
             </a:r>
             <a:r>
-              <a:rPr kumimoji="0" lang="ru-RU" altLang="ru-RU" sz="1400" b="1" i="0" u="none" strike="noStrike" cap="none" normalizeH="0" baseline="0" dirty="0" smtClean="0">
+              <a:rPr kumimoji="0" lang="ru-RU" altLang="ru-RU" sz="1400" b="1" i="0" u="none" strike="noStrike" cap="none" normalizeH="0" baseline="0" dirty="0">
                 <a:ln>
                   <a:noFill/>
                 </a:ln>
@@ -12358,7 +11904,7 @@
               </a:rPr>
             </a:br>
             <a:r>
-              <a:rPr kumimoji="0" lang="en-US" altLang="ru-RU" sz="1400" b="0" i="0" u="none" strike="noStrike" cap="none" normalizeH="0" baseline="0" dirty="0" smtClean="0">
+              <a:rPr kumimoji="0" lang="en-US" altLang="ru-RU" sz="1400" b="0" i="0" u="none" strike="noStrike" cap="none" normalizeH="0" baseline="0" dirty="0">
                 <a:ln>
                   <a:noFill/>
                 </a:ln>
@@ -12372,7 +11918,7 @@
               <a:t>    </a:t>
             </a:r>
             <a:r>
-              <a:rPr kumimoji="0" lang="ru-RU" altLang="ru-RU" sz="1400" b="0" i="0" u="none" strike="noStrike" cap="none" normalizeH="0" baseline="0" dirty="0" smtClean="0">
+              <a:rPr kumimoji="0" lang="ru-RU" altLang="ru-RU" sz="1400" b="0" i="0" u="none" strike="noStrike" cap="none" normalizeH="0" baseline="0" dirty="0">
                 <a:ln>
                   <a:noFill/>
                 </a:ln>
@@ -12408,13 +11954,6 @@
   <p:clrMapOvr>
     <a:masterClrMapping/>
   </p:clrMapOvr>
-  <p:timing>
-    <p:tnLst>
-      <p:par>
-        <p:cTn id="1" dur="indefinite" restart="never" nodeType="tmRoot"/>
-      </p:par>
-    </p:tnLst>
-  </p:timing>
 </p:sld>
 </file>
 
@@ -12527,7 +12066,7 @@
               <a:buNone/>
             </a:pPr>
             <a:r>
-              <a:rPr kumimoji="0" lang="en-US" altLang="ru-RU" sz="1400" b="1" i="0" u="none" strike="noStrike" cap="none" normalizeH="0" baseline="0" dirty="0" smtClean="0">
+              <a:rPr kumimoji="0" lang="en-US" altLang="ru-RU" sz="1400" b="1" i="0" u="none" strike="noStrike" cap="none" normalizeH="0" baseline="0" dirty="0">
                 <a:ln>
                   <a:noFill/>
                 </a:ln>
@@ -12541,7 +12080,7 @@
               <a:t>    </a:t>
             </a:r>
             <a:r>
-              <a:rPr kumimoji="0" lang="ru-RU" altLang="ru-RU" sz="1400" b="1" i="0" u="none" strike="noStrike" cap="none" normalizeH="0" baseline="0" dirty="0" err="1" smtClean="0">
+              <a:rPr kumimoji="0" lang="ru-RU" altLang="ru-RU" sz="1400" b="1" i="0" u="none" strike="noStrike" cap="none" normalizeH="0" baseline="0" dirty="0" err="1">
                 <a:ln>
                   <a:noFill/>
                 </a:ln>
@@ -12555,7 +12094,7 @@
               <a:t>try</a:t>
             </a:r>
             <a:r>
-              <a:rPr kumimoji="0" lang="ru-RU" altLang="ru-RU" sz="1400" b="1" i="0" u="none" strike="noStrike" cap="none" normalizeH="0" baseline="0" dirty="0" smtClean="0">
+              <a:rPr kumimoji="0" lang="ru-RU" altLang="ru-RU" sz="1400" b="1" i="0" u="none" strike="noStrike" cap="none" normalizeH="0" baseline="0" dirty="0">
                 <a:ln>
                   <a:noFill/>
                 </a:ln>
@@ -12665,7 +12204,7 @@
               <a:t>    } </a:t>
             </a:r>
             <a:r>
-              <a:rPr kumimoji="0" lang="ru-RU" altLang="ru-RU" sz="1400" b="1" i="0" u="none" strike="noStrike" cap="none" normalizeH="0" baseline="0" dirty="0" err="1" smtClean="0">
+              <a:rPr kumimoji="0" lang="ru-RU" altLang="ru-RU" sz="1400" b="1" i="0" u="none" strike="noStrike" cap="none" normalizeH="0" baseline="0" dirty="0" err="1">
                 <a:ln>
                   <a:noFill/>
                 </a:ln>
@@ -12679,7 +12218,7 @@
               <a:t>catch</a:t>
             </a:r>
             <a:r>
-              <a:rPr kumimoji="0" lang="ru-RU" altLang="ru-RU" sz="1400" b="0" i="0" u="none" strike="noStrike" cap="none" normalizeH="0" baseline="0" dirty="0" smtClean="0">
+              <a:rPr kumimoji="0" lang="ru-RU" altLang="ru-RU" sz="1400" b="0" i="0" u="none" strike="noStrike" cap="none" normalizeH="0" baseline="0" dirty="0">
                 <a:ln>
                   <a:noFill/>
                 </a:ln>
@@ -12693,7 +12232,7 @@
               <a:t>(</a:t>
             </a:r>
             <a:r>
-              <a:rPr kumimoji="0" lang="ru-RU" altLang="ru-RU" sz="1400" b="0" i="0" u="none" strike="noStrike" cap="none" normalizeH="0" baseline="0" dirty="0" err="1" smtClean="0">
+              <a:rPr kumimoji="0" lang="ru-RU" altLang="ru-RU" sz="1400" b="0" i="0" u="none" strike="noStrike" cap="none" normalizeH="0" baseline="0" dirty="0" err="1">
                 <a:ln>
                   <a:noFill/>
                 </a:ln>
@@ -12707,20 +12246,6 @@
               <a:t>FileNotFoundException</a:t>
             </a:r>
             <a:r>
-              <a:rPr kumimoji="0" lang="ru-RU" altLang="ru-RU" sz="1400" b="0" i="0" u="none" strike="noStrike" cap="none" normalizeH="0" baseline="0" dirty="0" smtClean="0">
-                <a:ln>
-                  <a:noFill/>
-                </a:ln>
-                <a:solidFill>
-                  <a:srgbClr val="000000"/>
-                </a:solidFill>
-                <a:effectLst/>
-                <a:latin typeface="Courier New" panose="02070309020205020404" pitchFamily="49" charset="0"/>
-                <a:cs typeface="Courier New" panose="02070309020205020404" pitchFamily="49" charset="0"/>
-              </a:rPr>
-              <a:t> </a:t>
-            </a:r>
-            <a:r>
               <a:rPr kumimoji="0" lang="ru-RU" altLang="ru-RU" sz="1400" b="0" i="0" u="none" strike="noStrike" cap="none" normalizeH="0" baseline="0" dirty="0">
                 <a:ln>
                   <a:noFill/>
@@ -12732,7 +12257,7 @@
                 <a:latin typeface="Courier New" panose="02070309020205020404" pitchFamily="49" charset="0"/>
                 <a:cs typeface="Courier New" panose="02070309020205020404" pitchFamily="49" charset="0"/>
               </a:rPr>
-              <a:t>| </a:t>
+              <a:t> | </a:t>
             </a:r>
             <a:r>
               <a:rPr kumimoji="0" lang="ru-RU" altLang="ru-RU" sz="1400" b="0" i="0" u="none" strike="noStrike" cap="none" normalizeH="0" baseline="0" dirty="0" err="1">
@@ -12795,17 +12320,17 @@
                 <a:latin typeface="Courier New" panose="02070309020205020404" pitchFamily="49" charset="0"/>
                 <a:cs typeface="Courier New" panose="02070309020205020404" pitchFamily="49" charset="0"/>
               </a:rPr>
-              <a:t>        </a:t>
-            </a:r>
-            <a:r>
-              <a:rPr lang="en-US" altLang="ru-RU" sz="1400" dirty="0" smtClean="0">
-                <a:solidFill>
-                  <a:srgbClr val="000000"/>
-                </a:solidFill>
-                <a:latin typeface="Courier New" panose="02070309020205020404" pitchFamily="49" charset="0"/>
-                <a:cs typeface="Courier New" panose="02070309020205020404" pitchFamily="49" charset="0"/>
-              </a:rPr>
-              <a:t>e </a:t>
+              <a:t>        e = new </a:t>
+            </a:r>
+            <a:r>
+              <a:rPr lang="en-US" altLang="ru-RU" sz="1400" dirty="0" err="1">
+                <a:solidFill>
+                  <a:srgbClr val="000000"/>
+                </a:solidFill>
+                <a:latin typeface="Courier New" panose="02070309020205020404" pitchFamily="49" charset="0"/>
+                <a:cs typeface="Courier New" panose="02070309020205020404" pitchFamily="49" charset="0"/>
+              </a:rPr>
+              <a:t>RuntimeException</a:t>
             </a:r>
             <a:r>
               <a:rPr lang="en-US" altLang="ru-RU" sz="1400" dirty="0">
@@ -12815,26 +12340,6 @@
                 <a:latin typeface="Courier New" panose="02070309020205020404" pitchFamily="49" charset="0"/>
                 <a:cs typeface="Courier New" panose="02070309020205020404" pitchFamily="49" charset="0"/>
               </a:rPr>
-              <a:t>= new </a:t>
-            </a:r>
-            <a:r>
-              <a:rPr lang="en-US" altLang="ru-RU" sz="1400" dirty="0" err="1">
-                <a:solidFill>
-                  <a:srgbClr val="000000"/>
-                </a:solidFill>
-                <a:latin typeface="Courier New" panose="02070309020205020404" pitchFamily="49" charset="0"/>
-                <a:cs typeface="Courier New" panose="02070309020205020404" pitchFamily="49" charset="0"/>
-              </a:rPr>
-              <a:t>RuntimeException</a:t>
-            </a:r>
-            <a:r>
-              <a:rPr lang="en-US" altLang="ru-RU" sz="1400" dirty="0">
-                <a:solidFill>
-                  <a:srgbClr val="000000"/>
-                </a:solidFill>
-                <a:latin typeface="Courier New" panose="02070309020205020404" pitchFamily="49" charset="0"/>
-                <a:cs typeface="Courier New" panose="02070309020205020404" pitchFamily="49" charset="0"/>
-              </a:rPr>
               <a:t>(); </a:t>
             </a:r>
             <a:r>
@@ -12866,20 +12371,6 @@
                 <a:cs typeface="Courier New" panose="02070309020205020404" pitchFamily="49" charset="0"/>
               </a:rPr>
               <a:t> variable is effectively final</a:t>
-            </a:r>
-            <a:r>
-              <a:rPr kumimoji="0" lang="ru-RU" altLang="ru-RU" sz="1400" b="0" i="0" u="none" strike="noStrike" cap="none" normalizeH="0" baseline="0" dirty="0">
-                <a:ln>
-                  <a:noFill/>
-                </a:ln>
-                <a:solidFill>
-                  <a:srgbClr val="FF0000"/>
-                </a:solidFill>
-                <a:effectLst/>
-                <a:latin typeface="Courier New" panose="02070309020205020404" pitchFamily="49" charset="0"/>
-                <a:cs typeface="Courier New" panose="02070309020205020404" pitchFamily="49" charset="0"/>
-              </a:rPr>
-              <a:t/>
             </a:r>
             <a:br>
               <a:rPr kumimoji="0" lang="ru-RU" altLang="ru-RU" sz="1400" b="0" i="0" u="none" strike="noStrike" cap="none" normalizeH="0" baseline="0" dirty="0">
@@ -12909,7 +12400,7 @@
               <a:t>    } </a:t>
             </a:r>
             <a:r>
-              <a:rPr kumimoji="0" lang="ru-RU" altLang="ru-RU" sz="1400" b="1" i="0" u="none" strike="noStrike" cap="none" normalizeH="0" baseline="0" dirty="0" err="1" smtClean="0">
+              <a:rPr kumimoji="0" lang="ru-RU" altLang="ru-RU" sz="1400" b="1" i="0" u="none" strike="noStrike" cap="none" normalizeH="0" baseline="0" dirty="0" err="1">
                 <a:ln>
                   <a:noFill/>
                 </a:ln>
@@ -12923,7 +12414,7 @@
               <a:t>catch</a:t>
             </a:r>
             <a:r>
-              <a:rPr kumimoji="0" lang="ru-RU" altLang="ru-RU" sz="1400" b="0" i="0" u="none" strike="noStrike" cap="none" normalizeH="0" baseline="0" dirty="0" smtClean="0">
+              <a:rPr kumimoji="0" lang="ru-RU" altLang="ru-RU" sz="1400" b="0" i="0" u="none" strike="noStrike" cap="none" normalizeH="0" baseline="0" dirty="0">
                 <a:ln>
                   <a:noFill/>
                 </a:ln>
@@ -12937,7 +12428,7 @@
               <a:t>(</a:t>
             </a:r>
             <a:r>
-              <a:rPr kumimoji="0" lang="ru-RU" altLang="ru-RU" sz="1400" b="0" i="0" u="none" strike="noStrike" cap="none" normalizeH="0" baseline="0" dirty="0" err="1" smtClean="0">
+              <a:rPr kumimoji="0" lang="ru-RU" altLang="ru-RU" sz="1400" b="0" i="0" u="none" strike="noStrike" cap="none" normalizeH="0" baseline="0" dirty="0" err="1">
                 <a:ln>
                   <a:noFill/>
                 </a:ln>
@@ -12951,7 +12442,21 @@
               <a:t>InputMismatchException</a:t>
             </a:r>
             <a:r>
-              <a:rPr kumimoji="0" lang="ru-RU" altLang="ru-RU" sz="1400" b="0" i="0" u="none" strike="noStrike" cap="none" normalizeH="0" baseline="0" dirty="0" smtClean="0">
+              <a:rPr kumimoji="0" lang="ru-RU" altLang="ru-RU" sz="1400" b="0" i="0" u="none" strike="noStrike" cap="none" normalizeH="0" baseline="0" dirty="0">
+                <a:ln>
+                  <a:noFill/>
+                </a:ln>
+                <a:solidFill>
+                  <a:srgbClr val="000000"/>
+                </a:solidFill>
+                <a:effectLst/>
+                <a:latin typeface="Courier New" panose="02070309020205020404" pitchFamily="49" charset="0"/>
+                <a:cs typeface="Courier New" panose="02070309020205020404" pitchFamily="49" charset="0"/>
+              </a:rPr>
+              <a:t> e |</a:t>
+            </a:r>
+            <a:r>
+              <a:rPr kumimoji="0" lang="en-US" altLang="ru-RU" sz="1400" b="0" i="0" u="none" strike="noStrike" cap="none" normalizeH="0" baseline="0" dirty="0">
                 <a:ln>
                   <a:noFill/>
                 </a:ln>
@@ -12965,6 +12470,20 @@
               <a:t> </a:t>
             </a:r>
             <a:r>
+              <a:rPr kumimoji="0" lang="ru-RU" altLang="ru-RU" sz="1400" b="0" i="0" u="none" strike="noStrike" cap="none" normalizeH="0" baseline="0" dirty="0" err="1">
+                <a:ln>
+                  <a:noFill/>
+                </a:ln>
+                <a:solidFill>
+                  <a:srgbClr val="000000"/>
+                </a:solidFill>
+                <a:effectLst/>
+                <a:latin typeface="Courier New" panose="02070309020205020404" pitchFamily="49" charset="0"/>
+                <a:cs typeface="Courier New" panose="02070309020205020404" pitchFamily="49" charset="0"/>
+              </a:rPr>
+              <a:t>MissingResourceException</a:t>
+            </a:r>
+            <a:r>
               <a:rPr kumimoji="0" lang="ru-RU" altLang="ru-RU" sz="1400" b="0" i="0" u="none" strike="noStrike" cap="none" normalizeH="0" baseline="0" dirty="0">
                 <a:ln>
                   <a:noFill/>
@@ -12976,7 +12495,7 @@
                 <a:latin typeface="Courier New" panose="02070309020205020404" pitchFamily="49" charset="0"/>
                 <a:cs typeface="Courier New" panose="02070309020205020404" pitchFamily="49" charset="0"/>
               </a:rPr>
-              <a:t>e |</a:t>
+              <a:t> e)</a:t>
             </a:r>
             <a:r>
               <a:rPr kumimoji="0" lang="en-US" altLang="ru-RU" sz="1400" b="0" i="0" u="none" strike="noStrike" cap="none" normalizeH="0" baseline="0" dirty="0">
@@ -12993,20 +12512,6 @@
               <a:t> </a:t>
             </a:r>
             <a:r>
-              <a:rPr kumimoji="0" lang="ru-RU" altLang="ru-RU" sz="1400" b="0" i="0" u="none" strike="noStrike" cap="none" normalizeH="0" baseline="0" dirty="0" err="1">
-                <a:ln>
-                  <a:noFill/>
-                </a:ln>
-                <a:solidFill>
-                  <a:srgbClr val="000000"/>
-                </a:solidFill>
-                <a:effectLst/>
-                <a:latin typeface="Courier New" panose="02070309020205020404" pitchFamily="49" charset="0"/>
-                <a:cs typeface="Courier New" panose="02070309020205020404" pitchFamily="49" charset="0"/>
-              </a:rPr>
-              <a:t>MissingResourceException</a:t>
-            </a:r>
-            <a:r>
               <a:rPr kumimoji="0" lang="ru-RU" altLang="ru-RU" sz="1400" b="0" i="0" u="none" strike="noStrike" cap="none" normalizeH="0" baseline="0" dirty="0">
                 <a:ln>
                   <a:noFill/>
@@ -13018,24 +12523,10 @@
                 <a:latin typeface="Courier New" panose="02070309020205020404" pitchFamily="49" charset="0"/>
                 <a:cs typeface="Courier New" panose="02070309020205020404" pitchFamily="49" charset="0"/>
               </a:rPr>
-              <a:t> e</a:t>
-            </a:r>
-            <a:r>
-              <a:rPr kumimoji="0" lang="ru-RU" altLang="ru-RU" sz="1400" b="0" i="0" u="none" strike="noStrike" cap="none" normalizeH="0" baseline="0" dirty="0" smtClean="0">
-                <a:ln>
-                  <a:noFill/>
-                </a:ln>
-                <a:solidFill>
-                  <a:srgbClr val="000000"/>
-                </a:solidFill>
-                <a:effectLst/>
-                <a:latin typeface="Courier New" panose="02070309020205020404" pitchFamily="49" charset="0"/>
-                <a:cs typeface="Courier New" panose="02070309020205020404" pitchFamily="49" charset="0"/>
-              </a:rPr>
-              <a:t>)</a:t>
-            </a:r>
-            <a:r>
-              <a:rPr kumimoji="0" lang="en-US" altLang="ru-RU" sz="1400" b="0" i="0" u="none" strike="noStrike" cap="none" normalizeH="0" baseline="0" dirty="0" smtClean="0">
+              <a:t>{</a:t>
+            </a:r>
+            <a:r>
+              <a:rPr kumimoji="0" lang="en-US" altLang="ru-RU" sz="1400" b="0" i="0" u="none" strike="noStrike" cap="none" normalizeH="0" baseline="0" dirty="0">
                 <a:ln>
                   <a:noFill/>
                 </a:ln>
@@ -13049,34 +12540,6 @@
               <a:t> </a:t>
             </a:r>
             <a:r>
-              <a:rPr kumimoji="0" lang="ru-RU" altLang="ru-RU" sz="1400" b="0" i="0" u="none" strike="noStrike" cap="none" normalizeH="0" baseline="0" dirty="0" smtClean="0">
-                <a:ln>
-                  <a:noFill/>
-                </a:ln>
-                <a:solidFill>
-                  <a:srgbClr val="000000"/>
-                </a:solidFill>
-                <a:effectLst/>
-                <a:latin typeface="Courier New" panose="02070309020205020404" pitchFamily="49" charset="0"/>
-                <a:cs typeface="Courier New" panose="02070309020205020404" pitchFamily="49" charset="0"/>
-              </a:rPr>
-              <a:t>{</a:t>
-            </a:r>
-            <a:r>
-              <a:rPr kumimoji="0" lang="en-US" altLang="ru-RU" sz="1400" b="0" i="0" u="none" strike="noStrike" cap="none" normalizeH="0" baseline="0" dirty="0" smtClean="0">
-                <a:ln>
-                  <a:noFill/>
-                </a:ln>
-                <a:solidFill>
-                  <a:srgbClr val="000000"/>
-                </a:solidFill>
-                <a:effectLst/>
-                <a:latin typeface="Courier New" panose="02070309020205020404" pitchFamily="49" charset="0"/>
-                <a:cs typeface="Courier New" panose="02070309020205020404" pitchFamily="49" charset="0"/>
-              </a:rPr>
-              <a:t> </a:t>
-            </a:r>
-            <a:r>
               <a:rPr kumimoji="0" lang="en-US" altLang="ru-RU" sz="1400" b="1" i="0" u="none" strike="noStrike" cap="none" normalizeH="0" baseline="0" dirty="0">
                 <a:ln>
                   <a:noFill/>
@@ -13098,17 +12561,7 @@
                 <a:latin typeface="Courier New" panose="02070309020205020404" pitchFamily="49" charset="0"/>
                 <a:cs typeface="Courier New" panose="02070309020205020404" pitchFamily="49" charset="0"/>
               </a:rPr>
-              <a:t> extra variable </a:t>
-            </a:r>
-            <a:r>
-              <a:rPr lang="en-US" altLang="ru-RU" sz="1400" b="1" dirty="0" smtClean="0">
-                <a:solidFill>
-                  <a:srgbClr val="FF0000"/>
-                </a:solidFill>
-                <a:latin typeface="Courier New" panose="02070309020205020404" pitchFamily="49" charset="0"/>
-                <a:cs typeface="Courier New" panose="02070309020205020404" pitchFamily="49" charset="0"/>
-              </a:rPr>
-              <a:t>name</a:t>
+              <a:t> extra variable name</a:t>
             </a:r>
           </a:p>
           <a:p>
@@ -13125,7 +12578,7 @@
               <a:buNone/>
             </a:pPr>
             <a:r>
-              <a:rPr lang="en-US" altLang="ru-RU" sz="1400" b="1" dirty="0" smtClean="0">
+              <a:rPr lang="en-US" altLang="ru-RU" sz="1400" b="1" dirty="0">
                 <a:solidFill>
                   <a:srgbClr val="000080"/>
                 </a:solidFill>
@@ -13135,7 +12588,7 @@
               <a:t>    </a:t>
             </a:r>
             <a:r>
-              <a:rPr lang="ru-RU" altLang="ru-RU" sz="1400" dirty="0" smtClean="0">
+              <a:rPr lang="ru-RU" altLang="ru-RU" sz="1400" dirty="0">
                 <a:solidFill>
                   <a:srgbClr val="000000"/>
                 </a:solidFill>
@@ -13145,7 +12598,7 @@
               <a:t>} </a:t>
             </a:r>
             <a:r>
-              <a:rPr lang="ru-RU" altLang="ru-RU" sz="1400" b="1" dirty="0" err="1" smtClean="0">
+              <a:rPr lang="ru-RU" altLang="ru-RU" sz="1400" b="1" dirty="0" err="1">
                 <a:solidFill>
                   <a:srgbClr val="000080"/>
                 </a:solidFill>
@@ -13155,7 +12608,7 @@
               <a:t>catch</a:t>
             </a:r>
             <a:r>
-              <a:rPr lang="ru-RU" altLang="ru-RU" sz="1400" dirty="0" smtClean="0">
+              <a:rPr lang="ru-RU" altLang="ru-RU" sz="1400" dirty="0">
                 <a:solidFill>
                   <a:srgbClr val="000000"/>
                 </a:solidFill>
@@ -13165,7 +12618,7 @@
               <a:t>(</a:t>
             </a:r>
             <a:r>
-              <a:rPr lang="ru-RU" altLang="ru-RU" sz="1400" dirty="0" err="1" smtClean="0">
+              <a:rPr lang="ru-RU" altLang="ru-RU" sz="1400" dirty="0" err="1">
                 <a:solidFill>
                   <a:srgbClr val="000000"/>
                 </a:solidFill>
@@ -13175,7 +12628,7 @@
               <a:t>FileNotFoundException</a:t>
             </a:r>
             <a:r>
-              <a:rPr lang="ru-RU" altLang="ru-RU" sz="1400" dirty="0" smtClean="0">
+              <a:rPr lang="ru-RU" altLang="ru-RU" sz="1400" dirty="0">
                 <a:solidFill>
                   <a:srgbClr val="000000"/>
                 </a:solidFill>
@@ -13185,7 +12638,7 @@
               <a:t> | </a:t>
             </a:r>
             <a:r>
-              <a:rPr lang="ru-RU" altLang="ru-RU" sz="1400" dirty="0" err="1" smtClean="0">
+              <a:rPr lang="ru-RU" altLang="ru-RU" sz="1400" dirty="0" err="1">
                 <a:solidFill>
                   <a:srgbClr val="000000"/>
                 </a:solidFill>
@@ -13195,7 +12648,7 @@
               <a:t>IOException</a:t>
             </a:r>
             <a:r>
-              <a:rPr lang="ru-RU" altLang="ru-RU" sz="1400" dirty="0" smtClean="0">
+              <a:rPr lang="ru-RU" altLang="ru-RU" sz="1400" dirty="0">
                 <a:solidFill>
                   <a:srgbClr val="000000"/>
                 </a:solidFill>
@@ -13205,7 +12658,7 @@
               <a:t> e)</a:t>
             </a:r>
             <a:r>
-              <a:rPr lang="en-US" altLang="ru-RU" sz="1400" dirty="0" smtClean="0">
+              <a:rPr lang="en-US" altLang="ru-RU" sz="1400" dirty="0">
                 <a:solidFill>
                   <a:srgbClr val="000000"/>
                 </a:solidFill>
@@ -13215,7 +12668,7 @@
               <a:t> { </a:t>
             </a:r>
             <a:r>
-              <a:rPr lang="en-US" altLang="ru-RU" sz="1400" b="1" dirty="0" smtClean="0">
+              <a:rPr lang="en-US" altLang="ru-RU" sz="1400" b="1" dirty="0">
                 <a:solidFill>
                   <a:srgbClr val="FF0000"/>
                 </a:solidFill>
@@ -13239,7 +12692,7 @@
               <a:buNone/>
             </a:pPr>
             <a:r>
-              <a:rPr kumimoji="0" lang="ru-RU" altLang="ru-RU" sz="1400" b="0" i="0" u="none" strike="noStrike" cap="none" normalizeH="0" baseline="0" dirty="0" smtClean="0">
+              <a:rPr kumimoji="0" lang="ru-RU" altLang="ru-RU" sz="1400" b="0" i="0" u="none" strike="noStrike" cap="none" normalizeH="0" baseline="0" dirty="0">
                 <a:ln>
                   <a:noFill/>
                 </a:ln>
@@ -13253,7 +12706,7 @@
               <a:t>    } </a:t>
             </a:r>
             <a:r>
-              <a:rPr kumimoji="0" lang="ru-RU" altLang="ru-RU" sz="1400" b="1" i="0" u="none" strike="noStrike" cap="none" normalizeH="0" baseline="0" dirty="0" err="1" smtClean="0">
+              <a:rPr kumimoji="0" lang="ru-RU" altLang="ru-RU" sz="1400" b="1" i="0" u="none" strike="noStrike" cap="none" normalizeH="0" baseline="0" dirty="0" err="1">
                 <a:ln>
                   <a:noFill/>
                 </a:ln>
@@ -13267,7 +12720,7 @@
               <a:t>catch</a:t>
             </a:r>
             <a:r>
-              <a:rPr kumimoji="0" lang="ru-RU" altLang="ru-RU" sz="1400" b="0" i="0" u="none" strike="noStrike" cap="none" normalizeH="0" baseline="0" dirty="0" smtClean="0">
+              <a:rPr kumimoji="0" lang="ru-RU" altLang="ru-RU" sz="1400" b="0" i="0" u="none" strike="noStrike" cap="none" normalizeH="0" baseline="0" dirty="0">
                 <a:ln>
                   <a:noFill/>
                 </a:ln>
@@ -13281,7 +12734,7 @@
               <a:t>(</a:t>
             </a:r>
             <a:r>
-              <a:rPr kumimoji="0" lang="ru-RU" altLang="ru-RU" sz="1400" b="0" i="0" u="none" strike="noStrike" cap="none" normalizeH="0" baseline="0" dirty="0" err="1" smtClean="0">
+              <a:rPr kumimoji="0" lang="ru-RU" altLang="ru-RU" sz="1400" b="0" i="0" u="none" strike="noStrike" cap="none" normalizeH="0" baseline="0" dirty="0" err="1">
                 <a:ln>
                   <a:noFill/>
                 </a:ln>
@@ -13295,7 +12748,7 @@
               <a:t>SQLException</a:t>
             </a:r>
             <a:r>
-              <a:rPr kumimoji="0" lang="ru-RU" altLang="ru-RU" sz="1400" b="0" i="0" u="none" strike="noStrike" cap="none" normalizeH="0" baseline="0" dirty="0" smtClean="0">
+              <a:rPr kumimoji="0" lang="ru-RU" altLang="ru-RU" sz="1400" b="0" i="0" u="none" strike="noStrike" cap="none" normalizeH="0" baseline="0" dirty="0">
                 <a:ln>
                   <a:noFill/>
                 </a:ln>
@@ -13309,7 +12762,7 @@
               <a:t> e){</a:t>
             </a:r>
             <a:r>
-              <a:rPr lang="en-US" altLang="ru-RU" sz="1400" dirty="0" smtClean="0">
+              <a:rPr lang="en-US" altLang="ru-RU" sz="1400" dirty="0">
                 <a:solidFill>
                   <a:srgbClr val="000000"/>
                 </a:solidFill>
@@ -13319,7 +12772,7 @@
               <a:t> </a:t>
             </a:r>
             <a:r>
-              <a:rPr lang="en-US" altLang="ru-RU" sz="1400" b="1" dirty="0" smtClean="0">
+              <a:rPr lang="en-US" altLang="ru-RU" sz="1400" b="1" dirty="0">
                 <a:solidFill>
                   <a:srgbClr val="FF0000"/>
                 </a:solidFill>
@@ -13329,7 +12782,7 @@
               <a:t>// cannot catch </a:t>
             </a:r>
             <a:r>
-              <a:rPr lang="en-US" altLang="ru-RU" sz="1400" b="1" dirty="0" err="1" smtClean="0">
+              <a:rPr lang="en-US" altLang="ru-RU" sz="1400" b="1" dirty="0" err="1">
                 <a:solidFill>
                   <a:srgbClr val="FF0000"/>
                 </a:solidFill>
@@ -13339,7 +12792,7 @@
               <a:t>SQLException</a:t>
             </a:r>
             <a:r>
-              <a:rPr lang="en-US" altLang="ru-RU" sz="1400" b="1" dirty="0" smtClean="0">
+              <a:rPr lang="en-US" altLang="ru-RU" sz="1400" b="1" dirty="0">
                 <a:solidFill>
                   <a:srgbClr val="FF0000"/>
                 </a:solidFill>
@@ -13348,22 +12801,8 @@
               </a:rPr>
               <a:t> because nothing can potentially throw one</a:t>
             </a:r>
-            <a:r>
-              <a:rPr kumimoji="0" lang="ru-RU" altLang="ru-RU" sz="1400" b="0" i="0" u="none" strike="noStrike" cap="none" normalizeH="0" baseline="0" dirty="0" smtClean="0">
-                <a:ln>
-                  <a:noFill/>
-                </a:ln>
-                <a:solidFill>
-                  <a:srgbClr val="000000"/>
-                </a:solidFill>
-                <a:effectLst/>
-                <a:latin typeface="Courier New" panose="02070309020205020404" pitchFamily="49" charset="0"/>
-                <a:cs typeface="Courier New" panose="02070309020205020404" pitchFamily="49" charset="0"/>
-              </a:rPr>
-              <a:t/>
-            </a:r>
             <a:br>
-              <a:rPr kumimoji="0" lang="ru-RU" altLang="ru-RU" sz="1400" b="0" i="0" u="none" strike="noStrike" cap="none" normalizeH="0" baseline="0" dirty="0" smtClean="0">
+              <a:rPr kumimoji="0" lang="ru-RU" altLang="ru-RU" sz="1400" b="0" i="0" u="none" strike="noStrike" cap="none" normalizeH="0" baseline="0" dirty="0">
                 <a:ln>
                   <a:noFill/>
                 </a:ln>
@@ -13376,7 +12815,7 @@
               </a:rPr>
             </a:br>
             <a:r>
-              <a:rPr kumimoji="0" lang="ru-RU" altLang="ru-RU" sz="1400" b="0" i="0" u="none" strike="noStrike" cap="none" normalizeH="0" baseline="0" dirty="0" smtClean="0">
+              <a:rPr kumimoji="0" lang="ru-RU" altLang="ru-RU" sz="1400" b="0" i="0" u="none" strike="noStrike" cap="none" normalizeH="0" baseline="0" dirty="0">
                 <a:ln>
                   <a:noFill/>
                 </a:ln>
@@ -13390,7 +12829,7 @@
               <a:t>    } </a:t>
             </a:r>
             <a:r>
-              <a:rPr kumimoji="0" lang="ru-RU" altLang="ru-RU" sz="1400" b="1" i="0" u="none" strike="noStrike" cap="none" normalizeH="0" baseline="0" dirty="0" err="1" smtClean="0">
+              <a:rPr kumimoji="0" lang="ru-RU" altLang="ru-RU" sz="1400" b="1" i="0" u="none" strike="noStrike" cap="none" normalizeH="0" baseline="0" dirty="0" err="1">
                 <a:ln>
                   <a:noFill/>
                 </a:ln>
@@ -13404,7 +12843,7 @@
               <a:t>catch</a:t>
             </a:r>
             <a:r>
-              <a:rPr kumimoji="0" lang="ru-RU" altLang="ru-RU" sz="1400" b="0" i="0" u="none" strike="noStrike" cap="none" normalizeH="0" baseline="0" dirty="0" smtClean="0">
+              <a:rPr kumimoji="0" lang="ru-RU" altLang="ru-RU" sz="1400" b="0" i="0" u="none" strike="noStrike" cap="none" normalizeH="0" baseline="0" dirty="0">
                 <a:ln>
                   <a:noFill/>
                 </a:ln>
@@ -13418,7 +12857,7 @@
               <a:t>(</a:t>
             </a:r>
             <a:r>
-              <a:rPr kumimoji="0" lang="ru-RU" altLang="ru-RU" sz="1400" b="0" i="0" u="none" strike="noStrike" cap="none" normalizeH="0" baseline="0" dirty="0" err="1" smtClean="0">
+              <a:rPr kumimoji="0" lang="ru-RU" altLang="ru-RU" sz="1400" b="0" i="0" u="none" strike="noStrike" cap="none" normalizeH="0" baseline="0" dirty="0" err="1">
                 <a:ln>
                   <a:noFill/>
                 </a:ln>
@@ -13432,7 +12871,7 @@
               <a:t>FileNotFoundException</a:t>
             </a:r>
             <a:r>
-              <a:rPr kumimoji="0" lang="ru-RU" altLang="ru-RU" sz="1400" b="0" i="0" u="none" strike="noStrike" cap="none" normalizeH="0" baseline="0" dirty="0" smtClean="0">
+              <a:rPr kumimoji="0" lang="ru-RU" altLang="ru-RU" sz="1400" b="0" i="0" u="none" strike="noStrike" cap="none" normalizeH="0" baseline="0" dirty="0">
                 <a:ln>
                   <a:noFill/>
                 </a:ln>
@@ -13446,7 +12885,7 @@
               <a:t> | </a:t>
             </a:r>
             <a:r>
-              <a:rPr kumimoji="0" lang="ru-RU" altLang="ru-RU" sz="1400" b="0" i="0" u="none" strike="noStrike" cap="none" normalizeH="0" baseline="0" dirty="0" err="1" smtClean="0">
+              <a:rPr kumimoji="0" lang="ru-RU" altLang="ru-RU" sz="1400" b="0" i="0" u="none" strike="noStrike" cap="none" normalizeH="0" baseline="0" dirty="0" err="1">
                 <a:ln>
                   <a:noFill/>
                 </a:ln>
@@ -13460,7 +12899,7 @@
               <a:t>IllegalArgumentException</a:t>
             </a:r>
             <a:r>
-              <a:rPr kumimoji="0" lang="ru-RU" altLang="ru-RU" sz="1400" b="0" i="0" u="none" strike="noStrike" cap="none" normalizeH="0" baseline="0" dirty="0" smtClean="0">
+              <a:rPr kumimoji="0" lang="ru-RU" altLang="ru-RU" sz="1400" b="0" i="0" u="none" strike="noStrike" cap="none" normalizeH="0" baseline="0" dirty="0">
                 <a:ln>
                   <a:noFill/>
                 </a:ln>
@@ -13474,7 +12913,7 @@
               <a:t> e)</a:t>
             </a:r>
             <a:r>
-              <a:rPr kumimoji="0" lang="en-US" altLang="ru-RU" sz="1400" b="0" i="0" u="none" strike="noStrike" cap="none" normalizeH="0" baseline="0" dirty="0" smtClean="0">
+              <a:rPr kumimoji="0" lang="en-US" altLang="ru-RU" sz="1400" b="0" i="0" u="none" strike="noStrike" cap="none" normalizeH="0" baseline="0" dirty="0">
                 <a:ln>
                   <a:noFill/>
                 </a:ln>
@@ -13488,7 +12927,7 @@
               <a:t> </a:t>
             </a:r>
             <a:r>
-              <a:rPr kumimoji="0" lang="ru-RU" altLang="ru-RU" sz="1400" b="0" i="0" u="none" strike="noStrike" cap="none" normalizeH="0" baseline="0" dirty="0" smtClean="0">
+              <a:rPr kumimoji="0" lang="ru-RU" altLang="ru-RU" sz="1400" b="0" i="0" u="none" strike="noStrike" cap="none" normalizeH="0" baseline="0" dirty="0">
                 <a:ln>
                   <a:noFill/>
                 </a:ln>
@@ -13502,7 +12941,7 @@
               <a:t>{</a:t>
             </a:r>
             <a:r>
-              <a:rPr kumimoji="0" lang="en-US" altLang="ru-RU" sz="1400" b="0" i="0" u="none" strike="noStrike" cap="none" normalizeH="0" baseline="0" dirty="0" smtClean="0">
+              <a:rPr kumimoji="0" lang="en-US" altLang="ru-RU" sz="1400" b="0" i="0" u="none" strike="noStrike" cap="none" normalizeH="0" baseline="0" dirty="0">
                 <a:ln>
                   <a:noFill/>
                 </a:ln>
@@ -13516,7 +12955,7 @@
               <a:t> </a:t>
             </a:r>
             <a:r>
-              <a:rPr kumimoji="0" lang="en-US" altLang="ru-RU" sz="1400" b="1" i="0" u="none" strike="noStrike" cap="none" normalizeH="0" baseline="0" dirty="0" smtClean="0">
+              <a:rPr kumimoji="0" lang="en-US" altLang="ru-RU" sz="1400" b="1" i="0" u="none" strike="noStrike" cap="none" normalizeH="0" baseline="0" dirty="0">
                 <a:ln>
                   <a:noFill/>
                 </a:ln>
@@ -13530,7 +12969,7 @@
               <a:t>// </a:t>
             </a:r>
             <a:r>
-              <a:rPr lang="en-US" altLang="ru-RU" sz="1400" b="1" dirty="0" smtClean="0">
+              <a:rPr lang="en-US" altLang="ru-RU" sz="1400" b="1" dirty="0">
                 <a:solidFill>
                   <a:srgbClr val="FF0000"/>
                 </a:solidFill>
@@ -13540,7 +12979,7 @@
               <a:t>cannot catch </a:t>
             </a:r>
             <a:r>
-              <a:rPr lang="en-US" altLang="ru-RU" sz="1400" b="1" dirty="0" err="1" smtClean="0">
+              <a:rPr lang="en-US" altLang="ru-RU" sz="1400" b="1" dirty="0" err="1">
                 <a:solidFill>
                   <a:srgbClr val="FF0000"/>
                 </a:solidFill>
@@ -13550,7 +12989,7 @@
               <a:t>FileNotFoundException</a:t>
             </a:r>
             <a:r>
-              <a:rPr lang="en-US" altLang="ru-RU" sz="1400" b="1" dirty="0" smtClean="0">
+              <a:rPr lang="en-US" altLang="ru-RU" sz="1400" b="1" dirty="0">
                 <a:solidFill>
                   <a:srgbClr val="FF0000"/>
                 </a:solidFill>
@@ -13559,22 +12998,8 @@
               </a:rPr>
               <a:t> 		because was already caught on first catch</a:t>
             </a:r>
-            <a:r>
-              <a:rPr kumimoji="0" lang="ru-RU" altLang="ru-RU" sz="1400" b="0" i="0" u="none" strike="noStrike" cap="none" normalizeH="0" baseline="0" dirty="0" smtClean="0">
-                <a:ln>
-                  <a:noFill/>
-                </a:ln>
-                <a:solidFill>
-                  <a:srgbClr val="000000"/>
-                </a:solidFill>
-                <a:effectLst/>
-                <a:latin typeface="Courier New" panose="02070309020205020404" pitchFamily="49" charset="0"/>
-                <a:cs typeface="Courier New" panose="02070309020205020404" pitchFamily="49" charset="0"/>
-              </a:rPr>
-              <a:t/>
-            </a:r>
             <a:br>
-              <a:rPr kumimoji="0" lang="ru-RU" altLang="ru-RU" sz="1400" b="0" i="0" u="none" strike="noStrike" cap="none" normalizeH="0" baseline="0" dirty="0" smtClean="0">
+              <a:rPr kumimoji="0" lang="ru-RU" altLang="ru-RU" sz="1400" b="0" i="0" u="none" strike="noStrike" cap="none" normalizeH="0" baseline="0" dirty="0">
                 <a:ln>
                   <a:noFill/>
                 </a:ln>
@@ -13587,7 +13012,7 @@
               </a:rPr>
             </a:br>
             <a:r>
-              <a:rPr kumimoji="0" lang="ru-RU" altLang="ru-RU" sz="1400" b="0" i="0" u="none" strike="noStrike" cap="none" normalizeH="0" baseline="0" dirty="0" smtClean="0">
+              <a:rPr kumimoji="0" lang="ru-RU" altLang="ru-RU" sz="1400" b="0" i="0" u="none" strike="noStrike" cap="none" normalizeH="0" baseline="0" dirty="0">
                 <a:ln>
                   <a:noFill/>
                 </a:ln>
@@ -13601,7 +13026,7 @@
               <a:t>    } </a:t>
             </a:r>
             <a:r>
-              <a:rPr kumimoji="0" lang="ru-RU" altLang="ru-RU" sz="1400" b="1" i="0" u="none" strike="noStrike" cap="none" normalizeH="0" baseline="0" dirty="0" err="1" smtClean="0">
+              <a:rPr kumimoji="0" lang="ru-RU" altLang="ru-RU" sz="1400" b="1" i="0" u="none" strike="noStrike" cap="none" normalizeH="0" baseline="0" dirty="0" err="1">
                 <a:ln>
                   <a:noFill/>
                 </a:ln>
@@ -13615,7 +13040,7 @@
               <a:t>catch</a:t>
             </a:r>
             <a:r>
-              <a:rPr kumimoji="0" lang="ru-RU" altLang="ru-RU" sz="1400" b="0" i="0" u="none" strike="noStrike" cap="none" normalizeH="0" baseline="0" dirty="0" smtClean="0">
+              <a:rPr kumimoji="0" lang="ru-RU" altLang="ru-RU" sz="1400" b="0" i="0" u="none" strike="noStrike" cap="none" normalizeH="0" baseline="0" dirty="0">
                 <a:ln>
                   <a:noFill/>
                 </a:ln>
@@ -13629,7 +13054,7 @@
               <a:t>(</a:t>
             </a:r>
             <a:r>
-              <a:rPr kumimoji="0" lang="ru-RU" altLang="ru-RU" sz="1400" b="0" i="0" u="none" strike="noStrike" cap="none" normalizeH="0" baseline="0" dirty="0" err="1" smtClean="0">
+              <a:rPr kumimoji="0" lang="ru-RU" altLang="ru-RU" sz="1400" b="0" i="0" u="none" strike="noStrike" cap="none" normalizeH="0" baseline="0" dirty="0" err="1">
                 <a:ln>
                   <a:noFill/>
                 </a:ln>
@@ -13643,7 +13068,7 @@
               <a:t>Exception</a:t>
             </a:r>
             <a:r>
-              <a:rPr kumimoji="0" lang="ru-RU" altLang="ru-RU" sz="1400" b="0" i="0" u="none" strike="noStrike" cap="none" normalizeH="0" baseline="0" dirty="0" smtClean="0">
+              <a:rPr kumimoji="0" lang="ru-RU" altLang="ru-RU" sz="1400" b="0" i="0" u="none" strike="noStrike" cap="none" normalizeH="0" baseline="0" dirty="0">
                 <a:ln>
                   <a:noFill/>
                 </a:ln>
@@ -13657,7 +13082,7 @@
               <a:t> e)</a:t>
             </a:r>
             <a:r>
-              <a:rPr kumimoji="0" lang="en-US" altLang="ru-RU" sz="1400" b="0" i="0" u="none" strike="noStrike" cap="none" normalizeH="0" baseline="0" dirty="0" smtClean="0">
+              <a:rPr kumimoji="0" lang="en-US" altLang="ru-RU" sz="1400" b="0" i="0" u="none" strike="noStrike" cap="none" normalizeH="0" baseline="0" dirty="0">
                 <a:ln>
                   <a:noFill/>
                 </a:ln>
@@ -13671,7 +13096,7 @@
               <a:t> </a:t>
             </a:r>
             <a:r>
-              <a:rPr kumimoji="0" lang="ru-RU" altLang="ru-RU" sz="1400" b="0" i="0" u="none" strike="noStrike" cap="none" normalizeH="0" baseline="0" dirty="0" smtClean="0">
+              <a:rPr kumimoji="0" lang="ru-RU" altLang="ru-RU" sz="1400" b="0" i="0" u="none" strike="noStrike" cap="none" normalizeH="0" baseline="0" dirty="0">
                 <a:ln>
                   <a:noFill/>
                 </a:ln>
@@ -13685,7 +13110,7 @@
               <a:t>{</a:t>
             </a:r>
             <a:r>
-              <a:rPr kumimoji="0" lang="en-US" altLang="ru-RU" sz="1400" b="0" i="0" u="none" strike="noStrike" cap="none" normalizeH="0" baseline="0" dirty="0" smtClean="0">
+              <a:rPr kumimoji="0" lang="en-US" altLang="ru-RU" sz="1400" b="0" i="0" u="none" strike="noStrike" cap="none" normalizeH="0" baseline="0" dirty="0">
                 <a:ln>
                   <a:noFill/>
                 </a:ln>
@@ -13699,7 +13124,7 @@
               <a:t> </a:t>
             </a:r>
             <a:r>
-              <a:rPr lang="en-US" altLang="ru-RU" sz="1400" b="1" dirty="0" smtClean="0">
+              <a:rPr lang="en-US" altLang="ru-RU" sz="1400" b="1" dirty="0">
                 <a:solidFill>
                   <a:srgbClr val="FF0000"/>
                 </a:solidFill>
@@ -13709,7 +13134,7 @@
               <a:t>// more general </a:t>
             </a:r>
             <a:r>
-              <a:rPr lang="en-US" altLang="ru-RU" sz="1400" b="1" dirty="0" err="1" smtClean="0">
+              <a:rPr lang="en-US" altLang="ru-RU" sz="1400" b="1" dirty="0" err="1">
                 <a:solidFill>
                   <a:srgbClr val="FF0000"/>
                 </a:solidFill>
@@ -13719,7 +13144,7 @@
               <a:t>superclasses</a:t>
             </a:r>
             <a:r>
-              <a:rPr lang="en-US" altLang="ru-RU" sz="1400" b="1" dirty="0" smtClean="0">
+              <a:rPr lang="en-US" altLang="ru-RU" sz="1400" b="1" dirty="0">
                 <a:solidFill>
                   <a:srgbClr val="FF0000"/>
                 </a:solidFill>
@@ -13729,7 +13154,7 @@
               <a:t> must be caught after their subclasses</a:t>
             </a:r>
             <a:r>
-              <a:rPr lang="en-US" altLang="ru-RU" sz="1400" dirty="0" smtClean="0">
+              <a:rPr lang="en-US" altLang="ru-RU" sz="1400" dirty="0">
                 <a:solidFill>
                   <a:srgbClr val="FF0000"/>
                 </a:solidFill>
@@ -13738,22 +13163,8 @@
               </a:rPr>
               <a:t>.</a:t>
             </a:r>
-            <a:r>
-              <a:rPr kumimoji="0" lang="ru-RU" altLang="ru-RU" sz="1400" b="0" i="0" u="none" strike="noStrike" cap="none" normalizeH="0" baseline="0" dirty="0" smtClean="0">
-                <a:ln>
-                  <a:noFill/>
-                </a:ln>
-                <a:solidFill>
-                  <a:srgbClr val="000000"/>
-                </a:solidFill>
-                <a:effectLst/>
-                <a:latin typeface="Courier New" panose="02070309020205020404" pitchFamily="49" charset="0"/>
-                <a:cs typeface="Courier New" panose="02070309020205020404" pitchFamily="49" charset="0"/>
-              </a:rPr>
-              <a:t/>
-            </a:r>
             <a:br>
-              <a:rPr kumimoji="0" lang="ru-RU" altLang="ru-RU" sz="1400" b="0" i="0" u="none" strike="noStrike" cap="none" normalizeH="0" baseline="0" dirty="0" smtClean="0">
+              <a:rPr kumimoji="0" lang="ru-RU" altLang="ru-RU" sz="1400" b="0" i="0" u="none" strike="noStrike" cap="none" normalizeH="0" baseline="0" dirty="0">
                 <a:ln>
                   <a:noFill/>
                 </a:ln>
@@ -13766,7 +13177,7 @@
               </a:rPr>
             </a:br>
             <a:r>
-              <a:rPr kumimoji="0" lang="ru-RU" altLang="ru-RU" sz="1400" b="0" i="0" u="none" strike="noStrike" cap="none" normalizeH="0" baseline="0" dirty="0" smtClean="0">
+              <a:rPr kumimoji="0" lang="ru-RU" altLang="ru-RU" sz="1400" b="0" i="0" u="none" strike="noStrike" cap="none" normalizeH="0" baseline="0" dirty="0">
                 <a:ln>
                   <a:noFill/>
                 </a:ln>
@@ -13780,7 +13191,7 @@
               <a:t>    } </a:t>
             </a:r>
             <a:r>
-              <a:rPr kumimoji="0" lang="ru-RU" altLang="ru-RU" sz="1400" b="1" i="0" u="none" strike="noStrike" cap="none" normalizeH="0" baseline="0" dirty="0" err="1" smtClean="0">
+              <a:rPr kumimoji="0" lang="ru-RU" altLang="ru-RU" sz="1400" b="1" i="0" u="none" strike="noStrike" cap="none" normalizeH="0" baseline="0" dirty="0" err="1">
                 <a:ln>
                   <a:noFill/>
                 </a:ln>
@@ -13794,7 +13205,7 @@
               <a:t>catch</a:t>
             </a:r>
             <a:r>
-              <a:rPr kumimoji="0" lang="ru-RU" altLang="ru-RU" sz="1400" b="0" i="0" u="none" strike="noStrike" cap="none" normalizeH="0" baseline="0" dirty="0" smtClean="0">
+              <a:rPr kumimoji="0" lang="ru-RU" altLang="ru-RU" sz="1400" b="0" i="0" u="none" strike="noStrike" cap="none" normalizeH="0" baseline="0" dirty="0">
                 <a:ln>
                   <a:noFill/>
                 </a:ln>
@@ -13808,7 +13219,7 @@
               <a:t>(</a:t>
             </a:r>
             <a:r>
-              <a:rPr kumimoji="0" lang="ru-RU" altLang="ru-RU" sz="1400" b="0" i="0" u="none" strike="noStrike" cap="none" normalizeH="0" baseline="0" dirty="0" err="1" smtClean="0">
+              <a:rPr kumimoji="0" lang="ru-RU" altLang="ru-RU" sz="1400" b="0" i="0" u="none" strike="noStrike" cap="none" normalizeH="0" baseline="0" dirty="0" err="1">
                 <a:ln>
                   <a:noFill/>
                 </a:ln>
@@ -13822,7 +13233,7 @@
               <a:t>IOException</a:t>
             </a:r>
             <a:r>
-              <a:rPr kumimoji="0" lang="ru-RU" altLang="ru-RU" sz="1400" b="0" i="0" u="none" strike="noStrike" cap="none" normalizeH="0" baseline="0" dirty="0" smtClean="0">
+              <a:rPr kumimoji="0" lang="ru-RU" altLang="ru-RU" sz="1400" b="0" i="0" u="none" strike="noStrike" cap="none" normalizeH="0" baseline="0" dirty="0">
                 <a:ln>
                   <a:noFill/>
                 </a:ln>
@@ -13836,7 +13247,7 @@
               <a:t> e)</a:t>
             </a:r>
             <a:r>
-              <a:rPr kumimoji="0" lang="en-US" altLang="ru-RU" sz="1400" b="0" i="0" u="none" strike="noStrike" cap="none" normalizeH="0" baseline="0" dirty="0" smtClean="0">
+              <a:rPr kumimoji="0" lang="en-US" altLang="ru-RU" sz="1400" b="0" i="0" u="none" strike="noStrike" cap="none" normalizeH="0" baseline="0" dirty="0">
                 <a:ln>
                   <a:noFill/>
                 </a:ln>
@@ -13850,7 +13261,7 @@
               <a:t> </a:t>
             </a:r>
             <a:r>
-              <a:rPr kumimoji="0" lang="ru-RU" altLang="ru-RU" sz="1400" b="0" i="0" u="none" strike="noStrike" cap="none" normalizeH="0" baseline="0" dirty="0" smtClean="0">
+              <a:rPr kumimoji="0" lang="ru-RU" altLang="ru-RU" sz="1400" b="0" i="0" u="none" strike="noStrike" cap="none" normalizeH="0" baseline="0" dirty="0">
                 <a:ln>
                   <a:noFill/>
                 </a:ln>
@@ -13864,7 +13275,7 @@
               <a:t>{</a:t>
             </a:r>
             <a:r>
-              <a:rPr kumimoji="0" lang="en-US" altLang="ru-RU" sz="1400" b="0" i="0" u="none" strike="noStrike" cap="none" normalizeH="0" baseline="0" dirty="0" smtClean="0">
+              <a:rPr kumimoji="0" lang="en-US" altLang="ru-RU" sz="1400" b="0" i="0" u="none" strike="noStrike" cap="none" normalizeH="0" baseline="0" dirty="0">
                 <a:ln>
                   <a:noFill/>
                 </a:ln>
@@ -13878,7 +13289,7 @@
               <a:t> </a:t>
             </a:r>
             <a:r>
-              <a:rPr lang="en-US" altLang="ru-RU" sz="1400" b="1" dirty="0" smtClean="0">
+              <a:rPr lang="en-US" altLang="ru-RU" sz="1400" b="1" dirty="0">
                 <a:solidFill>
                   <a:srgbClr val="FF0000"/>
                 </a:solidFill>
@@ -13888,7 +13299,7 @@
               <a:t>// more general </a:t>
             </a:r>
             <a:r>
-              <a:rPr lang="en-US" altLang="ru-RU" sz="1400" b="1" dirty="0" err="1" smtClean="0">
+              <a:rPr lang="en-US" altLang="ru-RU" sz="1400" b="1" dirty="0" err="1">
                 <a:solidFill>
                   <a:srgbClr val="FF0000"/>
                 </a:solidFill>
@@ -13898,7 +13309,7 @@
               <a:t>superclasses</a:t>
             </a:r>
             <a:r>
-              <a:rPr lang="en-US" altLang="ru-RU" sz="1400" b="1" dirty="0" smtClean="0">
+              <a:rPr lang="en-US" altLang="ru-RU" sz="1400" b="1" dirty="0">
                 <a:solidFill>
                   <a:srgbClr val="FF0000"/>
                 </a:solidFill>
@@ -13907,8 +13318,8 @@
               </a:rPr>
               <a:t> must be caught after their subclasses.</a:t>
             </a:r>
-            <a:r>
-              <a:rPr kumimoji="0" lang="ru-RU" altLang="ru-RU" sz="1400" b="0" i="0" u="none" strike="noStrike" cap="none" normalizeH="0" baseline="0" dirty="0" smtClean="0">
+            <a:br>
+              <a:rPr kumimoji="0" lang="ru-RU" altLang="ru-RU" sz="1400" b="0" i="0" u="none" strike="noStrike" cap="none" normalizeH="0" baseline="0" dirty="0">
                 <a:ln>
                   <a:noFill/>
                 </a:ln>
@@ -13919,10 +13330,9 @@
                 <a:latin typeface="Courier New" panose="02070309020205020404" pitchFamily="49" charset="0"/>
                 <a:cs typeface="Courier New" panose="02070309020205020404" pitchFamily="49" charset="0"/>
               </a:rPr>
-              <a:t/>
-            </a:r>
-            <a:br>
-              <a:rPr kumimoji="0" lang="ru-RU" altLang="ru-RU" sz="1400" b="0" i="0" u="none" strike="noStrike" cap="none" normalizeH="0" baseline="0" dirty="0" smtClean="0">
+            </a:br>
+            <a:r>
+              <a:rPr kumimoji="0" lang="en-US" altLang="ru-RU" sz="1400" b="0" i="0" u="none" strike="noStrike" cap="none" normalizeH="0" baseline="0" dirty="0">
                 <a:ln>
                   <a:noFill/>
                 </a:ln>
@@ -13933,9 +13343,10 @@
                 <a:latin typeface="Courier New" panose="02070309020205020404" pitchFamily="49" charset="0"/>
                 <a:cs typeface="Courier New" panose="02070309020205020404" pitchFamily="49" charset="0"/>
               </a:rPr>
-            </a:br>
-            <a:r>
-              <a:rPr kumimoji="0" lang="en-US" altLang="ru-RU" sz="1400" b="0" i="0" u="none" strike="noStrike" cap="none" normalizeH="0" baseline="0" dirty="0" smtClean="0">
+              <a:t>   </a:t>
+            </a:r>
+            <a:r>
+              <a:rPr kumimoji="0" lang="ru-RU" altLang="ru-RU" sz="1400" b="0" i="0" u="none" strike="noStrike" cap="none" normalizeH="0" baseline="0" dirty="0">
                 <a:ln>
                   <a:noFill/>
                 </a:ln>
@@ -13946,20 +13357,6 @@
                 <a:latin typeface="Courier New" panose="02070309020205020404" pitchFamily="49" charset="0"/>
                 <a:cs typeface="Courier New" panose="02070309020205020404" pitchFamily="49" charset="0"/>
               </a:rPr>
-              <a:t>   </a:t>
-            </a:r>
-            <a:r>
-              <a:rPr kumimoji="0" lang="ru-RU" altLang="ru-RU" sz="1400" b="0" i="0" u="none" strike="noStrike" cap="none" normalizeH="0" baseline="0" dirty="0" smtClean="0">
-                <a:ln>
-                  <a:noFill/>
-                </a:ln>
-                <a:solidFill>
-                  <a:srgbClr val="FF0000"/>
-                </a:solidFill>
-                <a:effectLst/>
-                <a:latin typeface="Courier New" panose="02070309020205020404" pitchFamily="49" charset="0"/>
-                <a:cs typeface="Courier New" panose="02070309020205020404" pitchFamily="49" charset="0"/>
-              </a:rPr>
               <a:t> </a:t>
             </a:r>
             <a:r>
@@ -13972,7 +13369,7 @@
               </a:rPr>
               <a:t>}</a:t>
             </a:r>
-            <a:endParaRPr kumimoji="0" lang="en-US" altLang="ru-RU" sz="1400" b="0" i="0" u="none" strike="noStrike" cap="none" normalizeH="0" baseline="0" dirty="0" smtClean="0">
+            <a:endParaRPr kumimoji="0" lang="en-US" altLang="ru-RU" sz="1400" b="0" i="0" u="none" strike="noStrike" cap="none" normalizeH="0" baseline="0" dirty="0">
               <a:ln>
                 <a:noFill/>
               </a:ln>
@@ -13998,7 +13395,7 @@
               <a:buNone/>
             </a:pPr>
             <a:r>
-              <a:rPr kumimoji="0" lang="en-US" altLang="ru-RU" sz="1400" b="0" i="0" u="none" strike="noStrike" cap="none" normalizeH="0" baseline="0" dirty="0" smtClean="0">
+              <a:rPr kumimoji="0" lang="en-US" altLang="ru-RU" sz="1400" b="0" i="0" u="none" strike="noStrike" cap="none" normalizeH="0" baseline="0" dirty="0">
                 <a:ln>
                   <a:noFill/>
                 </a:ln>
@@ -14011,22 +13408,8 @@
               </a:rPr>
               <a:t> </a:t>
             </a:r>
-            <a:r>
-              <a:rPr kumimoji="0" lang="ru-RU" altLang="ru-RU" sz="1400" b="0" i="0" u="none" strike="noStrike" cap="none" normalizeH="0" baseline="0" dirty="0" smtClean="0">
-                <a:ln>
-                  <a:noFill/>
-                </a:ln>
-                <a:solidFill>
-                  <a:srgbClr val="000000"/>
-                </a:solidFill>
-                <a:effectLst/>
-                <a:latin typeface="Courier New" panose="02070309020205020404" pitchFamily="49" charset="0"/>
-                <a:cs typeface="Courier New" panose="02070309020205020404" pitchFamily="49" charset="0"/>
-              </a:rPr>
-              <a:t/>
-            </a:r>
             <a:br>
-              <a:rPr kumimoji="0" lang="ru-RU" altLang="ru-RU" sz="1400" b="0" i="0" u="none" strike="noStrike" cap="none" normalizeH="0" baseline="0" dirty="0" smtClean="0">
+              <a:rPr kumimoji="0" lang="ru-RU" altLang="ru-RU" sz="1400" b="0" i="0" u="none" strike="noStrike" cap="none" normalizeH="0" baseline="0" dirty="0">
                 <a:ln>
                   <a:noFill/>
                 </a:ln>
@@ -14039,7 +13422,7 @@
               </a:rPr>
             </a:br>
             <a:r>
-              <a:rPr kumimoji="0" lang="en-US" altLang="ru-RU" sz="1400" b="0" i="0" u="none" strike="noStrike" cap="none" normalizeH="0" baseline="0" dirty="0" smtClean="0">
+              <a:rPr kumimoji="0" lang="en-US" altLang="ru-RU" sz="1400" b="0" i="0" u="none" strike="noStrike" cap="none" normalizeH="0" baseline="0" dirty="0">
                 <a:ln>
                   <a:noFill/>
                 </a:ln>
@@ -14053,7 +13436,7 @@
               <a:t>    </a:t>
             </a:r>
             <a:r>
-              <a:rPr kumimoji="0" lang="ru-RU" altLang="ru-RU" sz="1400" b="1" i="0" u="none" strike="noStrike" cap="none" normalizeH="0" baseline="0" dirty="0" smtClean="0">
+              <a:rPr kumimoji="0" lang="ru-RU" altLang="ru-RU" sz="1400" b="1" i="0" u="none" strike="noStrike" cap="none" normalizeH="0" baseline="0" dirty="0">
                 <a:ln>
                   <a:noFill/>
                 </a:ln>
@@ -14067,7 +13450,7 @@
               <a:t>private </a:t>
             </a:r>
             <a:r>
-              <a:rPr kumimoji="0" lang="ru-RU" altLang="ru-RU" sz="1400" b="1" i="0" u="none" strike="noStrike" cap="none" normalizeH="0" baseline="0" dirty="0" err="1" smtClean="0">
+              <a:rPr kumimoji="0" lang="ru-RU" altLang="ru-RU" sz="1400" b="1" i="0" u="none" strike="noStrike" cap="none" normalizeH="0" baseline="0" dirty="0" err="1">
                 <a:ln>
                   <a:noFill/>
                 </a:ln>
@@ -14081,7 +13464,7 @@
               <a:t>void</a:t>
             </a:r>
             <a:r>
-              <a:rPr kumimoji="0" lang="ru-RU" altLang="ru-RU" sz="1400" b="1" i="0" u="none" strike="noStrike" cap="none" normalizeH="0" baseline="0" dirty="0" smtClean="0">
+              <a:rPr kumimoji="0" lang="ru-RU" altLang="ru-RU" sz="1400" b="1" i="0" u="none" strike="noStrike" cap="none" normalizeH="0" baseline="0" dirty="0">
                 <a:ln>
                   <a:noFill/>
                 </a:ln>
@@ -14095,7 +13478,7 @@
               <a:t> </a:t>
             </a:r>
             <a:r>
-              <a:rPr kumimoji="0" lang="ru-RU" altLang="ru-RU" sz="1400" b="0" i="0" u="none" strike="noStrike" cap="none" normalizeH="0" baseline="0" dirty="0" err="1" smtClean="0">
+              <a:rPr kumimoji="0" lang="ru-RU" altLang="ru-RU" sz="1400" b="0" i="0" u="none" strike="noStrike" cap="none" normalizeH="0" baseline="0" dirty="0" err="1">
                 <a:ln>
                   <a:noFill/>
                 </a:ln>
@@ -14109,7 +13492,7 @@
               <a:t>mightThrow</a:t>
             </a:r>
             <a:r>
-              <a:rPr kumimoji="0" lang="ru-RU" altLang="ru-RU" sz="1400" b="0" i="0" u="none" strike="noStrike" cap="none" normalizeH="0" baseline="0" dirty="0" smtClean="0">
+              <a:rPr kumimoji="0" lang="ru-RU" altLang="ru-RU" sz="1400" b="0" i="0" u="none" strike="noStrike" cap="none" normalizeH="0" baseline="0" dirty="0">
                 <a:ln>
                   <a:noFill/>
                 </a:ln>
@@ -14123,7 +13506,7 @@
               <a:t>() </a:t>
             </a:r>
             <a:r>
-              <a:rPr kumimoji="0" lang="ru-RU" altLang="ru-RU" sz="1400" b="1" i="0" u="none" strike="noStrike" cap="none" normalizeH="0" baseline="0" dirty="0" err="1" smtClean="0">
+              <a:rPr kumimoji="0" lang="ru-RU" altLang="ru-RU" sz="1400" b="1" i="0" u="none" strike="noStrike" cap="none" normalizeH="0" baseline="0" dirty="0" err="1">
                 <a:ln>
                   <a:noFill/>
                 </a:ln>
@@ -14137,7 +13520,7 @@
               <a:t>throws</a:t>
             </a:r>
             <a:r>
-              <a:rPr kumimoji="0" lang="ru-RU" altLang="ru-RU" sz="1400" b="1" i="0" u="none" strike="noStrike" cap="none" normalizeH="0" baseline="0" dirty="0" smtClean="0">
+              <a:rPr kumimoji="0" lang="ru-RU" altLang="ru-RU" sz="1400" b="1" i="0" u="none" strike="noStrike" cap="none" normalizeH="0" baseline="0" dirty="0">
                 <a:ln>
                   <a:noFill/>
                 </a:ln>
@@ -14151,7 +13534,7 @@
               <a:t> </a:t>
             </a:r>
             <a:r>
-              <a:rPr kumimoji="0" lang="ru-RU" altLang="ru-RU" sz="1400" b="0" i="0" u="none" strike="noStrike" cap="none" normalizeH="0" baseline="0" dirty="0" err="1" smtClean="0">
+              <a:rPr kumimoji="0" lang="ru-RU" altLang="ru-RU" sz="1400" b="0" i="0" u="none" strike="noStrike" cap="none" normalizeH="0" baseline="0" dirty="0" err="1">
                 <a:ln>
                   <a:noFill/>
                 </a:ln>
@@ -14165,7 +13548,7 @@
               <a:t>DateTimeParseException</a:t>
             </a:r>
             <a:r>
-              <a:rPr kumimoji="0" lang="ru-RU" altLang="ru-RU" sz="1400" b="0" i="0" u="none" strike="noStrike" cap="none" normalizeH="0" baseline="0" dirty="0" smtClean="0">
+              <a:rPr kumimoji="0" lang="ru-RU" altLang="ru-RU" sz="1400" b="0" i="0" u="none" strike="noStrike" cap="none" normalizeH="0" baseline="0" dirty="0">
                 <a:ln>
                   <a:noFill/>
                 </a:ln>
@@ -14179,7 +13562,7 @@
               <a:t>, </a:t>
             </a:r>
             <a:r>
-              <a:rPr kumimoji="0" lang="ru-RU" altLang="ru-RU" sz="1400" b="0" i="0" u="none" strike="noStrike" cap="none" normalizeH="0" baseline="0" dirty="0" err="1" smtClean="0">
+              <a:rPr kumimoji="0" lang="ru-RU" altLang="ru-RU" sz="1400" b="0" i="0" u="none" strike="noStrike" cap="none" normalizeH="0" baseline="0" dirty="0" err="1">
                 <a:ln>
                   <a:noFill/>
                 </a:ln>
@@ -14193,7 +13576,7 @@
               <a:t>IOException</a:t>
             </a:r>
             <a:r>
-              <a:rPr kumimoji="0" lang="ru-RU" altLang="ru-RU" sz="1400" b="0" i="0" u="none" strike="noStrike" cap="none" normalizeH="0" baseline="0" dirty="0" smtClean="0">
+              <a:rPr kumimoji="0" lang="ru-RU" altLang="ru-RU" sz="1400" b="0" i="0" u="none" strike="noStrike" cap="none" normalizeH="0" baseline="0" dirty="0">
                 <a:ln>
                   <a:noFill/>
                 </a:ln>
@@ -14207,7 +13590,7 @@
               <a:t> {</a:t>
             </a:r>
             <a:br>
-              <a:rPr kumimoji="0" lang="ru-RU" altLang="ru-RU" sz="1400" b="0" i="0" u="none" strike="noStrike" cap="none" normalizeH="0" baseline="0" dirty="0" smtClean="0">
+              <a:rPr kumimoji="0" lang="ru-RU" altLang="ru-RU" sz="1400" b="0" i="0" u="none" strike="noStrike" cap="none" normalizeH="0" baseline="0" dirty="0">
                 <a:ln>
                   <a:noFill/>
                 </a:ln>
@@ -14220,7 +13603,7 @@
               </a:rPr>
             </a:br>
             <a:r>
-              <a:rPr kumimoji="0" lang="en-US" altLang="ru-RU" sz="1400" b="0" i="0" u="none" strike="noStrike" cap="none" normalizeH="0" baseline="0" dirty="0" smtClean="0">
+              <a:rPr kumimoji="0" lang="en-US" altLang="ru-RU" sz="1400" b="0" i="0" u="none" strike="noStrike" cap="none" normalizeH="0" baseline="0" dirty="0">
                 <a:ln>
                   <a:noFill/>
                 </a:ln>
@@ -14234,7 +13617,7 @@
               <a:t>    </a:t>
             </a:r>
             <a:r>
-              <a:rPr kumimoji="0" lang="ru-RU" altLang="ru-RU" sz="1400" b="0" i="0" u="none" strike="noStrike" cap="none" normalizeH="0" baseline="0" dirty="0" smtClean="0">
+              <a:rPr kumimoji="0" lang="ru-RU" altLang="ru-RU" sz="1400" b="0" i="0" u="none" strike="noStrike" cap="none" normalizeH="0" baseline="0" dirty="0">
                 <a:ln>
                   <a:noFill/>
                 </a:ln>
@@ -14270,13 +13653,6 @@
   <p:clrMapOvr>
     <a:masterClrMapping/>
   </p:clrMapOvr>
-  <p:timing>
-    <p:tnLst>
-      <p:par>
-        <p:cTn id="1" dur="indefinite" restart="never" nodeType="tmRoot"/>
-      </p:par>
-    </p:tnLst>
-  </p:timing>
 </p:sld>
 </file>
 
@@ -14356,13 +13732,6 @@
   <p:clrMapOvr>
     <a:masterClrMapping/>
   </p:clrMapOvr>
-  <p:timing>
-    <p:tnLst>
-      <p:par>
-        <p:cTn id="1" dur="indefinite" restart="never" nodeType="tmRoot"/>
-      </p:par>
-    </p:tnLst>
-  </p:timing>
 </p:sld>
 </file>
 
@@ -14522,12 +13891,8 @@
               <a:buAutoNum type="arabicPeriod"/>
             </a:pPr>
             <a:r>
-              <a:rPr lang="en-US" altLang="ru-RU" dirty="0" smtClean="0"/>
-              <a:t>Catch </a:t>
-            </a:r>
-            <a:r>
               <a:rPr lang="en-US" altLang="ru-RU" dirty="0"/>
-              <a:t>any errors</a:t>
+              <a:t>Catch any errors</a:t>
             </a:r>
           </a:p>
           <a:p>
@@ -14546,17 +13911,8 @@
             </a:pPr>
             <a:r>
               <a:rPr lang="en-US" altLang="ru-RU" dirty="0"/>
-              <a:t>Finally </a:t>
-            </a:r>
-            <a:r>
-              <a:rPr lang="en-US" altLang="ru-RU" dirty="0" smtClean="0"/>
-              <a:t>c</a:t>
-            </a:r>
-            <a:r>
-              <a:rPr lang="en-US" altLang="ru-RU" dirty="0" smtClean="0"/>
-              <a:t>lose resource</a:t>
-            </a:r>
-            <a:endParaRPr lang="en-US" altLang="ru-RU" dirty="0"/>
+              <a:t>Finally close resource</a:t>
+            </a:r>
           </a:p>
         </p:txBody>
       </p:sp>
@@ -14570,13 +13926,6 @@
   <p:clrMapOvr>
     <a:masterClrMapping/>
   </p:clrMapOvr>
-  <p:timing>
-    <p:tnLst>
-      <p:par>
-        <p:cTn id="1" dur="indefinite" restart="never" nodeType="tmRoot"/>
-      </p:par>
-    </p:tnLst>
-  </p:timing>
 </p:sld>
 </file>
 
@@ -15351,23 +14700,9 @@
                 <a:latin typeface="Courier New" panose="02070309020205020404" pitchFamily="49" charset="0"/>
                 <a:cs typeface="Courier New" panose="02070309020205020404" pitchFamily="49" charset="0"/>
               </a:rPr>
-              <a:t>(path2</a:t>
-            </a:r>
-            <a:r>
-              <a:rPr kumimoji="0" lang="uk-UA" altLang="uk-UA" sz="1400" b="0" i="0" u="none" strike="noStrike" cap="none" normalizeH="0" baseline="0" dirty="0" smtClean="0">
-                <a:ln>
-                  <a:noFill/>
-                </a:ln>
-                <a:solidFill>
-                  <a:srgbClr val="000000"/>
-                </a:solidFill>
-                <a:effectLst/>
-                <a:latin typeface="Courier New" panose="02070309020205020404" pitchFamily="49" charset="0"/>
-                <a:cs typeface="Courier New" panose="02070309020205020404" pitchFamily="49" charset="0"/>
-              </a:rPr>
-              <a:t>);</a:t>
-            </a:r>
-            <a:endParaRPr kumimoji="0" lang="en-US" altLang="uk-UA" sz="1400" b="0" i="0" u="none" strike="noStrike" cap="none" normalizeH="0" baseline="0" dirty="0" smtClean="0">
+              <a:t>(path2);</a:t>
+            </a:r>
+            <a:endParaRPr kumimoji="0" lang="en-US" altLang="uk-UA" sz="1400" b="0" i="0" u="none" strike="noStrike" cap="none" normalizeH="0" baseline="0" dirty="0">
               <a:ln>
                 <a:noFill/>
               </a:ln>
@@ -15389,7 +14724,7 @@
               </a:spcAft>
             </a:pPr>
             <a:r>
-              <a:rPr lang="en-US" altLang="uk-UA" sz="1400" dirty="0" smtClean="0">
+              <a:rPr lang="en-US" altLang="uk-UA" sz="1400" dirty="0">
                 <a:solidFill>
                   <a:srgbClr val="000000"/>
                 </a:solidFill>
@@ -15399,7 +14734,7 @@
               <a:t>       </a:t>
             </a:r>
             <a:r>
-              <a:rPr lang="uk-UA" altLang="uk-UA" sz="1400" dirty="0" smtClean="0">
+              <a:rPr lang="uk-UA" altLang="uk-UA" sz="1400" dirty="0">
                 <a:solidFill>
                   <a:srgbClr val="000000"/>
                 </a:solidFill>
@@ -15447,20 +14782,6 @@
                 <a:cs typeface="Courier New" panose="02070309020205020404" pitchFamily="49" charset="0"/>
               </a:rPr>
               <a:t>());</a:t>
-            </a:r>
-            <a:r>
-              <a:rPr kumimoji="0" lang="uk-UA" altLang="uk-UA" sz="1400" b="0" i="0" u="none" strike="noStrike" cap="none" normalizeH="0" baseline="0" dirty="0">
-                <a:ln>
-                  <a:noFill/>
-                </a:ln>
-                <a:solidFill>
-                  <a:srgbClr val="000000"/>
-                </a:solidFill>
-                <a:effectLst/>
-                <a:latin typeface="Courier New" panose="02070309020205020404" pitchFamily="49" charset="0"/>
-                <a:cs typeface="Courier New" panose="02070309020205020404" pitchFamily="49" charset="0"/>
-              </a:rPr>
-              <a:t/>
             </a:r>
             <a:br>
               <a:rPr kumimoji="0" lang="uk-UA" altLang="uk-UA" sz="1400" b="0" i="0" u="none" strike="noStrike" cap="none" normalizeH="0" baseline="0" dirty="0">
@@ -15573,7 +14894,7 @@
               </a:rPr>
             </a:br>
             <a:r>
-              <a:rPr kumimoji="0" lang="en-US" altLang="uk-UA" sz="1400" b="0" i="0" u="none" strike="noStrike" cap="none" normalizeH="0" baseline="0" dirty="0" smtClean="0">
+              <a:rPr kumimoji="0" lang="en-US" altLang="uk-UA" sz="1400" b="0" i="0" u="none" strike="noStrike" cap="none" normalizeH="0" baseline="0" dirty="0">
                 <a:ln>
                   <a:noFill/>
                 </a:ln>
@@ -15587,7 +14908,7 @@
               <a:t>       </a:t>
             </a:r>
             <a:r>
-              <a:rPr lang="uk-UA" altLang="uk-UA" sz="1400" dirty="0" smtClean="0">
+              <a:rPr lang="uk-UA" altLang="uk-UA" sz="1400" dirty="0">
                 <a:solidFill>
                   <a:srgbClr val="000000"/>
                 </a:solidFill>
@@ -15615,20 +14936,6 @@
                 <a:cs typeface="Courier New" panose="02070309020205020404" pitchFamily="49" charset="0"/>
               </a:rPr>
               <a:t>e);</a:t>
-            </a:r>
-            <a:r>
-              <a:rPr kumimoji="0" lang="uk-UA" altLang="uk-UA" sz="1400" b="0" i="0" u="none" strike="noStrike" cap="none" normalizeH="0" baseline="0" dirty="0">
-                <a:ln>
-                  <a:noFill/>
-                </a:ln>
-                <a:solidFill>
-                  <a:srgbClr val="000000"/>
-                </a:solidFill>
-                <a:effectLst/>
-                <a:latin typeface="Courier New" panose="02070309020205020404" pitchFamily="49" charset="0"/>
-                <a:cs typeface="Courier New" panose="02070309020205020404" pitchFamily="49" charset="0"/>
-              </a:rPr>
-              <a:t/>
             </a:r>
             <a:br>
               <a:rPr kumimoji="0" lang="uk-UA" altLang="uk-UA" sz="1400" b="0" i="0" u="none" strike="noStrike" cap="none" normalizeH="0" baseline="0" dirty="0">
@@ -15988,24 +15295,10 @@
                 <a:latin typeface="Courier New" panose="02070309020205020404" pitchFamily="49" charset="0"/>
                 <a:cs typeface="Courier New" panose="02070309020205020404" pitchFamily="49" charset="0"/>
               </a:rPr>
-              <a:t> e) </a:t>
-            </a:r>
-            <a:r>
-              <a:rPr kumimoji="0" lang="uk-UA" altLang="uk-UA" sz="1400" b="0" i="0" u="none" strike="noStrike" cap="none" normalizeH="0" baseline="0" dirty="0" smtClean="0">
-                <a:ln>
-                  <a:noFill/>
-                </a:ln>
-                <a:solidFill>
-                  <a:srgbClr val="000000"/>
-                </a:solidFill>
-                <a:effectLst/>
-                <a:latin typeface="Courier New" panose="02070309020205020404" pitchFamily="49" charset="0"/>
-                <a:cs typeface="Courier New" panose="02070309020205020404" pitchFamily="49" charset="0"/>
-              </a:rPr>
-              <a:t>{</a:t>
-            </a:r>
-            <a:r>
-              <a:rPr kumimoji="0" lang="en-US" altLang="uk-UA" sz="1400" b="0" i="0" u="none" strike="noStrike" cap="none" normalizeH="0" baseline="0" dirty="0" smtClean="0">
+              <a:t> e) {</a:t>
+            </a:r>
+            <a:r>
+              <a:rPr kumimoji="0" lang="en-US" altLang="uk-UA" sz="1400" b="0" i="0" u="none" strike="noStrike" cap="none" normalizeH="0" baseline="0" dirty="0">
                 <a:ln>
                   <a:noFill/>
                 </a:ln>
@@ -16018,22 +15311,8 @@
               </a:rPr>
               <a:t> </a:t>
             </a:r>
-            <a:r>
-              <a:rPr kumimoji="0" lang="uk-UA" altLang="uk-UA" sz="1400" b="0" i="0" u="none" strike="noStrike" cap="none" normalizeH="0" baseline="0" dirty="0" smtClean="0">
-                <a:ln>
-                  <a:noFill/>
-                </a:ln>
-                <a:solidFill>
-                  <a:srgbClr val="000000"/>
-                </a:solidFill>
-                <a:effectLst/>
-                <a:latin typeface="Courier New" panose="02070309020205020404" pitchFamily="49" charset="0"/>
-                <a:cs typeface="Courier New" panose="02070309020205020404" pitchFamily="49" charset="0"/>
-              </a:rPr>
-              <a:t/>
-            </a:r>
             <a:br>
-              <a:rPr kumimoji="0" lang="uk-UA" altLang="uk-UA" sz="1400" b="0" i="0" u="none" strike="noStrike" cap="none" normalizeH="0" baseline="0" dirty="0" smtClean="0">
+              <a:rPr kumimoji="0" lang="uk-UA" altLang="uk-UA" sz="1400" b="0" i="0" u="none" strike="noStrike" cap="none" normalizeH="0" baseline="0" dirty="0">
                 <a:ln>
                   <a:noFill/>
                 </a:ln>
@@ -16046,7 +15325,7 @@
               </a:rPr>
             </a:br>
             <a:r>
-              <a:rPr kumimoji="0" lang="uk-UA" altLang="uk-UA" sz="1400" b="0" i="0" u="none" strike="noStrike" cap="none" normalizeH="0" baseline="0" dirty="0" smtClean="0">
+              <a:rPr kumimoji="0" lang="uk-UA" altLang="uk-UA" sz="1400" b="0" i="0" u="none" strike="noStrike" cap="none" normalizeH="0" baseline="0" dirty="0">
                 <a:ln>
                   <a:noFill/>
                 </a:ln>
@@ -16060,7 +15339,7 @@
               <a:t>            </a:t>
             </a:r>
             <a:r>
-              <a:rPr lang="uk-UA" altLang="uk-UA" sz="1400" dirty="0" smtClean="0">
+              <a:rPr lang="uk-UA" altLang="uk-UA" sz="1400" dirty="0">
                 <a:solidFill>
                   <a:srgbClr val="000000"/>
                 </a:solidFill>
@@ -16090,7 +15369,7 @@
               <a:t>e);</a:t>
             </a:r>
             <a:r>
-              <a:rPr kumimoji="0" lang="uk-UA" altLang="uk-UA" sz="1400" b="0" i="0" u="none" strike="noStrike" cap="none" normalizeH="0" baseline="0" dirty="0" smtClean="0">
+              <a:rPr kumimoji="0" lang="uk-UA" altLang="uk-UA" sz="1400" b="0" i="0" u="none" strike="noStrike" cap="none" normalizeH="0" baseline="0" dirty="0">
                 <a:ln>
                   <a:noFill/>
                 </a:ln>
@@ -16103,7 +15382,7 @@
               </a:rPr>
               <a:t>        </a:t>
             </a:r>
-            <a:endParaRPr kumimoji="0" lang="en-US" altLang="uk-UA" sz="1400" b="0" i="0" u="none" strike="noStrike" cap="none" normalizeH="0" baseline="0" dirty="0" smtClean="0">
+            <a:endParaRPr kumimoji="0" lang="en-US" altLang="uk-UA" sz="1400" b="0" i="0" u="none" strike="noStrike" cap="none" normalizeH="0" baseline="0" dirty="0">
               <a:ln>
                 <a:noFill/>
               </a:ln>
@@ -16132,20 +15411,10 @@
                 <a:latin typeface="Courier New" panose="02070309020205020404" pitchFamily="49" charset="0"/>
                 <a:cs typeface="Courier New" panose="02070309020205020404" pitchFamily="49" charset="0"/>
               </a:rPr>
-              <a:t> </a:t>
-            </a:r>
-            <a:r>
-              <a:rPr lang="en-US" altLang="uk-UA" sz="1400" dirty="0" smtClean="0">
-                <a:solidFill>
-                  <a:srgbClr val="000000"/>
-                </a:solidFill>
-                <a:latin typeface="Courier New" panose="02070309020205020404" pitchFamily="49" charset="0"/>
-                <a:cs typeface="Courier New" panose="02070309020205020404" pitchFamily="49" charset="0"/>
-              </a:rPr>
-              <a:t>       </a:t>
-            </a:r>
-            <a:r>
-              <a:rPr kumimoji="0" lang="uk-UA" altLang="uk-UA" sz="1400" b="0" i="0" u="none" strike="noStrike" cap="none" normalizeH="0" baseline="0" dirty="0" smtClean="0">
+              <a:t>        </a:t>
+            </a:r>
+            <a:r>
+              <a:rPr kumimoji="0" lang="uk-UA" altLang="uk-UA" sz="1400" b="0" i="0" u="none" strike="noStrike" cap="none" normalizeH="0" baseline="0" dirty="0">
                 <a:ln>
                   <a:noFill/>
                 </a:ln>
@@ -16157,20 +15426,6 @@
                 <a:cs typeface="Courier New" panose="02070309020205020404" pitchFamily="49" charset="0"/>
               </a:rPr>
               <a:t>}</a:t>
-            </a:r>
-            <a:r>
-              <a:rPr kumimoji="0" lang="uk-UA" altLang="uk-UA" sz="1400" b="0" i="0" u="none" strike="noStrike" cap="none" normalizeH="0" baseline="0" dirty="0">
-                <a:ln>
-                  <a:noFill/>
-                </a:ln>
-                <a:solidFill>
-                  <a:srgbClr val="000000"/>
-                </a:solidFill>
-                <a:effectLst/>
-                <a:latin typeface="Courier New" panose="02070309020205020404" pitchFamily="49" charset="0"/>
-                <a:cs typeface="Courier New" panose="02070309020205020404" pitchFamily="49" charset="0"/>
-              </a:rPr>
-              <a:t/>
             </a:r>
             <a:br>
               <a:rPr kumimoji="0" lang="uk-UA" altLang="uk-UA" sz="1400" b="0" i="0" u="none" strike="noStrike" cap="none" normalizeH="0" baseline="0" dirty="0">
@@ -16546,19 +15801,9 @@
                 <a:latin typeface="Courier New" panose="02070309020205020404" pitchFamily="49" charset="0"/>
                 <a:cs typeface="Courier New" panose="02070309020205020404" pitchFamily="49" charset="0"/>
               </a:rPr>
-              <a:t>e</a:t>
-            </a:r>
-            <a:r>
-              <a:rPr lang="uk-UA" altLang="uk-UA" sz="1400" dirty="0" smtClean="0">
-                <a:solidFill>
-                  <a:srgbClr val="000000"/>
-                </a:solidFill>
-                <a:latin typeface="Courier New" panose="02070309020205020404" pitchFamily="49" charset="0"/>
-                <a:cs typeface="Courier New" panose="02070309020205020404" pitchFamily="49" charset="0"/>
-              </a:rPr>
-              <a:t>);</a:t>
-            </a:r>
-            <a:endParaRPr lang="en-US" altLang="uk-UA" sz="1400" dirty="0" smtClean="0">
+              <a:t>e);</a:t>
+            </a:r>
+            <a:endParaRPr lang="en-US" altLang="uk-UA" sz="1400" dirty="0">
               <a:solidFill>
                 <a:srgbClr val="000000"/>
               </a:solidFill>
@@ -16576,20 +15821,6 @@
               </a:spcAft>
             </a:pPr>
             <a:r>
-              <a:rPr kumimoji="0" lang="uk-UA" altLang="uk-UA" sz="1400" b="0" i="0" u="none" strike="noStrike" cap="none" normalizeH="0" baseline="0" dirty="0" smtClean="0">
-                <a:ln>
-                  <a:noFill/>
-                </a:ln>
-                <a:solidFill>
-                  <a:srgbClr val="000000"/>
-                </a:solidFill>
-                <a:effectLst/>
-                <a:latin typeface="Courier New" panose="02070309020205020404" pitchFamily="49" charset="0"/>
-                <a:cs typeface="Courier New" panose="02070309020205020404" pitchFamily="49" charset="0"/>
-              </a:rPr>
-              <a:t>        </a:t>
-            </a:r>
-            <a:r>
               <a:rPr kumimoji="0" lang="uk-UA" altLang="uk-UA" sz="1400" b="0" i="0" u="none" strike="noStrike" cap="none" normalizeH="0" baseline="0" dirty="0">
                 <a:ln>
                   <a:noFill/>
@@ -16601,7 +15832,7 @@
                 <a:latin typeface="Courier New" panose="02070309020205020404" pitchFamily="49" charset="0"/>
                 <a:cs typeface="Courier New" panose="02070309020205020404" pitchFamily="49" charset="0"/>
               </a:rPr>
-              <a:t>}</a:t>
+              <a:t>        }</a:t>
             </a:r>
             <a:br>
               <a:rPr kumimoji="0" lang="uk-UA" altLang="uk-UA" sz="1400" b="0" i="0" u="none" strike="noStrike" cap="none" normalizeH="0" baseline="0" dirty="0">
@@ -16680,13 +15911,6 @@
   <p:clrMapOvr>
     <a:masterClrMapping/>
   </p:clrMapOvr>
-  <p:timing>
-    <p:tnLst>
-      <p:par>
-        <p:cTn id="1" dur="indefinite" restart="never" nodeType="tmRoot"/>
-      </p:par>
-    </p:tnLst>
-  </p:timing>
 </p:sld>
 </file>
 
@@ -16816,13 +16040,6 @@
   <p:clrMapOvr>
     <a:masterClrMapping/>
   </p:clrMapOvr>
-  <p:timing>
-    <p:tnLst>
-      <p:par>
-        <p:cTn id="1" dur="indefinite" restart="never" nodeType="tmRoot"/>
-      </p:par>
-    </p:tnLst>
-  </p:timing>
 </p:sld>
 </file>
 
@@ -16864,7 +16081,7 @@
           <a:lstStyle/>
           <a:p>
             <a:r>
-              <a:rPr lang="en-US" dirty="0" smtClean="0"/>
+              <a:rPr lang="en-US" dirty="0"/>
               <a:t>Try-With-Resources</a:t>
             </a:r>
             <a:endParaRPr lang="ru-RU" dirty="0"/>
@@ -17124,27 +16341,7 @@
                 <a:latin typeface="Courier New" panose="02070309020205020404" pitchFamily="49" charset="0"/>
                 <a:cs typeface="Courier New" panose="02070309020205020404" pitchFamily="49" charset="0"/>
               </a:rPr>
-              <a:t> path2) </a:t>
-            </a:r>
-            <a:r>
-              <a:rPr lang="uk-UA" altLang="uk-UA" sz="1400" dirty="0" smtClean="0">
-                <a:solidFill>
-                  <a:srgbClr val="000000"/>
-                </a:solidFill>
-                <a:latin typeface="Courier New" panose="02070309020205020404" pitchFamily="49" charset="0"/>
-                <a:cs typeface="Courier New" panose="02070309020205020404" pitchFamily="49" charset="0"/>
-              </a:rPr>
-              <a:t>{</a:t>
-            </a:r>
-            <a:r>
-              <a:rPr lang="uk-UA" altLang="uk-UA" sz="1400" dirty="0">
-                <a:solidFill>
-                  <a:srgbClr val="000000"/>
-                </a:solidFill>
-                <a:latin typeface="Courier New" panose="02070309020205020404" pitchFamily="49" charset="0"/>
-                <a:cs typeface="Courier New" panose="02070309020205020404" pitchFamily="49" charset="0"/>
-              </a:rPr>
-              <a:t/>
+              <a:t> path2) {</a:t>
             </a:r>
             <a:br>
               <a:rPr lang="uk-UA" altLang="uk-UA" sz="1400" dirty="0">
@@ -17186,7 +16383,7 @@
               <a:t> </a:t>
             </a:r>
             <a:r>
-              <a:rPr lang="uk-UA" altLang="uk-UA" sz="1400" dirty="0" smtClean="0">
+              <a:rPr lang="uk-UA" altLang="uk-UA" sz="1400" dirty="0">
                 <a:solidFill>
                   <a:srgbClr val="000000"/>
                 </a:solidFill>
@@ -17195,7 +16392,7 @@
               </a:rPr>
               <a:t>(</a:t>
             </a:r>
-            <a:endParaRPr lang="en-US" altLang="uk-UA" sz="1400" dirty="0" smtClean="0">
+            <a:endParaRPr lang="en-US" altLang="uk-UA" sz="1400" dirty="0">
               <a:solidFill>
                 <a:srgbClr val="000000"/>
               </a:solidFill>
@@ -17220,20 +16417,10 @@
                 <a:latin typeface="Courier New" panose="02070309020205020404" pitchFamily="49" charset="0"/>
                 <a:cs typeface="Courier New" panose="02070309020205020404" pitchFamily="49" charset="0"/>
               </a:rPr>
-              <a:t> </a:t>
-            </a:r>
-            <a:r>
-              <a:rPr lang="en-US" altLang="uk-UA" sz="1400" dirty="0" smtClean="0">
-                <a:solidFill>
-                  <a:srgbClr val="000000"/>
-                </a:solidFill>
-                <a:latin typeface="Courier New" panose="02070309020205020404" pitchFamily="49" charset="0"/>
-                <a:cs typeface="Courier New" panose="02070309020205020404" pitchFamily="49" charset="0"/>
-              </a:rPr>
-              <a:t>       </a:t>
-            </a:r>
-            <a:r>
-              <a:rPr lang="uk-UA" altLang="uk-UA" sz="1400" dirty="0" err="1" smtClean="0">
+              <a:t>        </a:t>
+            </a:r>
+            <a:r>
+              <a:rPr lang="uk-UA" altLang="uk-UA" sz="1400" dirty="0" err="1">
                 <a:solidFill>
                   <a:srgbClr val="000000"/>
                 </a:solidFill>
@@ -17243,16 +16430,6 @@
               <a:t>BufferedReader</a:t>
             </a:r>
             <a:r>
-              <a:rPr lang="uk-UA" altLang="uk-UA" sz="1400" dirty="0" smtClean="0">
-                <a:solidFill>
-                  <a:srgbClr val="000000"/>
-                </a:solidFill>
-                <a:latin typeface="Courier New" panose="02070309020205020404" pitchFamily="49" charset="0"/>
-                <a:cs typeface="Courier New" panose="02070309020205020404" pitchFamily="49" charset="0"/>
-              </a:rPr>
-              <a:t> </a:t>
-            </a:r>
-            <a:r>
               <a:rPr lang="uk-UA" altLang="uk-UA" sz="1400" dirty="0">
                 <a:solidFill>
                   <a:srgbClr val="000000"/>
@@ -17260,10 +16437,10 @@
                 <a:latin typeface="Courier New" panose="02070309020205020404" pitchFamily="49" charset="0"/>
                 <a:cs typeface="Courier New" panose="02070309020205020404" pitchFamily="49" charset="0"/>
               </a:rPr>
-              <a:t>in = </a:t>
-            </a:r>
-            <a:r>
-              <a:rPr lang="en-US" altLang="uk-UA" sz="1400" dirty="0" smtClean="0">
+              <a:t> in = </a:t>
+            </a:r>
+            <a:r>
+              <a:rPr lang="en-US" altLang="uk-UA" sz="1400" dirty="0">
                 <a:solidFill>
                   <a:srgbClr val="000000"/>
                 </a:solidFill>
@@ -17273,7 +16450,7 @@
               <a:t>Files.</a:t>
             </a:r>
             <a:r>
-              <a:rPr lang="uk-UA" altLang="uk-UA" sz="1400" i="1" dirty="0" err="1" smtClean="0">
+              <a:rPr lang="uk-UA" altLang="uk-UA" sz="1400" i="1" dirty="0" err="1">
                 <a:solidFill>
                   <a:srgbClr val="000000"/>
                 </a:solidFill>
@@ -17283,16 +16460,6 @@
               <a:t>newBufferedReader</a:t>
             </a:r>
             <a:r>
-              <a:rPr lang="uk-UA" altLang="uk-UA" sz="1400" dirty="0" smtClean="0">
-                <a:solidFill>
-                  <a:srgbClr val="000000"/>
-                </a:solidFill>
-                <a:latin typeface="Courier New" panose="02070309020205020404" pitchFamily="49" charset="0"/>
-                <a:cs typeface="Courier New" panose="02070309020205020404" pitchFamily="49" charset="0"/>
-              </a:rPr>
-              <a:t>(path1</a:t>
-            </a:r>
-            <a:r>
               <a:rPr lang="uk-UA" altLang="uk-UA" sz="1400" dirty="0">
                 <a:solidFill>
                   <a:srgbClr val="000000"/>
@@ -17300,7 +16467,7 @@
                 <a:latin typeface="Courier New" panose="02070309020205020404" pitchFamily="49" charset="0"/>
                 <a:cs typeface="Courier New" panose="02070309020205020404" pitchFamily="49" charset="0"/>
               </a:rPr>
-              <a:t>);</a:t>
+              <a:t>(path1);</a:t>
             </a:r>
             <a:br>
               <a:rPr lang="uk-UA" altLang="uk-UA" sz="1400" dirty="0">
@@ -17322,7 +16489,7 @@
               <a:t>        </a:t>
             </a:r>
             <a:r>
-              <a:rPr lang="uk-UA" altLang="uk-UA" sz="1400" dirty="0" err="1" smtClean="0">
+              <a:rPr lang="uk-UA" altLang="uk-UA" sz="1400" dirty="0" err="1">
                 <a:solidFill>
                   <a:srgbClr val="000000"/>
                 </a:solidFill>
@@ -17332,7 +16499,7 @@
               <a:t>BufferedWriter</a:t>
             </a:r>
             <a:r>
-              <a:rPr lang="uk-UA" altLang="uk-UA" sz="1400" dirty="0" smtClean="0">
+              <a:rPr lang="uk-UA" altLang="uk-UA" sz="1400" dirty="0">
                 <a:solidFill>
                   <a:srgbClr val="000000"/>
                 </a:solidFill>
@@ -17362,7 +16529,7 @@
               <a:t> = </a:t>
             </a:r>
             <a:r>
-              <a:rPr lang="en-US" altLang="uk-UA" sz="1400" dirty="0" smtClean="0">
+              <a:rPr lang="en-US" altLang="uk-UA" sz="1400" dirty="0">
                 <a:solidFill>
                   <a:srgbClr val="000000"/>
                 </a:solidFill>
@@ -17372,7 +16539,7 @@
               <a:t>Files.</a:t>
             </a:r>
             <a:r>
-              <a:rPr lang="uk-UA" altLang="uk-UA" sz="1400" i="1" dirty="0" err="1" smtClean="0">
+              <a:rPr lang="uk-UA" altLang="uk-UA" sz="1400" i="1" dirty="0" err="1">
                 <a:solidFill>
                   <a:srgbClr val="000000"/>
                 </a:solidFill>
@@ -17382,7 +16549,7 @@
               <a:t>newBufferedWriter</a:t>
             </a:r>
             <a:r>
-              <a:rPr lang="uk-UA" altLang="uk-UA" sz="1400" dirty="0" smtClean="0">
+              <a:rPr lang="uk-UA" altLang="uk-UA" sz="1400" dirty="0">
                 <a:solidFill>
                   <a:srgbClr val="000000"/>
                 </a:solidFill>
@@ -17391,7 +16558,7 @@
               </a:rPr>
               <a:t>(path2)</a:t>
             </a:r>
-            <a:endParaRPr lang="en-US" altLang="uk-UA" sz="1400" dirty="0" smtClean="0">
+            <a:endParaRPr lang="en-US" altLang="uk-UA" sz="1400" dirty="0">
               <a:solidFill>
                 <a:srgbClr val="000000"/>
               </a:solidFill>
@@ -17416,27 +16583,7 @@
                 <a:latin typeface="Courier New" panose="02070309020205020404" pitchFamily="49" charset="0"/>
                 <a:cs typeface="Courier New" panose="02070309020205020404" pitchFamily="49" charset="0"/>
               </a:rPr>
-              <a:t> </a:t>
-            </a:r>
-            <a:r>
-              <a:rPr lang="en-US" altLang="uk-UA" sz="1400" dirty="0" smtClean="0">
-                <a:solidFill>
-                  <a:srgbClr val="000000"/>
-                </a:solidFill>
-                <a:latin typeface="Courier New" panose="02070309020205020404" pitchFamily="49" charset="0"/>
-                <a:cs typeface="Courier New" panose="02070309020205020404" pitchFamily="49" charset="0"/>
-              </a:rPr>
-              <a:t>   </a:t>
-            </a:r>
-            <a:r>
-              <a:rPr lang="uk-UA" altLang="uk-UA" sz="1400" dirty="0" smtClean="0">
-                <a:solidFill>
-                  <a:srgbClr val="000000"/>
-                </a:solidFill>
-                <a:latin typeface="Courier New" panose="02070309020205020404" pitchFamily="49" charset="0"/>
-                <a:cs typeface="Courier New" panose="02070309020205020404" pitchFamily="49" charset="0"/>
-              </a:rPr>
-              <a:t>) </a:t>
+              <a:t>    </a:t>
             </a:r>
             <a:r>
               <a:rPr lang="uk-UA" altLang="uk-UA" sz="1400" dirty="0">
@@ -17446,7 +16593,7 @@
                 <a:latin typeface="Courier New" panose="02070309020205020404" pitchFamily="49" charset="0"/>
                 <a:cs typeface="Courier New" panose="02070309020205020404" pitchFamily="49" charset="0"/>
               </a:rPr>
-              <a:t>{</a:t>
+              <a:t>) {</a:t>
             </a:r>
             <a:br>
               <a:rPr lang="uk-UA" altLang="uk-UA" sz="1400" dirty="0">
@@ -17596,7 +16743,7 @@
               <a:t>        </a:t>
             </a:r>
             <a:r>
-              <a:rPr lang="en-US" altLang="uk-UA" sz="1400" dirty="0" smtClean="0">
+              <a:rPr lang="en-US" altLang="uk-UA" sz="1400" dirty="0">
                 <a:solidFill>
                   <a:srgbClr val="000000"/>
                 </a:solidFill>
@@ -17606,7 +16753,7 @@
               <a:t>log(</a:t>
             </a:r>
             <a:r>
-              <a:rPr lang="uk-UA" altLang="uk-UA" sz="1400" dirty="0" smtClean="0">
+              <a:rPr lang="uk-UA" altLang="uk-UA" sz="1400" dirty="0">
                 <a:solidFill>
                   <a:srgbClr val="000000"/>
                 </a:solidFill>
@@ -17614,16 +16761,6 @@
                 <a:cs typeface="Courier New" panose="02070309020205020404" pitchFamily="49" charset="0"/>
               </a:rPr>
               <a:t>e);</a:t>
-            </a:r>
-            <a:r>
-              <a:rPr lang="uk-UA" altLang="uk-UA" sz="1400" dirty="0">
-                <a:solidFill>
-                  <a:srgbClr val="000000"/>
-                </a:solidFill>
-                <a:latin typeface="Courier New" panose="02070309020205020404" pitchFamily="49" charset="0"/>
-                <a:cs typeface="Courier New" panose="02070309020205020404" pitchFamily="49" charset="0"/>
-              </a:rPr>
-              <a:t/>
             </a:r>
             <a:br>
               <a:rPr lang="uk-UA" altLang="uk-UA" sz="1400" dirty="0">
@@ -17762,13 +16899,6 @@
   <p:clrMapOvr>
     <a:masterClrMapping/>
   </p:clrMapOvr>
-  <p:timing>
-    <p:tnLst>
-      <p:par>
-        <p:cTn id="1" dur="indefinite" restart="never" nodeType="tmRoot"/>
-      </p:par>
-    </p:tnLst>
-  </p:timing>
 </p:sld>
 </file>
 
@@ -17805,12 +16935,8 @@
           <a:lstStyle/>
           <a:p>
             <a:r>
-              <a:rPr lang="en-US" dirty="0" smtClean="0"/>
-              <a:t>Try-With-Resources: Suppressed </a:t>
-            </a:r>
-            <a:r>
               <a:rPr lang="en-US" dirty="0"/>
-              <a:t>Exceptions</a:t>
+              <a:t>Try-With-Resources: Suppressed Exceptions</a:t>
             </a:r>
             <a:endParaRPr lang="ru-RU" dirty="0"/>
           </a:p>
@@ -17867,13 +16993,6 @@
   <p:clrMapOvr>
     <a:masterClrMapping/>
   </p:clrMapOvr>
-  <p:timing>
-    <p:tnLst>
-      <p:par>
-        <p:cTn id="1" dur="indefinite" restart="never" nodeType="tmRoot"/>
-      </p:par>
-    </p:tnLst>
-  </p:timing>
 </p:sld>
 </file>
 
@@ -17911,11 +17030,7 @@
           <a:p>
             <a:r>
               <a:rPr lang="en-US" dirty="0"/>
-              <a:t>Try-With-Resources: Suppressed </a:t>
-            </a:r>
-            <a:r>
-              <a:rPr lang="en-US" dirty="0"/>
-              <a:t>Exceptions</a:t>
+              <a:t>Try-With-Resources: Suppressed Exceptions</a:t>
             </a:r>
             <a:endParaRPr lang="ru-RU" dirty="0"/>
           </a:p>
@@ -17990,7 +17105,7 @@
               <a:buNone/>
             </a:pPr>
             <a:r>
-              <a:rPr lang="en-US" altLang="en-US" sz="1400" b="1" dirty="0" smtClean="0">
+              <a:rPr lang="en-US" altLang="en-US" sz="1400" b="1" dirty="0">
                 <a:solidFill>
                   <a:srgbClr val="000080"/>
                 </a:solidFill>
@@ -18089,7 +17204,7 @@
               <a:t> </a:t>
             </a:r>
             <a:r>
-              <a:rPr lang="en-US" altLang="en-US" sz="1400" b="1" dirty="0" err="1" smtClean="0">
+              <a:rPr lang="en-US" altLang="en-US" sz="1400" b="1" dirty="0" err="1">
                 <a:solidFill>
                   <a:srgbClr val="660E7A"/>
                 </a:solidFill>
@@ -18099,7 +17214,7 @@
               <a:t>maxVolume</a:t>
             </a:r>
             <a:r>
-              <a:rPr lang="en-US" altLang="en-US" sz="1400" dirty="0" smtClean="0">
+              <a:rPr lang="en-US" altLang="en-US" sz="1400" dirty="0">
                 <a:solidFill>
                   <a:srgbClr val="000000"/>
                 </a:solidFill>
@@ -18107,16 +17222,6 @@
                 <a:cs typeface="Courier New" panose="02070309020205020404" pitchFamily="49" charset="0"/>
               </a:rPr>
               <a:t>;</a:t>
-            </a:r>
-            <a:r>
-              <a:rPr lang="en-US" altLang="en-US" sz="1400" dirty="0">
-                <a:solidFill>
-                  <a:srgbClr val="000000"/>
-                </a:solidFill>
-                <a:latin typeface="Courier New" panose="02070309020205020404" pitchFamily="49" charset="0"/>
-                <a:cs typeface="Courier New" panose="02070309020205020404" pitchFamily="49" charset="0"/>
-              </a:rPr>
-              <a:t/>
             </a:r>
             <a:br>
               <a:rPr lang="en-US" altLang="en-US" sz="1400" dirty="0">
@@ -18168,7 +17273,7 @@
               <a:t> </a:t>
             </a:r>
             <a:r>
-              <a:rPr lang="en-US" altLang="en-US" sz="1400" b="1" dirty="0" err="1" smtClean="0">
+              <a:rPr lang="en-US" altLang="en-US" sz="1400" b="1" dirty="0" err="1">
                 <a:solidFill>
                   <a:srgbClr val="660E7A"/>
                 </a:solidFill>
@@ -18178,7 +17283,7 @@
               <a:t>currentVolume</a:t>
             </a:r>
             <a:r>
-              <a:rPr lang="en-US" altLang="en-US" sz="1400" dirty="0" smtClean="0">
+              <a:rPr lang="en-US" altLang="en-US" sz="1400" dirty="0">
                 <a:solidFill>
                   <a:srgbClr val="000000"/>
                 </a:solidFill>
@@ -18186,16 +17291,6 @@
                 <a:cs typeface="Courier New" panose="02070309020205020404" pitchFamily="49" charset="0"/>
               </a:rPr>
               <a:t>;</a:t>
-            </a:r>
-            <a:r>
-              <a:rPr lang="en-US" altLang="en-US" sz="1400" dirty="0">
-                <a:solidFill>
-                  <a:srgbClr val="000000"/>
-                </a:solidFill>
-                <a:latin typeface="Courier New" panose="02070309020205020404" pitchFamily="49" charset="0"/>
-                <a:cs typeface="Courier New" panose="02070309020205020404" pitchFamily="49" charset="0"/>
-              </a:rPr>
-              <a:t/>
             </a:r>
             <a:br>
               <a:rPr lang="en-US" altLang="en-US" sz="1400" dirty="0">
@@ -18206,7 +17301,7 @@
                 <a:cs typeface="Courier New" panose="02070309020205020404" pitchFamily="49" charset="0"/>
               </a:rPr>
             </a:br>
-            <a:endParaRPr lang="en-US" altLang="en-US" sz="1400" dirty="0" smtClean="0">
+            <a:endParaRPr lang="en-US" altLang="en-US" sz="1400" dirty="0">
               <a:solidFill>
                 <a:srgbClr val="000000"/>
               </a:solidFill>
@@ -18228,7 +17323,7 @@
               <a:buNone/>
             </a:pPr>
             <a:r>
-              <a:rPr lang="en-US" altLang="en-US" sz="1400" dirty="0" smtClean="0">
+              <a:rPr lang="en-US" altLang="en-US" sz="1400" dirty="0">
                 <a:solidFill>
                   <a:schemeClr val="bg2">
                     <a:lumMod val="25000"/>
@@ -18239,16 +17334,6 @@
               </a:rPr>
               <a:t>    // constructor</a:t>
             </a:r>
-            <a:r>
-              <a:rPr lang="en-US" altLang="en-US" sz="1400" dirty="0">
-                <a:solidFill>
-                  <a:srgbClr val="000000"/>
-                </a:solidFill>
-                <a:latin typeface="Courier New" panose="02070309020205020404" pitchFamily="49" charset="0"/>
-                <a:cs typeface="Courier New" panose="02070309020205020404" pitchFamily="49" charset="0"/>
-              </a:rPr>
-              <a:t/>
-            </a:r>
             <a:br>
               <a:rPr lang="en-US" altLang="en-US" sz="1400" dirty="0">
                 <a:solidFill>
@@ -18258,16 +17343,6 @@
                 <a:cs typeface="Courier New" panose="02070309020205020404" pitchFamily="49" charset="0"/>
               </a:rPr>
             </a:br>
-            <a:r>
-              <a:rPr lang="en-US" altLang="en-US" sz="1400" dirty="0">
-                <a:solidFill>
-                  <a:srgbClr val="000000"/>
-                </a:solidFill>
-                <a:latin typeface="Courier New" panose="02070309020205020404" pitchFamily="49" charset="0"/>
-                <a:cs typeface="Courier New" panose="02070309020205020404" pitchFamily="49" charset="0"/>
-              </a:rPr>
-              <a:t/>
-            </a:r>
             <a:br>
               <a:rPr lang="en-US" altLang="en-US" sz="1400" dirty="0">
                 <a:solidFill>
@@ -19096,16 +18171,6 @@
                 <a:cs typeface="Courier New" panose="02070309020205020404" pitchFamily="49" charset="0"/>
               </a:rPr>
             </a:br>
-            <a:r>
-              <a:rPr lang="en-US" altLang="en-US" sz="1400" dirty="0">
-                <a:solidFill>
-                  <a:srgbClr val="000000"/>
-                </a:solidFill>
-                <a:latin typeface="Courier New" panose="02070309020205020404" pitchFamily="49" charset="0"/>
-                <a:cs typeface="Courier New" panose="02070309020205020404" pitchFamily="49" charset="0"/>
-              </a:rPr>
-              <a:t/>
-            </a:r>
             <a:br>
               <a:rPr lang="en-US" altLang="en-US" sz="1400" dirty="0">
                 <a:solidFill>
@@ -19302,7 +18367,7 @@
               </a:rPr>
             </a:br>
             <a:r>
-              <a:rPr lang="en-US" altLang="en-US" sz="1400" dirty="0" smtClean="0">
+              <a:rPr lang="en-US" altLang="en-US" sz="1400" dirty="0">
                 <a:solidFill>
                   <a:srgbClr val="000000"/>
                 </a:solidFill>
@@ -19719,7 +18784,7 @@
               <a:buNone/>
               <a:tabLst/>
             </a:pPr>
-            <a:endParaRPr kumimoji="0" lang="en-US" altLang="en-US" sz="1800" b="0" i="0" u="none" strike="noStrike" cap="none" normalizeH="0" baseline="0" dirty="0" smtClean="0">
+            <a:endParaRPr kumimoji="0" lang="en-US" altLang="en-US" sz="1800" b="0" i="0" u="none" strike="noStrike" cap="none" normalizeH="0" baseline="0" dirty="0">
               <a:ln>
                 <a:noFill/>
               </a:ln>
@@ -19742,13 +18807,6 @@
   <p:clrMapOvr>
     <a:masterClrMapping/>
   </p:clrMapOvr>
-  <p:timing>
-    <p:tnLst>
-      <p:par>
-        <p:cTn id="1" dur="indefinite" restart="never" nodeType="tmRoot"/>
-      </p:par>
-    </p:tnLst>
-  </p:timing>
 </p:sld>
 </file>
 
@@ -19786,11 +18844,7 @@
           <a:p>
             <a:r>
               <a:rPr lang="en-US" dirty="0"/>
-              <a:t>Try-With-Resources: Suppressed </a:t>
-            </a:r>
-            <a:r>
-              <a:rPr lang="en-US" dirty="0"/>
-              <a:t>Exceptions</a:t>
+              <a:t>Try-With-Resources: Suppressed Exceptions</a:t>
             </a:r>
             <a:endParaRPr lang="ru-RU" dirty="0"/>
           </a:p>
@@ -19942,7 +18996,7 @@
               </a:spcAft>
             </a:pPr>
             <a:r>
-              <a:rPr lang="ru-RU" altLang="ru-RU" sz="1400" b="1" dirty="0" err="1" smtClean="0">
+              <a:rPr lang="ru-RU" altLang="ru-RU" sz="1400" b="1" dirty="0" err="1">
                 <a:solidFill>
                   <a:srgbClr val="000080"/>
                 </a:solidFill>
@@ -19952,7 +19006,7 @@
               <a:t>try</a:t>
             </a:r>
             <a:r>
-              <a:rPr lang="ru-RU" altLang="ru-RU" sz="1400" b="1" dirty="0" smtClean="0">
+              <a:rPr lang="ru-RU" altLang="ru-RU" sz="1400" b="1" dirty="0">
                 <a:solidFill>
                   <a:srgbClr val="000080"/>
                 </a:solidFill>
@@ -20061,7 +19115,7 @@
               </a:rPr>
             </a:br>
             <a:r>
-              <a:rPr lang="ru-RU" altLang="ru-RU" sz="1400" dirty="0" smtClean="0">
+              <a:rPr lang="ru-RU" altLang="ru-RU" sz="1400" dirty="0">
                 <a:solidFill>
                   <a:srgbClr val="000000"/>
                 </a:solidFill>
@@ -20120,7 +19174,7 @@
               </a:rPr>
             </a:br>
             <a:r>
-              <a:rPr lang="en-US" altLang="ru-RU" sz="1400" dirty="0" smtClean="0">
+              <a:rPr lang="en-US" altLang="ru-RU" sz="1400" dirty="0">
                 <a:solidFill>
                   <a:srgbClr val="000000"/>
                 </a:solidFill>
@@ -20130,7 +19184,7 @@
               <a:t>  </a:t>
             </a:r>
             <a:r>
-              <a:rPr lang="ru-RU" altLang="ru-RU" sz="1400" dirty="0" smtClean="0">
+              <a:rPr lang="ru-RU" altLang="ru-RU" sz="1400" dirty="0">
                 <a:solidFill>
                   <a:srgbClr val="000000"/>
                 </a:solidFill>
@@ -20189,7 +19243,7 @@
               </a:rPr>
             </a:br>
             <a:r>
-              <a:rPr lang="en-US" altLang="ru-RU" sz="1400" dirty="0" smtClean="0">
+              <a:rPr lang="en-US" altLang="ru-RU" sz="1400" dirty="0">
                 <a:solidFill>
                   <a:srgbClr val="000000"/>
                 </a:solidFill>
@@ -20199,7 +19253,7 @@
               <a:t> </a:t>
             </a:r>
             <a:r>
-              <a:rPr lang="ru-RU" altLang="ru-RU" sz="1400" dirty="0" smtClean="0">
+              <a:rPr lang="ru-RU" altLang="ru-RU" sz="1400" dirty="0">
                 <a:solidFill>
                   <a:srgbClr val="000000"/>
                 </a:solidFill>
@@ -20258,7 +19312,7 @@
               </a:rPr>
             </a:br>
             <a:r>
-              <a:rPr lang="ru-RU" altLang="ru-RU" sz="1400" dirty="0" smtClean="0">
+              <a:rPr lang="ru-RU" altLang="ru-RU" sz="1400" dirty="0">
                 <a:solidFill>
                   <a:srgbClr val="000000"/>
                 </a:solidFill>
@@ -20317,7 +19371,7 @@
               </a:rPr>
             </a:br>
             <a:r>
-              <a:rPr lang="ru-RU" altLang="ru-RU" sz="1400" dirty="0" smtClean="0">
+              <a:rPr lang="ru-RU" altLang="ru-RU" sz="1400" dirty="0">
                 <a:solidFill>
                   <a:srgbClr val="000000"/>
                 </a:solidFill>
@@ -20386,7 +19440,7 @@
               </a:rPr>
             </a:br>
             <a:r>
-              <a:rPr lang="ru-RU" altLang="ru-RU" sz="1400" dirty="0" smtClean="0">
+              <a:rPr lang="ru-RU" altLang="ru-RU" sz="1400" dirty="0">
                 <a:solidFill>
                   <a:srgbClr val="000000"/>
                 </a:solidFill>
@@ -20396,7 +19450,7 @@
               <a:t>    </a:t>
             </a:r>
             <a:r>
-              <a:rPr lang="en-US" altLang="ru-RU" sz="1400" dirty="0" smtClean="0">
+              <a:rPr lang="en-US" altLang="ru-RU" sz="1400" dirty="0">
                 <a:solidFill>
                   <a:srgbClr val="000000"/>
                 </a:solidFill>
@@ -20406,7 +19460,7 @@
               <a:t>log</a:t>
             </a:r>
             <a:r>
-              <a:rPr lang="ru-RU" altLang="ru-RU" sz="1400" dirty="0" smtClean="0">
+              <a:rPr lang="ru-RU" altLang="ru-RU" sz="1400" dirty="0">
                 <a:solidFill>
                   <a:srgbClr val="000000"/>
                 </a:solidFill>
@@ -20416,7 +19470,7 @@
               <a:t>(</a:t>
             </a:r>
             <a:r>
-              <a:rPr lang="ru-RU" altLang="ru-RU" sz="1400" b="1" dirty="0" smtClean="0">
+              <a:rPr lang="ru-RU" altLang="ru-RU" sz="1400" b="1" dirty="0">
                 <a:solidFill>
                   <a:srgbClr val="008000"/>
                 </a:solidFill>
@@ -20565,7 +19619,7 @@
               </a:rPr>
             </a:br>
             <a:r>
-              <a:rPr lang="ru-RU" altLang="ru-RU" sz="1400" dirty="0" smtClean="0">
+              <a:rPr lang="ru-RU" altLang="ru-RU" sz="1400" dirty="0">
                 <a:solidFill>
                   <a:srgbClr val="000000"/>
                 </a:solidFill>
@@ -20573,16 +19627,6 @@
                 <a:cs typeface="Courier New" panose="02070309020205020404" pitchFamily="49" charset="0"/>
               </a:rPr>
               <a:t>}</a:t>
-            </a:r>
-            <a:r>
-              <a:rPr lang="ru-RU" altLang="ru-RU" sz="1400" dirty="0">
-                <a:solidFill>
-                  <a:srgbClr val="000000"/>
-                </a:solidFill>
-                <a:latin typeface="Courier New" panose="02070309020205020404" pitchFamily="49" charset="0"/>
-                <a:cs typeface="Courier New" panose="02070309020205020404" pitchFamily="49" charset="0"/>
-              </a:rPr>
-              <a:t/>
             </a:r>
             <a:br>
               <a:rPr lang="ru-RU" altLang="ru-RU" sz="1400" dirty="0">
@@ -20593,7 +19637,7 @@
                 <a:cs typeface="Courier New" panose="02070309020205020404" pitchFamily="49" charset="0"/>
               </a:rPr>
             </a:br>
-            <a:endParaRPr lang="en-US" altLang="ru-RU" sz="1400" dirty="0" smtClean="0">
+            <a:endParaRPr lang="en-US" altLang="ru-RU" sz="1400" dirty="0">
               <a:solidFill>
                 <a:srgbClr val="000000"/>
               </a:solidFill>
@@ -21008,13 +20052,6 @@
   <p:clrMapOvr>
     <a:masterClrMapping/>
   </p:clrMapOvr>
-  <p:timing>
-    <p:tnLst>
-      <p:par>
-        <p:cTn id="1" dur="indefinite" restart="never" nodeType="tmRoot"/>
-      </p:par>
-    </p:tnLst>
-  </p:timing>
 </p:sld>
 </file>
 
@@ -21314,16 +20351,6 @@
                 <a:cs typeface="Courier New" panose="02070309020205020404" pitchFamily="49" charset="0"/>
               </a:rPr>
             </a:br>
-            <a:r>
-              <a:rPr lang="ru-RU" altLang="ru-RU" sz="1400" dirty="0">
-                <a:solidFill>
-                  <a:srgbClr val="000000"/>
-                </a:solidFill>
-                <a:latin typeface="Courier New" panose="02070309020205020404" pitchFamily="49" charset="0"/>
-                <a:cs typeface="Courier New" panose="02070309020205020404" pitchFamily="49" charset="0"/>
-              </a:rPr>
-              <a:t/>
-            </a:r>
             <a:br>
               <a:rPr lang="ru-RU" altLang="ru-RU" sz="1400" dirty="0">
                 <a:solidFill>
@@ -21490,16 +20517,6 @@
                 <a:cs typeface="Courier New" panose="02070309020205020404" pitchFamily="49" charset="0"/>
               </a:rPr>
             </a:br>
-            <a:r>
-              <a:rPr lang="ru-RU" altLang="ru-RU" sz="1400" dirty="0">
-                <a:solidFill>
-                  <a:srgbClr val="000000"/>
-                </a:solidFill>
-                <a:latin typeface="Courier New" panose="02070309020205020404" pitchFamily="49" charset="0"/>
-                <a:cs typeface="Courier New" panose="02070309020205020404" pitchFamily="49" charset="0"/>
-              </a:rPr>
-              <a:t/>
-            </a:r>
             <a:br>
               <a:rPr lang="ru-RU" altLang="ru-RU" sz="1400" dirty="0">
                 <a:solidFill>
@@ -21676,16 +20693,6 @@
                 <a:cs typeface="Courier New" panose="02070309020205020404" pitchFamily="49" charset="0"/>
               </a:rPr>
             </a:br>
-            <a:r>
-              <a:rPr lang="ru-RU" altLang="ru-RU" sz="1400" dirty="0">
-                <a:solidFill>
-                  <a:srgbClr val="000000"/>
-                </a:solidFill>
-                <a:latin typeface="Courier New" panose="02070309020205020404" pitchFamily="49" charset="0"/>
-                <a:cs typeface="Courier New" panose="02070309020205020404" pitchFamily="49" charset="0"/>
-              </a:rPr>
-              <a:t/>
-            </a:r>
             <a:br>
               <a:rPr lang="ru-RU" altLang="ru-RU" sz="1400" dirty="0">
                 <a:solidFill>
@@ -22052,7 +21059,7 @@
               </a:rPr>
             </a:br>
             <a:r>
-              <a:rPr lang="ru-RU" altLang="ru-RU" sz="1400" dirty="0" smtClean="0">
+              <a:rPr lang="ru-RU" altLang="ru-RU" sz="1400" dirty="0">
                 <a:solidFill>
                   <a:srgbClr val="000000"/>
                 </a:solidFill>
@@ -22243,13 +21250,6 @@
   <p:clrMapOvr>
     <a:masterClrMapping/>
   </p:clrMapOvr>
-  <p:timing>
-    <p:tnLst>
-      <p:par>
-        <p:cTn id="1" dur="indefinite" restart="never" nodeType="tmRoot"/>
-      </p:par>
-    </p:tnLst>
-  </p:timing>
 </p:sld>
 </file>
 
@@ -22424,13 +21424,6 @@
   <p:clrMapOvr>
     <a:masterClrMapping/>
   </p:clrMapOvr>
-  <p:timing>
-    <p:tnLst>
-      <p:par>
-        <p:cTn id="1" dur="indefinite" restart="never" nodeType="tmRoot"/>
-      </p:par>
-    </p:tnLst>
-  </p:timing>
 </p:sld>
 </file>
 
@@ -22608,13 +21601,6 @@
   <p:clrMapOvr>
     <a:masterClrMapping/>
   </p:clrMapOvr>
-  <p:timing>
-    <p:tnLst>
-      <p:par>
-        <p:cTn id="1" dur="indefinite" restart="never" nodeType="tmRoot"/>
-      </p:par>
-    </p:tnLst>
-  </p:timing>
 </p:sld>
 </file>
 
@@ -22850,13 +21836,6 @@
   <p:clrMapOvr>
     <a:masterClrMapping/>
   </p:clrMapOvr>
-  <p:timing>
-    <p:tnLst>
-      <p:par>
-        <p:cTn id="1" dur="indefinite" restart="never" nodeType="tmRoot"/>
-      </p:par>
-    </p:tnLst>
-  </p:timing>
 </p:sld>
 </file>
 
@@ -22928,7 +21907,7 @@
               </a:lnSpc>
             </a:pPr>
             <a:r>
-              <a:rPr lang="en-US" dirty="0" smtClean="0"/>
+              <a:rPr lang="en-US" dirty="0"/>
               <a:t>An assertion  is a  Boolean  expression that you place at a point in your code where you expect something to be true</a:t>
             </a:r>
           </a:p>
@@ -22939,7 +21918,7 @@
               </a:lnSpc>
             </a:pPr>
             <a:r>
-              <a:rPr lang="en-US" dirty="0" smtClean="0"/>
+              <a:rPr lang="en-US" dirty="0"/>
               <a:t> An assertion allows for detecting defects in the code</a:t>
             </a:r>
           </a:p>
@@ -22950,7 +21929,7 @@
               </a:lnSpc>
             </a:pPr>
             <a:r>
-              <a:rPr lang="en-US" dirty="0" smtClean="0"/>
+              <a:rPr lang="en-US" dirty="0"/>
               <a:t>The syntax for an  assert  statement has two forms: </a:t>
             </a:r>
           </a:p>
@@ -22962,21 +21941,21 @@
               <a:buNone/>
             </a:pPr>
             <a:r>
-              <a:rPr lang="en-US" dirty="0" smtClean="0">
+              <a:rPr lang="en-US" dirty="0">
                 <a:latin typeface="Courier New" panose="02070309020205020404" pitchFamily="49" charset="0"/>
                 <a:cs typeface="Courier New" panose="02070309020205020404" pitchFamily="49" charset="0"/>
               </a:rPr>
               <a:t>assert </a:t>
             </a:r>
             <a:r>
-              <a:rPr lang="en-US" dirty="0" err="1" smtClean="0">
+              <a:rPr lang="en-US" dirty="0" err="1">
                 <a:latin typeface="Courier New" panose="02070309020205020404" pitchFamily="49" charset="0"/>
                 <a:cs typeface="Courier New" panose="02070309020205020404" pitchFamily="49" charset="0"/>
               </a:rPr>
               <a:t>boolean_expression</a:t>
             </a:r>
             <a:r>
-              <a:rPr lang="en-US" dirty="0" smtClean="0">
+              <a:rPr lang="en-US" dirty="0">
                 <a:latin typeface="Courier New" panose="02070309020205020404" pitchFamily="49" charset="0"/>
                 <a:cs typeface="Courier New" panose="02070309020205020404" pitchFamily="49" charset="0"/>
               </a:rPr>
@@ -22991,35 +21970,35 @@
               <a:buNone/>
             </a:pPr>
             <a:r>
-              <a:rPr lang="en-US" dirty="0" smtClean="0">
+              <a:rPr lang="en-US" dirty="0">
                 <a:latin typeface="Courier New" panose="02070309020205020404" pitchFamily="49" charset="0"/>
                 <a:cs typeface="Courier New" panose="02070309020205020404" pitchFamily="49" charset="0"/>
               </a:rPr>
               <a:t>assert </a:t>
             </a:r>
             <a:r>
-              <a:rPr lang="en-US" dirty="0" err="1" smtClean="0">
+              <a:rPr lang="en-US" dirty="0" err="1">
                 <a:latin typeface="Courier New" panose="02070309020205020404" pitchFamily="49" charset="0"/>
                 <a:cs typeface="Courier New" panose="02070309020205020404" pitchFamily="49" charset="0"/>
               </a:rPr>
               <a:t>boolean_expression</a:t>
             </a:r>
             <a:r>
-              <a:rPr lang="en-US" dirty="0" smtClean="0">
+              <a:rPr lang="en-US" dirty="0">
                 <a:latin typeface="Courier New" panose="02070309020205020404" pitchFamily="49" charset="0"/>
                 <a:cs typeface="Courier New" panose="02070309020205020404" pitchFamily="49" charset="0"/>
               </a:rPr>
               <a:t>: </a:t>
             </a:r>
             <a:r>
-              <a:rPr lang="en-US" dirty="0" err="1" smtClean="0">
+              <a:rPr lang="en-US" dirty="0" err="1">
                 <a:latin typeface="Courier New" panose="02070309020205020404" pitchFamily="49" charset="0"/>
                 <a:cs typeface="Courier New" panose="02070309020205020404" pitchFamily="49" charset="0"/>
               </a:rPr>
               <a:t>error_message</a:t>
             </a:r>
             <a:r>
-              <a:rPr lang="en-US" dirty="0" smtClean="0">
+              <a:rPr lang="en-US" dirty="0">
                 <a:latin typeface="Courier New" panose="02070309020205020404" pitchFamily="49" charset="0"/>
                 <a:cs typeface="Courier New" panose="02070309020205020404" pitchFamily="49" charset="0"/>
               </a:rPr>
@@ -23033,18 +22012,17 @@
               </a:lnSpc>
             </a:pPr>
             <a:r>
-              <a:rPr lang="en-US" dirty="0" smtClean="0"/>
+              <a:rPr lang="en-US" dirty="0"/>
               <a:t>Assertions are </a:t>
             </a:r>
             <a:r>
-              <a:rPr lang="en-US" b="1" dirty="0" smtClean="0"/>
+              <a:rPr lang="en-US" b="1" dirty="0"/>
               <a:t>DISABLED</a:t>
             </a:r>
             <a:r>
-              <a:rPr lang="en-US" dirty="0" smtClean="0"/>
+              <a:rPr lang="en-US" dirty="0"/>
               <a:t> by default.</a:t>
             </a:r>
-            <a:endParaRPr lang="en-US" dirty="0"/>
           </a:p>
         </p:txBody>
       </p:sp>
@@ -23058,13 +22036,6 @@
   <p:clrMapOvr>
     <a:masterClrMapping/>
   </p:clrMapOvr>
-  <p:timing>
-    <p:tnLst>
-      <p:par>
-        <p:cTn id="1" dur="indefinite" restart="never" nodeType="tmRoot"/>
-      </p:par>
-    </p:tnLst>
-  </p:timing>
 </p:sld>
 </file>
 
@@ -23667,16 +22638,6 @@
                 <a:cs typeface="Courier New" panose="02070309020205020404" pitchFamily="49" charset="0"/>
               </a:rPr>
             </a:br>
-            <a:r>
-              <a:rPr lang="ru-RU" altLang="ru-RU" sz="2000" dirty="0">
-                <a:solidFill>
-                  <a:srgbClr val="000000"/>
-                </a:solidFill>
-                <a:latin typeface="Courier New" panose="02070309020205020404" pitchFamily="49" charset="0"/>
-                <a:cs typeface="Courier New" panose="02070309020205020404" pitchFamily="49" charset="0"/>
-              </a:rPr>
-              <a:t/>
-            </a:r>
             <a:br>
               <a:rPr lang="ru-RU" altLang="ru-RU" sz="2000" dirty="0">
                 <a:solidFill>
@@ -23970,16 +22931,6 @@
               </a:spcAft>
               <a:buNone/>
             </a:pPr>
-            <a:r>
-              <a:rPr lang="ru-RU" altLang="ru-RU" sz="2000" dirty="0">
-                <a:solidFill>
-                  <a:srgbClr val="000000"/>
-                </a:solidFill>
-                <a:latin typeface="Courier New" panose="02070309020205020404" pitchFamily="49" charset="0"/>
-                <a:cs typeface="Courier New" panose="02070309020205020404" pitchFamily="49" charset="0"/>
-              </a:rPr>
-              <a:t/>
-            </a:r>
             <a:br>
               <a:rPr lang="ru-RU" altLang="ru-RU" sz="2000" dirty="0">
                 <a:solidFill>
@@ -24248,13 +23199,6 @@
   <p:clrMapOvr>
     <a:masterClrMapping/>
   </p:clrMapOvr>
-  <p:timing>
-    <p:tnLst>
-      <p:par>
-        <p:cTn id="1" dur="indefinite" restart="never" nodeType="tmRoot"/>
-      </p:par>
-    </p:tnLst>
-  </p:timing>
 </p:sld>
 </file>
 
@@ -24291,7 +23235,7 @@
           <a:lstStyle/>
           <a:p>
             <a:r>
-              <a:rPr lang="en-US" dirty="0" smtClean="0"/>
+              <a:rPr lang="en-US" dirty="0"/>
               <a:t>What is exception?</a:t>
             </a:r>
             <a:endParaRPr lang="ru-RU" dirty="0"/>
@@ -24327,7 +23271,7 @@
               <a:buNone/>
             </a:pPr>
             <a:r>
-              <a:rPr lang="en-US" dirty="0" smtClean="0"/>
+              <a:rPr lang="en-US" dirty="0"/>
               <a:t>“</a:t>
             </a:r>
             <a:r>
@@ -24372,13 +23316,6 @@
   <p:clrMapOvr>
     <a:masterClrMapping/>
   </p:clrMapOvr>
-  <p:timing>
-    <p:tnLst>
-      <p:par>
-        <p:cTn id="1" dur="indefinite" restart="never" nodeType="tmRoot"/>
-      </p:par>
-    </p:tnLst>
-  </p:timing>
 </p:sld>
 </file>
 
@@ -24416,13 +23353,8 @@
           <a:p>
             <a:r>
               <a:rPr lang="en-US" dirty="0"/>
-              <a:t>Assertions </a:t>
-            </a:r>
-            <a:r>
-              <a:rPr lang="en-US" dirty="0" smtClean="0"/>
-              <a:t>usage:</a:t>
-            </a:r>
-            <a:endParaRPr lang="en-US" dirty="0"/>
+              <a:t>Assertions usage:</a:t>
+            </a:r>
           </a:p>
         </p:txBody>
       </p:sp>
@@ -24495,15 +23427,7 @@
                   <a:srgbClr val="00B050"/>
                 </a:solidFill>
               </a:rPr>
-              <a:t>Validating post conditions at the end of any </a:t>
-            </a:r>
-            <a:r>
-              <a:rPr lang="en-US" sz="2000" dirty="0" smtClean="0">
-                <a:solidFill>
-                  <a:srgbClr val="00B050"/>
-                </a:solidFill>
-              </a:rPr>
-              <a:t>method</a:t>
+              <a:t>Validating post conditions at the end of any method</a:t>
             </a:r>
           </a:p>
           <a:p>
@@ -24584,13 +23508,6 @@
   <p:clrMapOvr>
     <a:masterClrMapping/>
   </p:clrMapOvr>
-  <p:timing>
-    <p:tnLst>
-      <p:par>
-        <p:cTn id="1" dur="indefinite" restart="never" nodeType="tmRoot"/>
-      </p:par>
-    </p:tnLst>
-  </p:timing>
 </p:sld>
 </file>
 
@@ -24653,12 +23570,12 @@
           <a:p>
             <a:pPr lvl="1"/>
             <a:r>
-              <a:rPr lang="en-US" sz="2800" dirty="0" smtClean="0">
+              <a:rPr lang="en-US" sz="2800" dirty="0">
                 <a:hlinkClick r:id="rId3"/>
               </a:rPr>
               <a:t>Exceptions</a:t>
             </a:r>
-            <a:endParaRPr lang="en-US" sz="2800" dirty="0" smtClean="0"/>
+            <a:endParaRPr lang="en-US" sz="2800" dirty="0"/>
           </a:p>
           <a:p>
             <a:pPr lvl="1"/>
@@ -24676,13 +23593,6 @@
   <p:clrMapOvr>
     <a:masterClrMapping/>
   </p:clrMapOvr>
-  <p:timing>
-    <p:tnLst>
-      <p:par>
-        <p:cTn id="1" dur="indefinite" restart="never" nodeType="tmRoot"/>
-      </p:par>
-    </p:tnLst>
-  </p:timing>
 </p:sld>
 </file>
 
@@ -24720,11 +23630,7 @@
           <a:p>
             <a:r>
               <a:rPr lang="en-US" dirty="0"/>
-              <a:t>Homework Task </a:t>
-            </a:r>
-            <a:r>
-              <a:rPr lang="en-US" dirty="0" smtClean="0"/>
-              <a:t>1</a:t>
+              <a:t>Homework Task 1</a:t>
             </a:r>
             <a:endParaRPr lang="ru-RU" dirty="0"/>
           </a:p>
@@ -24799,16 +23705,8 @@
               <a:buNone/>
             </a:pPr>
             <a:r>
-              <a:rPr lang="en-US" altLang="ru-RU" sz="2000" dirty="0" smtClean="0"/>
-              <a:t>Implement </a:t>
-            </a:r>
-            <a:r>
               <a:rPr lang="en-US" altLang="ru-RU" sz="2000" dirty="0"/>
-              <a:t>the </a:t>
-            </a:r>
-            <a:r>
-              <a:rPr lang="en-US" altLang="ru-RU" sz="2000" dirty="0" smtClean="0"/>
-              <a:t>integer parser</a:t>
+              <a:t>Implement the integer parser</a:t>
             </a:r>
           </a:p>
           <a:p>
@@ -24825,56 +23723,56 @@
               <a:buNone/>
             </a:pPr>
             <a:r>
-              <a:rPr lang="en-US" altLang="ru-RU" sz="2000" dirty="0" err="1" smtClean="0">
+              <a:rPr lang="en-US" altLang="ru-RU" sz="2000" dirty="0" err="1">
                 <a:latin typeface="Courier New" panose="02070309020205020404" pitchFamily="49" charset="0"/>
                 <a:cs typeface="Courier New" panose="02070309020205020404" pitchFamily="49" charset="0"/>
               </a:rPr>
               <a:t>int</a:t>
             </a:r>
             <a:r>
-              <a:rPr lang="en-US" altLang="ru-RU" sz="2000" dirty="0" smtClean="0">
+              <a:rPr lang="en-US" altLang="ru-RU" sz="2000" dirty="0">
                 <a:latin typeface="Courier New" panose="02070309020205020404" pitchFamily="49" charset="0"/>
                 <a:cs typeface="Courier New" panose="02070309020205020404" pitchFamily="49" charset="0"/>
               </a:rPr>
               <a:t> </a:t>
             </a:r>
             <a:r>
-              <a:rPr lang="en-US" altLang="ru-RU" sz="2000" dirty="0" err="1" smtClean="0">
+              <a:rPr lang="en-US" altLang="ru-RU" sz="2000" dirty="0" err="1">
                 <a:latin typeface="Courier New" panose="02070309020205020404" pitchFamily="49" charset="0"/>
                 <a:cs typeface="Courier New" panose="02070309020205020404" pitchFamily="49" charset="0"/>
               </a:rPr>
               <a:t>parseInt</a:t>
             </a:r>
             <a:r>
-              <a:rPr lang="en-US" altLang="ru-RU" sz="2000" dirty="0" smtClean="0">
+              <a:rPr lang="en-US" altLang="ru-RU" sz="2000" dirty="0">
                 <a:latin typeface="Courier New" panose="02070309020205020404" pitchFamily="49" charset="0"/>
                 <a:cs typeface="Courier New" panose="02070309020205020404" pitchFamily="49" charset="0"/>
               </a:rPr>
               <a:t> (String </a:t>
             </a:r>
             <a:r>
-              <a:rPr lang="en-US" altLang="ru-RU" sz="2000" dirty="0" err="1" smtClean="0">
+              <a:rPr lang="en-US" altLang="ru-RU" sz="2000" dirty="0" err="1">
                 <a:latin typeface="Courier New" panose="02070309020205020404" pitchFamily="49" charset="0"/>
                 <a:cs typeface="Courier New" panose="02070309020205020404" pitchFamily="49" charset="0"/>
               </a:rPr>
               <a:t>str</a:t>
             </a:r>
             <a:r>
-              <a:rPr lang="en-US" altLang="ru-RU" sz="2000" dirty="0" smtClean="0">
+              <a:rPr lang="en-US" altLang="ru-RU" sz="2000" dirty="0">
                 <a:latin typeface="Courier New" panose="02070309020205020404" pitchFamily="49" charset="0"/>
                 <a:cs typeface="Courier New" panose="02070309020205020404" pitchFamily="49" charset="0"/>
               </a:rPr>
               <a:t>) throws </a:t>
             </a:r>
             <a:r>
-              <a:rPr lang="en-US" altLang="ru-RU" sz="2000" dirty="0" err="1" smtClean="0">
+              <a:rPr lang="en-US" altLang="ru-RU" sz="2000" dirty="0" err="1">
                 <a:latin typeface="Courier New" panose="02070309020205020404" pitchFamily="49" charset="0"/>
                 <a:cs typeface="Courier New" panose="02070309020205020404" pitchFamily="49" charset="0"/>
               </a:rPr>
               <a:t>NumberFormatException</a:t>
             </a:r>
             <a:r>
-              <a:rPr lang="en-US" altLang="ru-RU" sz="2000" dirty="0" smtClean="0"/>
+              <a:rPr lang="en-US" altLang="ru-RU" sz="2000" dirty="0"/>
               <a:t> </a:t>
             </a:r>
           </a:p>
@@ -24892,125 +23790,52 @@
               <a:buNone/>
             </a:pPr>
             <a:r>
-              <a:rPr lang="en-US" altLang="ru-RU" sz="2000" dirty="0" smtClean="0"/>
-              <a:t>Method </a:t>
-            </a:r>
-            <a:r>
-              <a:rPr lang="en-US" altLang="ru-RU" sz="2000" dirty="0" smtClean="0"/>
-              <a:t>takes </a:t>
-            </a:r>
-            <a:r>
-              <a:rPr lang="en-US" altLang="ru-RU" sz="2000" dirty="0" smtClean="0"/>
-              <a:t>a </a:t>
-            </a:r>
-            <a:r>
               <a:rPr lang="en-US" altLang="ru-RU" sz="2000" dirty="0"/>
-              <a:t>string input that </a:t>
-            </a:r>
-            <a:r>
-              <a:rPr lang="en-US" altLang="ru-RU" sz="2000" dirty="0" smtClean="0"/>
-              <a:t>should. It should return a parsed number that </a:t>
+              <a:t>Method takes a string input that should. It should return a parsed number that should be resulting from the conversion of the string. Sting can contain only digits and optionally sign. Not allowed to use methods of Java built-in classes\methods (</a:t>
+            </a:r>
+            <a:r>
+              <a:rPr lang="en-US" altLang="ru-RU" sz="2000" strike="sngStrike" dirty="0">
+                <a:latin typeface="Courier New" panose="02070309020205020404" pitchFamily="49" charset="0"/>
+                <a:cs typeface="Courier New" panose="02070309020205020404" pitchFamily="49" charset="0"/>
+              </a:rPr>
+              <a:t>Integer::</a:t>
+            </a:r>
+            <a:r>
+              <a:rPr lang="en-US" altLang="ru-RU" sz="2000" strike="sngStrike" dirty="0" err="1">
+                <a:latin typeface="Courier New" panose="02070309020205020404" pitchFamily="49" charset="0"/>
+                <a:cs typeface="Courier New" panose="02070309020205020404" pitchFamily="49" charset="0"/>
+              </a:rPr>
+              <a:t>parseInt</a:t>
+            </a:r>
+            <a:r>
+              <a:rPr lang="en-US" altLang="ru-RU" sz="2000" strike="sngStrike" dirty="0">
+                <a:latin typeface="Courier New" panose="02070309020205020404" pitchFamily="49" charset="0"/>
+                <a:cs typeface="Courier New" panose="02070309020205020404" pitchFamily="49" charset="0"/>
+              </a:rPr>
+              <a:t>, Integer::</a:t>
+            </a:r>
+            <a:r>
+              <a:rPr lang="en-US" altLang="ru-RU" sz="2000" strike="sngStrike" dirty="0" err="1">
+                <a:latin typeface="Courier New" panose="02070309020205020404" pitchFamily="49" charset="0"/>
+                <a:cs typeface="Courier New" panose="02070309020205020404" pitchFamily="49" charset="0"/>
+              </a:rPr>
+              <a:t>valueOf</a:t>
             </a:r>
             <a:r>
               <a:rPr lang="en-US" altLang="ru-RU" sz="2000" dirty="0"/>
-              <a:t>should be resulting from the conversion of the string. </a:t>
-            </a:r>
-            <a:r>
-              <a:rPr lang="en-US" altLang="ru-RU" sz="2000" dirty="0" smtClean="0"/>
-              <a:t>Sting can contain </a:t>
+              <a:t>). Program should throw </a:t>
+            </a:r>
+            <a:r>
+              <a:rPr lang="en-US" altLang="ru-RU" sz="2000" dirty="0" err="1">
+                <a:latin typeface="Courier New" panose="02070309020205020404" pitchFamily="49" charset="0"/>
+                <a:cs typeface="Courier New" panose="02070309020205020404" pitchFamily="49" charset="0"/>
+              </a:rPr>
+              <a:t>NumberFormatException</a:t>
             </a:r>
             <a:r>
               <a:rPr lang="en-US" altLang="ru-RU" sz="2000" dirty="0"/>
-              <a:t>only digits and optionally </a:t>
-            </a:r>
-            <a:r>
-              <a:rPr lang="en-US" altLang="ru-RU" sz="2000" dirty="0" smtClean="0"/>
-              <a:t>sign. Not </a:t>
-            </a:r>
-            <a:r>
-              <a:rPr lang="en-US" altLang="ru-RU" sz="2000" dirty="0"/>
-              <a:t>allowed </a:t>
-            </a:r>
-            <a:r>
-              <a:rPr lang="en-US" altLang="ru-RU" sz="2000" dirty="0" smtClean="0"/>
-              <a:t>to use methods </a:t>
-            </a:r>
-            <a:r>
-              <a:rPr lang="en-US" altLang="ru-RU" sz="2000" dirty="0"/>
-              <a:t>of Java </a:t>
-            </a:r>
-            <a:r>
-              <a:rPr lang="en-US" altLang="ru-RU" sz="2000" dirty="0" smtClean="0"/>
-              <a:t>built-in </a:t>
-            </a:r>
-            <a:r>
-              <a:rPr lang="en-US" altLang="ru-RU" sz="2000" dirty="0"/>
-              <a:t>classes\methods </a:t>
-            </a:r>
-            <a:r>
-              <a:rPr lang="en-US" altLang="ru-RU" sz="2000" dirty="0" smtClean="0"/>
-              <a:t>(</a:t>
-            </a:r>
-            <a:r>
-              <a:rPr lang="en-US" altLang="ru-RU" sz="2000" strike="sngStrike" dirty="0" smtClean="0">
-                <a:latin typeface="Courier New" panose="02070309020205020404" pitchFamily="49" charset="0"/>
-                <a:cs typeface="Courier New" panose="02070309020205020404" pitchFamily="49" charset="0"/>
-              </a:rPr>
-              <a:t>Integer::</a:t>
-            </a:r>
-            <a:r>
-              <a:rPr lang="en-US" altLang="ru-RU" sz="2000" strike="sngStrike" dirty="0" err="1" smtClean="0">
-                <a:latin typeface="Courier New" panose="02070309020205020404" pitchFamily="49" charset="0"/>
-                <a:cs typeface="Courier New" panose="02070309020205020404" pitchFamily="49" charset="0"/>
-              </a:rPr>
-              <a:t>parseInt</a:t>
-            </a:r>
-            <a:r>
-              <a:rPr lang="en-US" altLang="ru-RU" sz="2000" strike="sngStrike" dirty="0" smtClean="0">
-                <a:latin typeface="Courier New" panose="02070309020205020404" pitchFamily="49" charset="0"/>
-                <a:cs typeface="Courier New" panose="02070309020205020404" pitchFamily="49" charset="0"/>
-              </a:rPr>
-              <a:t>, Integer::</a:t>
-            </a:r>
-            <a:r>
-              <a:rPr lang="en-US" altLang="ru-RU" sz="2000" strike="sngStrike" dirty="0" err="1" smtClean="0">
-                <a:latin typeface="Courier New" panose="02070309020205020404" pitchFamily="49" charset="0"/>
-                <a:cs typeface="Courier New" panose="02070309020205020404" pitchFamily="49" charset="0"/>
-              </a:rPr>
-              <a:t>valueOf</a:t>
-            </a:r>
-            <a:r>
-              <a:rPr lang="en-US" altLang="ru-RU" sz="2000" dirty="0" smtClean="0"/>
-              <a:t>). Program </a:t>
-            </a:r>
-            <a:r>
-              <a:rPr lang="en-US" altLang="ru-RU" sz="2000" dirty="0"/>
-              <a:t>should throw </a:t>
-            </a:r>
-            <a:r>
-              <a:rPr lang="en-US" altLang="ru-RU" sz="2000" dirty="0" err="1" smtClean="0">
-                <a:latin typeface="Courier New" panose="02070309020205020404" pitchFamily="49" charset="0"/>
-                <a:cs typeface="Courier New" panose="02070309020205020404" pitchFamily="49" charset="0"/>
-              </a:rPr>
-              <a:t>NumberFormatException</a:t>
-            </a:r>
-            <a:r>
-              <a:rPr lang="en-US" altLang="ru-RU" sz="2000" dirty="0" smtClean="0"/>
-              <a:t> </a:t>
-            </a:r>
-            <a:r>
-              <a:rPr lang="en-US" altLang="ru-RU" sz="2000" dirty="0" smtClean="0"/>
-              <a:t>when</a:t>
-            </a:r>
-            <a:r>
-              <a:rPr lang="en-US" altLang="ru-RU" sz="2000" dirty="0" smtClean="0"/>
-              <a:t> </a:t>
-            </a:r>
-            <a:r>
-              <a:rPr lang="en-US" altLang="ru-RU" sz="2000" dirty="0" smtClean="0"/>
-              <a:t>parse fails. </a:t>
-            </a:r>
-            <a:endParaRPr lang="en-US" altLang="ru-RU" sz="2000" dirty="0"/>
+              <a:t> when parse fails. </a:t>
+            </a:r>
           </a:p>
         </p:txBody>
       </p:sp>
@@ -25167,7 +23992,7 @@
               <a:buNone/>
               <a:tabLst/>
             </a:pPr>
-            <a:endParaRPr kumimoji="0" lang="en-US" altLang="en-US" sz="1800" b="0" i="0" u="none" strike="noStrike" cap="none" normalizeH="0" baseline="0" dirty="0" smtClean="0">
+            <a:endParaRPr kumimoji="0" lang="en-US" altLang="en-US" sz="1800" b="0" i="0" u="none" strike="noStrike" cap="none" normalizeH="0" baseline="0" dirty="0">
               <a:ln>
                 <a:noFill/>
               </a:ln>
@@ -25190,13 +24015,6 @@
   <p:clrMapOvr>
     <a:masterClrMapping/>
   </p:clrMapOvr>
-  <p:timing>
-    <p:tnLst>
-      <p:par>
-        <p:cTn id="1" dur="indefinite" restart="never" nodeType="tmRoot"/>
-      </p:par>
-    </p:tnLst>
-  </p:timing>
 </p:sld>
 </file>
 
@@ -25234,11 +24052,7 @@
           <a:p>
             <a:r>
               <a:rPr lang="en-US" dirty="0"/>
-              <a:t>Homework Task </a:t>
-            </a:r>
-            <a:r>
-              <a:rPr lang="en-US" dirty="0" smtClean="0"/>
-              <a:t>2</a:t>
+              <a:t>Homework Task 2</a:t>
             </a:r>
             <a:endParaRPr lang="ru-RU" dirty="0"/>
           </a:p>
@@ -25313,16 +24127,8 @@
               <a:buNone/>
             </a:pPr>
             <a:r>
-              <a:rPr lang="en-US" altLang="ru-RU" sz="2000" dirty="0" smtClean="0"/>
-              <a:t>Implement </a:t>
-            </a:r>
-            <a:r>
               <a:rPr lang="en-US" altLang="ru-RU" sz="2000" dirty="0"/>
-              <a:t>the </a:t>
-            </a:r>
-            <a:r>
-              <a:rPr lang="en-US" altLang="ru-RU" sz="2000" dirty="0" smtClean="0"/>
-              <a:t>user authentication service</a:t>
+              <a:t>Implement the user authentication service</a:t>
             </a:r>
           </a:p>
           <a:p>
@@ -25339,42 +24145,35 @@
               <a:buNone/>
             </a:pPr>
             <a:r>
-              <a:rPr lang="en-US" altLang="ru-RU" sz="2000" dirty="0" smtClean="0">
+              <a:rPr lang="en-US" altLang="ru-RU" sz="2000" dirty="0">
                 <a:latin typeface="Courier New" panose="02070309020205020404" pitchFamily="49" charset="0"/>
                 <a:cs typeface="Courier New" panose="02070309020205020404" pitchFamily="49" charset="0"/>
               </a:rPr>
               <a:t>User </a:t>
             </a:r>
             <a:r>
-              <a:rPr lang="en-US" altLang="ru-RU" sz="2000" dirty="0" err="1" smtClean="0">
+              <a:rPr lang="en-US" altLang="ru-RU" sz="2000" dirty="0" err="1">
                 <a:latin typeface="Courier New" panose="02070309020205020404" pitchFamily="49" charset="0"/>
                 <a:cs typeface="Courier New" panose="02070309020205020404" pitchFamily="49" charset="0"/>
               </a:rPr>
               <a:t>auth</a:t>
             </a:r>
             <a:r>
-              <a:rPr lang="en-US" altLang="ru-RU" sz="2000" dirty="0" smtClean="0">
-                <a:latin typeface="Courier New" panose="02070309020205020404" pitchFamily="49" charset="0"/>
-                <a:cs typeface="Courier New" panose="02070309020205020404" pitchFamily="49" charset="0"/>
-              </a:rPr>
-              <a:t>(String username, String </a:t>
-            </a:r>
-            <a:r>
               <a:rPr lang="en-US" altLang="ru-RU" sz="2000" dirty="0">
                 <a:latin typeface="Courier New" panose="02070309020205020404" pitchFamily="49" charset="0"/>
                 <a:cs typeface="Courier New" panose="02070309020205020404" pitchFamily="49" charset="0"/>
               </a:rPr>
-              <a:t>password) throws </a:t>
-            </a:r>
-            <a:r>
-              <a:rPr lang="en-US" altLang="ru-RU" sz="2000" dirty="0" err="1" smtClean="0">
+              <a:t>(String username, String password) throws </a:t>
+            </a:r>
+            <a:r>
+              <a:rPr lang="en-US" altLang="ru-RU" sz="2000" dirty="0" err="1">
                 <a:latin typeface="Courier New" panose="02070309020205020404" pitchFamily="49" charset="0"/>
                 <a:cs typeface="Courier New" panose="02070309020205020404" pitchFamily="49" charset="0"/>
               </a:rPr>
               <a:t>AuthException</a:t>
             </a:r>
             <a:r>
-              <a:rPr lang="en-US" altLang="ru-RU" sz="2000" dirty="0" smtClean="0"/>
+              <a:rPr lang="en-US" altLang="ru-RU" sz="2000" dirty="0"/>
               <a:t> </a:t>
             </a:r>
           </a:p>
@@ -25392,16 +24191,8 @@
               <a:buNone/>
             </a:pPr>
             <a:r>
-              <a:rPr lang="en-US" altLang="ru-RU" sz="2000" dirty="0" smtClean="0"/>
-              <a:t>The </a:t>
-            </a:r>
-            <a:r>
               <a:rPr lang="en-US" altLang="ru-RU" sz="2000" dirty="0"/>
-              <a:t>User class contains </a:t>
-            </a:r>
-            <a:r>
-              <a:rPr lang="en-US" altLang="ru-RU" sz="2000" dirty="0" smtClean="0"/>
-              <a:t>three fields: </a:t>
+              <a:t>The User class contains three fields: </a:t>
             </a:r>
           </a:p>
           <a:p>
@@ -25417,14 +24208,14 @@
               </a:spcAft>
             </a:pPr>
             <a:r>
-              <a:rPr lang="en-US" altLang="ru-RU" sz="1600" dirty="0" err="1" smtClean="0">
+              <a:rPr lang="en-US" altLang="ru-RU" sz="1600" dirty="0" err="1">
                 <a:latin typeface="Courier New" panose="02070309020205020404" pitchFamily="49" charset="0"/>
                 <a:cs typeface="Courier New" panose="02070309020205020404" pitchFamily="49" charset="0"/>
               </a:rPr>
               <a:t>int</a:t>
             </a:r>
             <a:r>
-              <a:rPr lang="en-US" altLang="ru-RU" sz="1600" dirty="0" smtClean="0">
+              <a:rPr lang="en-US" altLang="ru-RU" sz="1600" dirty="0">
                 <a:latin typeface="Courier New" panose="02070309020205020404" pitchFamily="49" charset="0"/>
                 <a:cs typeface="Courier New" panose="02070309020205020404" pitchFamily="49" charset="0"/>
               </a:rPr>
@@ -25444,7 +24235,7 @@
               </a:spcAft>
             </a:pPr>
             <a:r>
-              <a:rPr lang="en-US" altLang="ru-RU" sz="1600" dirty="0" smtClean="0">
+              <a:rPr lang="en-US" altLang="ru-RU" sz="1600" dirty="0">
                 <a:latin typeface="Courier New" panose="02070309020205020404" pitchFamily="49" charset="0"/>
                 <a:cs typeface="Courier New" panose="02070309020205020404" pitchFamily="49" charset="0"/>
               </a:rPr>
@@ -25464,7 +24255,7 @@
               </a:spcAft>
             </a:pPr>
             <a:r>
-              <a:rPr lang="en-US" altLang="ru-RU" sz="1600" dirty="0" smtClean="0">
+              <a:rPr lang="en-US" altLang="ru-RU" sz="1600" dirty="0">
                 <a:latin typeface="Courier New" panose="02070309020205020404" pitchFamily="49" charset="0"/>
                 <a:cs typeface="Courier New" panose="02070309020205020404" pitchFamily="49" charset="0"/>
               </a:rPr>
@@ -25485,127 +24276,42 @@
               <a:buNone/>
             </a:pPr>
             <a:r>
-              <a:rPr lang="en-US" altLang="ru-RU" sz="2000" dirty="0" smtClean="0"/>
-              <a:t>The </a:t>
-            </a:r>
-            <a:r>
               <a:rPr lang="en-US" altLang="ru-RU" sz="2000" dirty="0"/>
-              <a:t>method must search for a user by </a:t>
-            </a:r>
-            <a:r>
-              <a:rPr lang="en-US" altLang="ru-RU" sz="2000" dirty="0" smtClean="0"/>
-              <a:t>username </a:t>
-            </a:r>
-            <a:r>
-              <a:rPr lang="en-US" altLang="ru-RU" sz="2000" dirty="0" smtClean="0"/>
-              <a:t>in </a:t>
+              <a:t>The method must search for a user by username in the storage and return found user. If the username or password is empty - </a:t>
+            </a:r>
+            <a:r>
+              <a:rPr lang="en-US" altLang="ru-RU" sz="2000" dirty="0" err="1">
+                <a:latin typeface="Courier New" panose="02070309020205020404" pitchFamily="49" charset="0"/>
+                <a:cs typeface="Courier New" panose="02070309020205020404" pitchFamily="49" charset="0"/>
+              </a:rPr>
+              <a:t>WrongCredentialsException</a:t>
             </a:r>
             <a:r>
               <a:rPr lang="en-US" altLang="ru-RU" sz="2000" dirty="0"/>
-              <a:t>the </a:t>
-            </a:r>
-            <a:r>
-              <a:rPr lang="en-US" altLang="ru-RU" sz="2000" dirty="0" smtClean="0"/>
-              <a:t>storage </a:t>
-            </a:r>
-            <a:r>
-              <a:rPr lang="en-US" altLang="ru-RU" sz="2000" dirty="0" smtClean="0"/>
-              <a:t>and </a:t>
+              <a:t>. If user is not found, it should throw an exception </a:t>
+            </a:r>
+            <a:r>
+              <a:rPr lang="en-US" altLang="ru-RU" sz="2000" dirty="0" err="1">
+                <a:latin typeface="Courier New" panose="02070309020205020404" pitchFamily="49" charset="0"/>
+                <a:cs typeface="Courier New" panose="02070309020205020404" pitchFamily="49" charset="0"/>
+              </a:rPr>
+              <a:t>UserNotFoundException</a:t>
             </a:r>
             <a:r>
               <a:rPr lang="en-US" altLang="ru-RU" sz="2000" dirty="0"/>
-              <a:t>return </a:t>
-            </a:r>
-            <a:r>
-              <a:rPr lang="en-US" altLang="ru-RU" sz="2000" dirty="0" smtClean="0"/>
-              <a:t>found </a:t>
-            </a:r>
-            <a:r>
-              <a:rPr lang="en-US" altLang="ru-RU" sz="2000" dirty="0" smtClean="0"/>
-              <a:t>user</a:t>
+              <a:t>. If the user is found by username, but the password is incorrect - throw </a:t>
+            </a:r>
+            <a:r>
+              <a:rPr lang="en-US" altLang="ru-RU" sz="2000" dirty="0" err="1">
+                <a:latin typeface="Courier New" panose="02070309020205020404" pitchFamily="49" charset="0"/>
+                <a:cs typeface="Courier New" panose="02070309020205020404" pitchFamily="49" charset="0"/>
+              </a:rPr>
+              <a:t>WrongPasswordException</a:t>
             </a:r>
             <a:r>
               <a:rPr lang="en-US" altLang="ru-RU" sz="2000" dirty="0"/>
-              <a:t>. </a:t>
-            </a:r>
-            <a:r>
-              <a:rPr lang="en-US" altLang="ru-RU" sz="2000" dirty="0"/>
-              <a:t>If the username or password is empty - </a:t>
-            </a:r>
-            <a:r>
-              <a:rPr lang="en-US" altLang="ru-RU" sz="2000" dirty="0" err="1">
-                <a:latin typeface="Courier New" panose="02070309020205020404" pitchFamily="49" charset="0"/>
-                <a:cs typeface="Courier New" panose="02070309020205020404" pitchFamily="49" charset="0"/>
-              </a:rPr>
-              <a:t>WrongCredentialsException</a:t>
-            </a:r>
-            <a:r>
-              <a:rPr lang="en-US" altLang="ru-RU" sz="2000" dirty="0"/>
-              <a:t>. If </a:t>
-            </a:r>
-            <a:r>
-              <a:rPr lang="en-US" altLang="ru-RU" sz="2000" dirty="0"/>
-              <a:t>user is not found, it </a:t>
-            </a:r>
-            <a:r>
-              <a:rPr lang="en-US" altLang="ru-RU" sz="2000" dirty="0" smtClean="0"/>
-              <a:t>should throw </a:t>
-            </a:r>
-            <a:r>
-              <a:rPr lang="en-US" altLang="ru-RU" sz="2000" dirty="0"/>
-              <a:t>an exception </a:t>
-            </a:r>
-            <a:r>
-              <a:rPr lang="en-US" altLang="ru-RU" sz="2000" dirty="0" err="1">
-                <a:latin typeface="Courier New" panose="02070309020205020404" pitchFamily="49" charset="0"/>
-                <a:cs typeface="Courier New" panose="02070309020205020404" pitchFamily="49" charset="0"/>
-              </a:rPr>
-              <a:t>UserNotFoundException</a:t>
-            </a:r>
-            <a:r>
-              <a:rPr lang="en-US" altLang="ru-RU" sz="2000" dirty="0"/>
-              <a:t>. </a:t>
-            </a:r>
-            <a:r>
-              <a:rPr lang="en-US" altLang="ru-RU" sz="2000" dirty="0" smtClean="0"/>
-              <a:t>If </a:t>
-            </a:r>
-            <a:r>
-              <a:rPr lang="en-US" altLang="ru-RU" sz="2000" dirty="0"/>
-              <a:t>the user is found by </a:t>
-            </a:r>
-            <a:r>
-              <a:rPr lang="en-US" altLang="ru-RU" sz="2000" dirty="0" smtClean="0"/>
-              <a:t>username, </a:t>
-            </a:r>
-            <a:r>
-              <a:rPr lang="en-US" altLang="ru-RU" sz="2000" dirty="0"/>
-              <a:t>but the password is </a:t>
-            </a:r>
-            <a:r>
-              <a:rPr lang="en-US" altLang="ru-RU" sz="2000" dirty="0" smtClean="0"/>
-              <a:t>incorrect </a:t>
-            </a:r>
-            <a:r>
-              <a:rPr lang="en-US" altLang="ru-RU" sz="2000" dirty="0"/>
-              <a:t>- </a:t>
-            </a:r>
-            <a:r>
-              <a:rPr lang="en-US" altLang="ru-RU" sz="2000" dirty="0" smtClean="0"/>
-              <a:t>throw </a:t>
-            </a:r>
-            <a:r>
-              <a:rPr lang="en-US" altLang="ru-RU" sz="2000" dirty="0" err="1" smtClean="0">
-                <a:latin typeface="Courier New" panose="02070309020205020404" pitchFamily="49" charset="0"/>
-                <a:cs typeface="Courier New" panose="02070309020205020404" pitchFamily="49" charset="0"/>
-              </a:rPr>
-              <a:t>WrongPasswrodException</a:t>
-            </a:r>
-            <a:r>
-              <a:rPr lang="en-US" altLang="ru-RU" sz="2000" dirty="0" smtClean="0"/>
               <a:t>.</a:t>
             </a:r>
-            <a:endParaRPr lang="en-US" altLang="ru-RU" sz="2000" dirty="0"/>
           </a:p>
         </p:txBody>
       </p:sp>
@@ -25702,13 +24408,6 @@
   <p:clrMapOvr>
     <a:masterClrMapping/>
   </p:clrMapOvr>
-  <p:timing>
-    <p:tnLst>
-      <p:par>
-        <p:cTn id="1" dur="indefinite" restart="never" nodeType="tmRoot"/>
-      </p:par>
-    </p:tnLst>
-  </p:timing>
 </p:sld>
 </file>
 
@@ -25746,11 +24445,7 @@
           <a:p>
             <a:r>
               <a:rPr lang="en-US" dirty="0"/>
-              <a:t>Homework Task </a:t>
-            </a:r>
-            <a:r>
-              <a:rPr lang="en-US" dirty="0" smtClean="0"/>
-              <a:t>X</a:t>
+              <a:t>Homework Task X</a:t>
             </a:r>
             <a:endParaRPr lang="ru-RU" dirty="0"/>
           </a:p>
@@ -25785,36 +24480,24 @@
               <a:buNone/>
             </a:pPr>
             <a:r>
-              <a:rPr lang="en-US" altLang="ru-RU" sz="2000" dirty="0" smtClean="0"/>
-              <a:t>Integrate </a:t>
-            </a:r>
-            <a:r>
-              <a:rPr lang="en-US" altLang="ru-RU" sz="2000" dirty="0" smtClean="0"/>
-              <a:t>Gradle </a:t>
-            </a:r>
-            <a:r>
-              <a:rPr lang="en-US" altLang="ru-RU" sz="2000" dirty="0" smtClean="0"/>
-              <a:t>in </a:t>
-            </a:r>
-            <a:r>
-              <a:rPr lang="en-US" altLang="ru-RU" sz="2000" u="sng" dirty="0" smtClean="0"/>
+              <a:rPr lang="en-US" altLang="ru-RU" sz="2000" dirty="0"/>
+              <a:t>Integrate Gradle in </a:t>
+            </a:r>
+            <a:r>
+              <a:rPr lang="en-US" altLang="ru-RU" sz="2000" u="sng" dirty="0"/>
               <a:t>Lesson01</a:t>
             </a:r>
             <a:r>
-              <a:rPr lang="en-US" altLang="ru-RU" sz="2000" dirty="0" smtClean="0"/>
+              <a:rPr lang="en-US" altLang="ru-RU" sz="2000" dirty="0"/>
               <a:t> and </a:t>
             </a:r>
             <a:r>
-              <a:rPr lang="en-US" altLang="ru-RU" sz="2000" u="sng" dirty="0" smtClean="0"/>
+              <a:rPr lang="en-US" altLang="ru-RU" sz="2000" u="sng" dirty="0"/>
               <a:t>Lesson02</a:t>
             </a:r>
             <a:r>
-              <a:rPr lang="en-US" altLang="ru-RU" sz="2000" dirty="0" smtClean="0"/>
-              <a:t> </a:t>
-            </a:r>
-            <a:r>
-              <a:rPr lang="en-US" altLang="ru-RU" sz="2000" dirty="0" smtClean="0"/>
-              <a:t>modules</a:t>
+              <a:rPr lang="en-US" altLang="ru-RU" sz="2000" dirty="0"/>
+              <a:t> modules</a:t>
             </a:r>
           </a:p>
           <a:p>
@@ -25826,27 +24509,7 @@
             </a:pPr>
             <a:r>
               <a:rPr lang="en-US" altLang="ru-RU" sz="2000" dirty="0"/>
-              <a:t>Do commits </a:t>
-            </a:r>
-            <a:r>
-              <a:rPr lang="en-US" altLang="ru-RU" sz="2000" dirty="0" smtClean="0"/>
-              <a:t>under </a:t>
-            </a:r>
-            <a:r>
-              <a:rPr lang="en-US" altLang="ru-RU" sz="2000" dirty="0"/>
-              <a:t>lesson </a:t>
-            </a:r>
-            <a:r>
-              <a:rPr lang="en-US" altLang="ru-RU" sz="2000" dirty="0" smtClean="0"/>
-              <a:t>1 and 2 </a:t>
-            </a:r>
-            <a:r>
-              <a:rPr lang="en-US" altLang="ru-RU" sz="2000" dirty="0"/>
-              <a:t>tasks</a:t>
-            </a:r>
-            <a:r>
-              <a:rPr lang="en-US" altLang="ru-RU" sz="2000" dirty="0" smtClean="0"/>
-              <a:t>. i.e. commit message:</a:t>
+              <a:t>Do commits under lesson 1 and 2 tasks. i.e. commit message:</a:t>
             </a:r>
           </a:p>
           <a:p>
@@ -25857,18 +24520,17 @@
               <a:buNone/>
             </a:pPr>
             <a:r>
-              <a:rPr lang="en-US" altLang="ru-RU" sz="2000" b="1" dirty="0" smtClean="0"/>
+              <a:rPr lang="en-US" altLang="ru-RU" sz="2000" b="1" dirty="0"/>
               <a:t>L01 Integrate </a:t>
             </a:r>
             <a:r>
-              <a:rPr lang="en-US" altLang="ru-RU" sz="2000" b="1" dirty="0" err="1" smtClean="0"/>
+              <a:rPr lang="en-US" altLang="ru-RU" sz="2000" b="1" dirty="0" err="1"/>
               <a:t>gradle</a:t>
             </a:r>
             <a:r>
-              <a:rPr lang="en-US" altLang="ru-RU" sz="2000" b="1" dirty="0" smtClean="0"/>
+              <a:rPr lang="en-US" altLang="ru-RU" sz="2000" b="1" dirty="0"/>
               <a:t> framework</a:t>
             </a:r>
-            <a:endParaRPr lang="en-US" altLang="ru-RU" sz="2000" b="1" dirty="0"/>
           </a:p>
         </p:txBody>
       </p:sp>
@@ -25965,13 +24627,6 @@
   <p:clrMapOvr>
     <a:masterClrMapping/>
   </p:clrMapOvr>
-  <p:timing>
-    <p:tnLst>
-      <p:par>
-        <p:cTn id="1" dur="indefinite" restart="never" nodeType="tmRoot"/>
-      </p:par>
-    </p:tnLst>
-  </p:timing>
 </p:sld>
 </file>
 
@@ -26013,7 +24668,7 @@
               <a:buNone/>
             </a:pPr>
             <a:r>
-              <a:rPr lang="en-US" sz="13800" dirty="0" smtClean="0"/>
+              <a:rPr lang="en-US" sz="13800" dirty="0"/>
               <a:t>Q&amp;A</a:t>
             </a:r>
             <a:endParaRPr lang="uk-UA" sz="13800" dirty="0"/>
@@ -26030,13 +24685,6 @@
   <p:clrMapOvr>
     <a:masterClrMapping/>
   </p:clrMapOvr>
-  <p:timing>
-    <p:tnLst>
-      <p:par>
-        <p:cTn id="1" dur="indefinite" restart="never" nodeType="tmRoot"/>
-      </p:par>
-    </p:tnLst>
-  </p:timing>
 </p:sld>
 </file>
 
@@ -26133,13 +24781,6 @@
   <p:clrMapOvr>
     <a:masterClrMapping/>
   </p:clrMapOvr>
-  <p:timing>
-    <p:tnLst>
-      <p:par>
-        <p:cTn id="1" dur="indefinite" restart="never" nodeType="tmRoot"/>
-      </p:par>
-    </p:tnLst>
-  </p:timing>
 </p:sld>
 </file>
 
@@ -26217,13 +24858,6 @@
   <p:clrMapOvr>
     <a:masterClrMapping/>
   </p:clrMapOvr>
-  <p:timing>
-    <p:tnLst>
-      <p:par>
-        <p:cTn id="1" dur="indefinite" restart="never" nodeType="tmRoot"/>
-      </p:par>
-    </p:tnLst>
-  </p:timing>
 </p:sld>
 </file>
 
@@ -26290,13 +24924,13 @@
               </a:lnSpc>
             </a:pPr>
             <a:r>
-              <a:rPr lang="en-US" sz="2400" dirty="0" err="1" smtClean="0">
+              <a:rPr lang="en-US" sz="2400" dirty="0" err="1">
                 <a:latin typeface="Courier New" panose="02070309020205020404" pitchFamily="49" charset="0"/>
                 <a:cs typeface="Courier New" panose="02070309020205020404" pitchFamily="49" charset="0"/>
               </a:rPr>
               <a:t>ArithmeticException</a:t>
             </a:r>
-            <a:endParaRPr lang="en-US" sz="2400" dirty="0" smtClean="0">
+            <a:endParaRPr lang="en-US" sz="2400" dirty="0">
               <a:latin typeface="Courier New" panose="02070309020205020404" pitchFamily="49" charset="0"/>
               <a:cs typeface="Courier New" panose="02070309020205020404" pitchFamily="49" charset="0"/>
             </a:endParaRPr>
@@ -26308,13 +24942,13 @@
               </a:lnSpc>
             </a:pPr>
             <a:r>
-              <a:rPr lang="en-US" sz="2400" dirty="0" err="1" smtClean="0">
+              <a:rPr lang="en-US" sz="2400" dirty="0" err="1">
                 <a:latin typeface="Courier New" panose="02070309020205020404" pitchFamily="49" charset="0"/>
                 <a:cs typeface="Courier New" panose="02070309020205020404" pitchFamily="49" charset="0"/>
               </a:rPr>
               <a:t>ArrayIndexOutOfBoundsException</a:t>
             </a:r>
-            <a:endParaRPr lang="en-US" sz="2400" dirty="0" smtClean="0">
+            <a:endParaRPr lang="en-US" sz="2400" dirty="0">
               <a:latin typeface="Courier New" panose="02070309020205020404" pitchFamily="49" charset="0"/>
               <a:cs typeface="Courier New" panose="02070309020205020404" pitchFamily="49" charset="0"/>
             </a:endParaRPr>
@@ -26326,13 +24960,13 @@
               </a:lnSpc>
             </a:pPr>
             <a:r>
-              <a:rPr lang="en-US" sz="2400" dirty="0" err="1" smtClean="0">
+              <a:rPr lang="en-US" sz="2400" dirty="0" err="1">
                 <a:latin typeface="Courier New" panose="02070309020205020404" pitchFamily="49" charset="0"/>
                 <a:cs typeface="Courier New" panose="02070309020205020404" pitchFamily="49" charset="0"/>
               </a:rPr>
               <a:t>ClassCastException</a:t>
             </a:r>
-            <a:endParaRPr lang="en-US" sz="2400" dirty="0" smtClean="0">
+            <a:endParaRPr lang="en-US" sz="2400" dirty="0">
               <a:latin typeface="Courier New" panose="02070309020205020404" pitchFamily="49" charset="0"/>
               <a:cs typeface="Courier New" panose="02070309020205020404" pitchFamily="49" charset="0"/>
             </a:endParaRPr>
@@ -26344,13 +24978,13 @@
               </a:lnSpc>
             </a:pPr>
             <a:r>
-              <a:rPr lang="en-US" sz="2400" dirty="0" err="1" smtClean="0">
+              <a:rPr lang="en-US" sz="2400" dirty="0" err="1">
                 <a:latin typeface="Courier New" panose="02070309020205020404" pitchFamily="49" charset="0"/>
                 <a:cs typeface="Courier New" panose="02070309020205020404" pitchFamily="49" charset="0"/>
               </a:rPr>
               <a:t>IllegalArgumentException</a:t>
             </a:r>
-            <a:endParaRPr lang="en-US" sz="2400" dirty="0" smtClean="0">
+            <a:endParaRPr lang="en-US" sz="2400" dirty="0">
               <a:latin typeface="Courier New" panose="02070309020205020404" pitchFamily="49" charset="0"/>
               <a:cs typeface="Courier New" panose="02070309020205020404" pitchFamily="49" charset="0"/>
             </a:endParaRPr>
@@ -26362,13 +24996,13 @@
               </a:lnSpc>
             </a:pPr>
             <a:r>
-              <a:rPr lang="en-US" sz="2400" dirty="0" err="1" smtClean="0">
+              <a:rPr lang="en-US" sz="2400" dirty="0" err="1">
                 <a:latin typeface="Courier New" panose="02070309020205020404" pitchFamily="49" charset="0"/>
                 <a:cs typeface="Courier New" panose="02070309020205020404" pitchFamily="49" charset="0"/>
               </a:rPr>
               <a:t>NullPointerException</a:t>
             </a:r>
-            <a:endParaRPr lang="en-US" sz="2400" dirty="0" smtClean="0">
+            <a:endParaRPr lang="en-US" sz="2400" dirty="0">
               <a:latin typeface="Courier New" panose="02070309020205020404" pitchFamily="49" charset="0"/>
               <a:cs typeface="Courier New" panose="02070309020205020404" pitchFamily="49" charset="0"/>
             </a:endParaRPr>
@@ -26380,16 +25014,12 @@
               </a:lnSpc>
             </a:pPr>
             <a:r>
-              <a:rPr lang="en-US" sz="2400" dirty="0" smtClean="0">
+              <a:rPr lang="en-US" sz="2400" dirty="0">
                 <a:latin typeface="Courier New" panose="02070309020205020404" pitchFamily="49" charset="0"/>
                 <a:cs typeface="Courier New" panose="02070309020205020404" pitchFamily="49" charset="0"/>
               </a:rPr>
               <a:t>…</a:t>
             </a:r>
-            <a:endParaRPr lang="en-US" sz="2400" dirty="0">
-              <a:latin typeface="Courier New" panose="02070309020205020404" pitchFamily="49" charset="0"/>
-              <a:cs typeface="Courier New" panose="02070309020205020404" pitchFamily="49" charset="0"/>
-            </a:endParaRPr>
           </a:p>
         </p:txBody>
       </p:sp>
@@ -26403,13 +25033,6 @@
   <p:clrMapOvr>
     <a:masterClrMapping/>
   </p:clrMapOvr>
-  <p:timing>
-    <p:tnLst>
-      <p:par>
-        <p:cTn id="1" dur="indefinite" restart="never" nodeType="tmRoot"/>
-      </p:par>
-    </p:tnLst>
-  </p:timing>
 </p:sld>
 </file>
 
@@ -26446,7 +25069,7 @@
           <a:lstStyle/>
           <a:p>
             <a:r>
-              <a:rPr lang="en-US" dirty="0" smtClean="0"/>
+              <a:rPr lang="en-US" dirty="0"/>
               <a:t>Exception population</a:t>
             </a:r>
             <a:endParaRPr lang="ru-RU" dirty="0"/>
@@ -26522,7 +25145,7 @@
               <a:buNone/>
             </a:pPr>
             <a:r>
-              <a:rPr kumimoji="0" lang="ru-RU" altLang="ru-RU" sz="2400" b="1" i="0" u="none" strike="noStrike" cap="none" normalizeH="0" baseline="0" dirty="0" smtClean="0">
+              <a:rPr kumimoji="0" lang="ru-RU" altLang="ru-RU" sz="2400" b="1" i="0" u="none" strike="noStrike" cap="none" normalizeH="0" baseline="0" dirty="0">
                 <a:ln>
                   <a:noFill/>
                 </a:ln>
@@ -26536,7 +25159,7 @@
               <a:t>public </a:t>
             </a:r>
             <a:r>
-              <a:rPr kumimoji="0" lang="en-US" altLang="ru-RU" sz="2400" b="0" i="0" u="none" strike="noStrike" cap="none" normalizeH="0" baseline="0" dirty="0" smtClean="0">
+              <a:rPr kumimoji="0" lang="en-US" altLang="ru-RU" sz="2400" b="0" i="0" u="none" strike="noStrike" cap="none" normalizeH="0" baseline="0" dirty="0">
                 <a:ln>
                   <a:noFill/>
                 </a:ln>
@@ -26550,7 +25173,7 @@
               <a:t>User</a:t>
             </a:r>
             <a:r>
-              <a:rPr kumimoji="0" lang="ru-RU" altLang="ru-RU" sz="2400" b="0" i="0" u="none" strike="noStrike" cap="none" normalizeH="0" baseline="0" dirty="0" smtClean="0">
+              <a:rPr kumimoji="0" lang="ru-RU" altLang="ru-RU" sz="2400" b="0" i="0" u="none" strike="noStrike" cap="none" normalizeH="0" baseline="0" dirty="0">
                 <a:ln>
                   <a:noFill/>
                 </a:ln>
@@ -26564,7 +25187,7 @@
               <a:t> </a:t>
             </a:r>
             <a:r>
-              <a:rPr kumimoji="0" lang="en-US" altLang="ru-RU" sz="2400" b="0" i="0" u="none" strike="noStrike" cap="none" normalizeH="0" baseline="0" dirty="0" err="1" smtClean="0">
+              <a:rPr kumimoji="0" lang="en-US" altLang="ru-RU" sz="2400" b="0" i="0" u="none" strike="noStrike" cap="none" normalizeH="0" baseline="0" dirty="0" err="1">
                 <a:ln>
                   <a:noFill/>
                 </a:ln>
@@ -26578,7 +25201,7 @@
               <a:t>auth</a:t>
             </a:r>
             <a:r>
-              <a:rPr kumimoji="0" lang="ru-RU" altLang="ru-RU" sz="2400" b="0" i="0" u="none" strike="noStrike" cap="none" normalizeH="0" baseline="0" dirty="0" smtClean="0">
+              <a:rPr kumimoji="0" lang="ru-RU" altLang="ru-RU" sz="2400" b="0" i="0" u="none" strike="noStrike" cap="none" normalizeH="0" baseline="0" dirty="0">
                 <a:ln>
                   <a:noFill/>
                 </a:ln>
@@ -26592,7 +25215,7 @@
               <a:t>(</a:t>
             </a:r>
             <a:r>
-              <a:rPr lang="en-US" altLang="ru-RU" sz="2400" dirty="0" smtClean="0">
+              <a:rPr lang="en-US" altLang="ru-RU" sz="2400" dirty="0">
                 <a:solidFill>
                   <a:srgbClr val="000000"/>
                 </a:solidFill>
@@ -26602,7 +25225,7 @@
               <a:t>String username</a:t>
             </a:r>
             <a:r>
-              <a:rPr kumimoji="0" lang="ru-RU" altLang="ru-RU" sz="2400" b="0" i="0" u="none" strike="noStrike" cap="none" normalizeH="0" baseline="0" dirty="0" smtClean="0">
+              <a:rPr kumimoji="0" lang="ru-RU" altLang="ru-RU" sz="2400" b="0" i="0" u="none" strike="noStrike" cap="none" normalizeH="0" baseline="0" dirty="0">
                 <a:ln>
                   <a:noFill/>
                 </a:ln>
@@ -26616,7 +25239,7 @@
               <a:t>) {</a:t>
             </a:r>
             <a:br>
-              <a:rPr kumimoji="0" lang="ru-RU" altLang="ru-RU" sz="2400" b="0" i="0" u="none" strike="noStrike" cap="none" normalizeH="0" baseline="0" dirty="0" smtClean="0">
+              <a:rPr kumimoji="0" lang="ru-RU" altLang="ru-RU" sz="2400" b="0" i="0" u="none" strike="noStrike" cap="none" normalizeH="0" baseline="0" dirty="0">
                 <a:ln>
                   <a:noFill/>
                 </a:ln>
@@ -26629,7 +25252,7 @@
               </a:rPr>
             </a:br>
             <a:r>
-              <a:rPr kumimoji="0" lang="ru-RU" altLang="ru-RU" sz="2400" b="0" i="0" u="none" strike="noStrike" cap="none" normalizeH="0" baseline="0" dirty="0" smtClean="0">
+              <a:rPr kumimoji="0" lang="ru-RU" altLang="ru-RU" sz="2400" b="0" i="0" u="none" strike="noStrike" cap="none" normalizeH="0" baseline="0" dirty="0">
                 <a:ln>
                   <a:noFill/>
                 </a:ln>
@@ -26643,7 +25266,7 @@
               <a:t>    </a:t>
             </a:r>
             <a:r>
-              <a:rPr kumimoji="0" lang="ru-RU" altLang="ru-RU" sz="2400" b="1" i="0" u="none" strike="noStrike" cap="none" normalizeH="0" baseline="0" dirty="0" err="1" smtClean="0">
+              <a:rPr kumimoji="0" lang="ru-RU" altLang="ru-RU" sz="2400" b="1" i="0" u="none" strike="noStrike" cap="none" normalizeH="0" baseline="0" dirty="0" err="1">
                 <a:ln>
                   <a:noFill/>
                 </a:ln>
@@ -26657,7 +25280,7 @@
               <a:t>throw</a:t>
             </a:r>
             <a:r>
-              <a:rPr kumimoji="0" lang="ru-RU" altLang="ru-RU" sz="2400" b="1" i="0" u="none" strike="noStrike" cap="none" normalizeH="0" baseline="0" dirty="0" smtClean="0">
+              <a:rPr kumimoji="0" lang="ru-RU" altLang="ru-RU" sz="2400" b="1" i="0" u="none" strike="noStrike" cap="none" normalizeH="0" baseline="0" dirty="0">
                 <a:ln>
                   <a:noFill/>
                 </a:ln>
@@ -26671,7 +25294,7 @@
               <a:t> </a:t>
             </a:r>
             <a:r>
-              <a:rPr kumimoji="0" lang="ru-RU" altLang="ru-RU" sz="2400" b="1" i="0" u="none" strike="noStrike" cap="none" normalizeH="0" baseline="0" dirty="0" err="1" smtClean="0">
+              <a:rPr kumimoji="0" lang="ru-RU" altLang="ru-RU" sz="2400" b="1" i="0" u="none" strike="noStrike" cap="none" normalizeH="0" baseline="0" dirty="0" err="1">
                 <a:ln>
                   <a:noFill/>
                 </a:ln>
@@ -26685,7 +25308,7 @@
               <a:t>new</a:t>
             </a:r>
             <a:r>
-              <a:rPr kumimoji="0" lang="ru-RU" altLang="ru-RU" sz="2400" b="1" i="0" u="none" strike="noStrike" cap="none" normalizeH="0" baseline="0" dirty="0" smtClean="0">
+              <a:rPr kumimoji="0" lang="ru-RU" altLang="ru-RU" sz="2400" b="1" i="0" u="none" strike="noStrike" cap="none" normalizeH="0" baseline="0" dirty="0">
                 <a:ln>
                   <a:noFill/>
                 </a:ln>
@@ -26699,7 +25322,7 @@
               <a:t> </a:t>
             </a:r>
             <a:r>
-              <a:rPr lang="en-US" altLang="en-US" sz="2400" dirty="0" err="1" smtClean="0">
+              <a:rPr lang="en-US" altLang="en-US" sz="2400" dirty="0" err="1">
                 <a:solidFill>
                   <a:srgbClr val="000000"/>
                 </a:solidFill>
@@ -26709,7 +25332,7 @@
               <a:t>UserNotFoundException</a:t>
             </a:r>
             <a:r>
-              <a:rPr kumimoji="0" lang="ru-RU" altLang="ru-RU" sz="2400" b="0" i="0" u="none" strike="noStrike" cap="none" normalizeH="0" baseline="0" dirty="0" smtClean="0">
+              <a:rPr kumimoji="0" lang="ru-RU" altLang="ru-RU" sz="2400" b="0" i="0" u="none" strike="noStrike" cap="none" normalizeH="0" baseline="0" dirty="0">
                 <a:ln>
                   <a:noFill/>
                 </a:ln>
@@ -26723,7 +25346,7 @@
               <a:t>();</a:t>
             </a:r>
             <a:br>
-              <a:rPr kumimoji="0" lang="ru-RU" altLang="ru-RU" sz="2400" b="0" i="0" u="none" strike="noStrike" cap="none" normalizeH="0" baseline="0" dirty="0" smtClean="0">
+              <a:rPr kumimoji="0" lang="ru-RU" altLang="ru-RU" sz="2400" b="0" i="0" u="none" strike="noStrike" cap="none" normalizeH="0" baseline="0" dirty="0">
                 <a:ln>
                   <a:noFill/>
                 </a:ln>
@@ -26736,7 +25359,7 @@
               </a:rPr>
             </a:br>
             <a:r>
-              <a:rPr kumimoji="0" lang="ru-RU" altLang="ru-RU" sz="2400" b="0" i="0" u="none" strike="noStrike" cap="none" normalizeH="0" baseline="0" dirty="0" smtClean="0">
+              <a:rPr kumimoji="0" lang="ru-RU" altLang="ru-RU" sz="2400" b="0" i="0" u="none" strike="noStrike" cap="none" normalizeH="0" baseline="0" dirty="0">
                 <a:ln>
                   <a:noFill/>
                 </a:ln>
@@ -26772,13 +25395,6 @@
   <p:clrMapOvr>
     <a:masterClrMapping/>
   </p:clrMapOvr>
-  <p:timing>
-    <p:tnLst>
-      <p:par>
-        <p:cTn id="1" dur="indefinite" restart="never" nodeType="tmRoot"/>
-      </p:par>
-    </p:tnLst>
-  </p:timing>
 </p:sld>
 </file>
 
@@ -26816,15 +25432,7 @@
           <a:p>
             <a:r>
               <a:rPr lang="en-US" dirty="0"/>
-              <a:t>Exception </a:t>
-            </a:r>
-            <a:r>
-              <a:rPr lang="en-US" dirty="0" smtClean="0"/>
-              <a:t>handling</a:t>
-            </a:r>
-            <a:r>
-              <a:rPr lang="en-US" dirty="0" smtClean="0"/>
-              <a:t>: </a:t>
+              <a:t>Exception handling: </a:t>
             </a:r>
             <a:r>
               <a:rPr lang="en-US" b="1" dirty="0"/>
@@ -26864,24 +25472,14 @@
               </a:spcAft>
             </a:pPr>
             <a:r>
-              <a:rPr lang="en-US" altLang="en-US" sz="2400" b="1" dirty="0" smtClean="0">
+              <a:rPr lang="en-US" altLang="en-US" sz="2400" b="1" dirty="0">
                 <a:solidFill>
                   <a:srgbClr val="000080"/>
                 </a:solidFill>
                 <a:latin typeface="Courier New" panose="02070309020205020404" pitchFamily="49" charset="0"/>
                 <a:cs typeface="Courier New" panose="02070309020205020404" pitchFamily="49" charset="0"/>
               </a:rPr>
-              <a:t>public </a:t>
-            </a:r>
-            <a:r>
-              <a:rPr lang="en-US" altLang="en-US" sz="2400" b="1" dirty="0">
-                <a:solidFill>
-                  <a:srgbClr val="000080"/>
-                </a:solidFill>
-                <a:latin typeface="Courier New" panose="02070309020205020404" pitchFamily="49" charset="0"/>
-                <a:cs typeface="Courier New" panose="02070309020205020404" pitchFamily="49" charset="0"/>
-              </a:rPr>
-              <a:t>static </a:t>
+              <a:t>public static </a:t>
             </a:r>
             <a:r>
               <a:rPr lang="en-US" altLang="en-US" sz="2400" dirty="0">
@@ -27152,7 +25750,7 @@
               <a:t>Use </a:t>
             </a:r>
             <a:r>
-              <a:rPr lang="en-US" altLang="en-US" b="1" dirty="0" smtClean="0">
+              <a:rPr lang="en-US" altLang="en-US" b="1" dirty="0">
                 <a:solidFill>
                   <a:srgbClr val="000080"/>
                 </a:solidFill>
@@ -27163,11 +25761,7 @@
             </a:r>
             <a:r>
               <a:rPr lang="en-US" altLang="en-US" dirty="0"/>
-              <a:t> </a:t>
-            </a:r>
-            <a:r>
-              <a:rPr lang="en-US" altLang="en-US" dirty="0" smtClean="0"/>
-              <a:t>only for checked exceptions</a:t>
+              <a:t> only for checked exceptions</a:t>
             </a:r>
             <a:endParaRPr lang="en-US" dirty="0"/>
           </a:p>
@@ -27183,13 +25777,6 @@
   <p:clrMapOvr>
     <a:masterClrMapping/>
   </p:clrMapOvr>
-  <p:timing>
-    <p:tnLst>
-      <p:par>
-        <p:cTn id="1" dur="indefinite" restart="never" nodeType="tmRoot"/>
-      </p:par>
-    </p:tnLst>
-  </p:timing>
 </p:sld>
 </file>
 
@@ -27881,7 +26468,7 @@
               <a:buNone/>
               <a:tabLst/>
             </a:pPr>
-            <a:endParaRPr kumimoji="0" lang="en-US" altLang="en-US" sz="1800" b="0" i="0" u="none" strike="noStrike" cap="none" normalizeH="0" baseline="0" dirty="0" smtClean="0">
+            <a:endParaRPr kumimoji="0" lang="en-US" altLang="en-US" sz="1800" b="0" i="0" u="none" strike="noStrike" cap="none" normalizeH="0" baseline="0" dirty="0">
               <a:ln>
                 <a:noFill/>
               </a:ln>
@@ -27904,13 +26491,6 @@
   <p:clrMapOvr>
     <a:masterClrMapping/>
   </p:clrMapOvr>
-  <p:timing>
-    <p:tnLst>
-      <p:par>
-        <p:cTn id="1" dur="indefinite" restart="never" nodeType="tmRoot"/>
-      </p:par>
-    </p:tnLst>
-  </p:timing>
 </p:sld>
 </file>
 
